--- a/assets/presentation/politiscape.pptx
+++ b/assets/presentation/politiscape.pptx
@@ -19,17 +19,16 @@
     <p:sldId id="266" r:id="rId13"/>
     <p:sldId id="267" r:id="rId14"/>
     <p:sldId id="270" r:id="rId15"/>
-    <p:sldId id="271" r:id="rId16"/>
-    <p:sldId id="269" r:id="rId17"/>
-    <p:sldId id="272" r:id="rId18"/>
-    <p:sldId id="273" r:id="rId19"/>
-    <p:sldId id="274" r:id="rId20"/>
-    <p:sldId id="275" r:id="rId21"/>
-    <p:sldId id="276" r:id="rId22"/>
-    <p:sldId id="277" r:id="rId23"/>
-    <p:sldId id="280" r:id="rId24"/>
-    <p:sldId id="281" r:id="rId25"/>
-    <p:sldId id="282" r:id="rId26"/>
+    <p:sldId id="269" r:id="rId16"/>
+    <p:sldId id="272" r:id="rId17"/>
+    <p:sldId id="273" r:id="rId18"/>
+    <p:sldId id="274" r:id="rId19"/>
+    <p:sldId id="275" r:id="rId20"/>
+    <p:sldId id="276" r:id="rId21"/>
+    <p:sldId id="277" r:id="rId22"/>
+    <p:sldId id="280" r:id="rId23"/>
+    <p:sldId id="281" r:id="rId24"/>
+    <p:sldId id="282" r:id="rId25"/>
   </p:sldIdLst>
   <p:sldSz cx="9144000" cy="6858000" type="screen4x3"/>
   <p:notesSz cx="6858000" cy="9144000"/>
@@ -7428,7 +7427,7 @@
         </p:blipFill>
         <p:spPr>
           <a:xfrm>
-            <a:off x="5853236" y="2144889"/>
+            <a:off x="6103871" y="2144889"/>
             <a:ext cx="2728279" cy="1876778"/>
           </a:xfrm>
           <a:prstGeom prst="rect">
@@ -8732,7 +8731,12 @@
             <p:ph type="title"/>
           </p:nvPr>
         </p:nvSpPr>
-        <p:spPr/>
+        <p:spPr>
+          <a:xfrm>
+            <a:off x="457199" y="840426"/>
+            <a:ext cx="7391401" cy="1143000"/>
+          </a:xfrm>
+        </p:spPr>
         <p:txBody>
           <a:bodyPr/>
           <a:lstStyle/>
@@ -8764,13 +8768,13 @@
         </p:nvSpPr>
         <p:spPr>
           <a:xfrm>
-            <a:off x="4281929" y="5297559"/>
-            <a:ext cx="3838134" cy="847653"/>
+            <a:off x="457199" y="6002873"/>
+            <a:ext cx="7662864" cy="433218"/>
           </a:xfrm>
         </p:spPr>
         <p:txBody>
           <a:bodyPr>
-            <a:normAutofit fontScale="85000" lnSpcReduction="20000"/>
+            <a:normAutofit fontScale="77500" lnSpcReduction="20000"/>
           </a:bodyPr>
           <a:lstStyle/>
           <a:p>
@@ -8797,30 +8801,6 @@
           </a:p>
         </p:txBody>
       </p:sp>
-      <p:pic>
-        <p:nvPicPr>
-          <p:cNvPr id="10" name="Content Placeholder 9"/>
-          <p:cNvPicPr>
-            <a:picLocks noGrp="1" noChangeAspect="1"/>
-          </p:cNvPicPr>
-          <p:nvPr>
-            <p:ph sz="half" idx="13"/>
-          </p:nvPr>
-        </p:nvPicPr>
-        <p:blipFill>
-          <a:blip r:embed="rId2"/>
-          <a:srcRect l="2620" r="2620"/>
-          <a:stretch>
-            <a:fillRect/>
-          </a:stretch>
-        </p:blipFill>
-        <p:spPr>
-          <a:xfrm>
-            <a:off x="4283075" y="2304806"/>
-            <a:ext cx="3836988" cy="2868613"/>
-          </a:xfrm>
-        </p:spPr>
-      </p:pic>
       <p:pic>
         <p:nvPicPr>
           <p:cNvPr id="7" name="Content Placeholder 6"/>
@@ -8832,11 +8812,16 @@
           </p:nvPr>
         </p:nvPicPr>
         <p:blipFill rotWithShape="1">
-          <a:blip r:embed="rId3"/>
-          <a:srcRect l="-515" t="-46765" r="-1"/>
+          <a:blip r:embed="rId2"/>
+          <a:srcRect l="-515" t="-4023" r="-1" b="1"/>
           <a:stretch/>
         </p:blipFill>
-        <p:spPr/>
+        <p:spPr>
+          <a:xfrm>
+            <a:off x="457199" y="3112163"/>
+            <a:ext cx="3566160" cy="2772426"/>
+          </a:xfrm>
+        </p:spPr>
       </p:pic>
       <p:pic>
         <p:nvPicPr>
@@ -8847,13 +8832,13 @@
           <p:nvPr/>
         </p:nvPicPr>
         <p:blipFill rotWithShape="1">
-          <a:blip r:embed="rId4"/>
+          <a:blip r:embed="rId3"/>
           <a:srcRect l="14413" t="7537" r="12974" b="11239"/>
           <a:stretch/>
         </p:blipFill>
         <p:spPr>
           <a:xfrm>
-            <a:off x="457200" y="2304806"/>
+            <a:off x="457200" y="2139623"/>
             <a:ext cx="3566160" cy="972540"/>
           </a:xfrm>
           <a:prstGeom prst="rect">
@@ -8870,7 +8855,7 @@
           <p:nvPr/>
         </p:nvPicPr>
         <p:blipFill>
-          <a:blip r:embed="rId5" cstate="print">
+          <a:blip r:embed="rId4" cstate="print">
             <a:extLst>
               <a:ext uri="{28A0092B-C50C-407E-A947-70E740481C1C}">
                 <a14:useLocalDpi xmlns:a14="http://schemas.microsoft.com/office/drawing/2010/main" val="0"/>
@@ -8883,7 +8868,7 @@
         </p:blipFill>
         <p:spPr>
           <a:xfrm>
-            <a:off x="808089" y="2344997"/>
+            <a:off x="808089" y="2179814"/>
             <a:ext cx="736169" cy="767166"/>
           </a:xfrm>
           <a:prstGeom prst="rect">
@@ -8900,7 +8885,7 @@
           <p:nvPr/>
         </p:nvPicPr>
         <p:blipFill>
-          <a:blip r:embed="rId5" cstate="print">
+          <a:blip r:embed="rId4" cstate="print">
             <a:extLst>
               <a:ext uri="{28A0092B-C50C-407E-A947-70E740481C1C}">
                 <a14:useLocalDpi xmlns:a14="http://schemas.microsoft.com/office/drawing/2010/main" val="0"/>
@@ -8913,12 +8898,64 @@
         </p:blipFill>
         <p:spPr>
           <a:xfrm>
-            <a:off x="1644512" y="2344997"/>
+            <a:off x="1644512" y="2179814"/>
             <a:ext cx="736169" cy="767166"/>
           </a:xfrm>
           <a:prstGeom prst="rect">
             <a:avLst/>
           </a:prstGeom>
+        </p:spPr>
+      </p:pic>
+      <p:pic>
+        <p:nvPicPr>
+          <p:cNvPr id="11" name="Picture 10" descr="my-red-check-mark-png-md.png"/>
+          <p:cNvPicPr>
+            <a:picLocks noChangeAspect="1"/>
+          </p:cNvPicPr>
+          <p:nvPr/>
+        </p:nvPicPr>
+        <p:blipFill>
+          <a:blip r:embed="rId4" cstate="print">
+            <a:extLst>
+              <a:ext uri="{28A0092B-C50C-407E-A947-70E740481C1C}">
+                <a14:useLocalDpi xmlns:a14="http://schemas.microsoft.com/office/drawing/2010/main" val="0"/>
+              </a:ext>
+            </a:extLst>
+          </a:blip>
+          <a:stretch>
+            <a:fillRect/>
+          </a:stretch>
+        </p:blipFill>
+        <p:spPr>
+          <a:xfrm>
+            <a:off x="2380681" y="2179814"/>
+            <a:ext cx="736169" cy="767166"/>
+          </a:xfrm>
+          <a:prstGeom prst="rect">
+            <a:avLst/>
+          </a:prstGeom>
+        </p:spPr>
+      </p:pic>
+      <p:pic>
+        <p:nvPicPr>
+          <p:cNvPr id="5" name="Content Placeholder 4"/>
+          <p:cNvPicPr>
+            <a:picLocks noGrp="1" noChangeAspect="1"/>
+          </p:cNvPicPr>
+          <p:nvPr>
+            <p:ph sz="half" idx="13"/>
+          </p:nvPr>
+        </p:nvPicPr>
+        <p:blipFill rotWithShape="1">
+          <a:blip r:embed="rId5"/>
+          <a:srcRect b="256"/>
+          <a:stretch/>
+        </p:blipFill>
+        <p:spPr>
+          <a:xfrm>
+            <a:off x="4442473" y="2179814"/>
+            <a:ext cx="3677589" cy="3704775"/>
+          </a:xfrm>
         </p:spPr>
       </p:pic>
     </p:spTree>
@@ -8968,239 +9005,6 @@
             <p:ph type="title"/>
           </p:nvPr>
         </p:nvSpPr>
-        <p:spPr/>
-        <p:txBody>
-          <a:bodyPr/>
-          <a:lstStyle/>
-          <a:p>
-            <a:r>
-              <a:rPr lang="en-US" dirty="0" smtClean="0"/>
-              <a:t>The website</a:t>
-            </a:r>
-            <a:endParaRPr lang="en-US" dirty="0"/>
-          </a:p>
-        </p:txBody>
-      </p:sp>
-      <p:pic>
-        <p:nvPicPr>
-          <p:cNvPr id="9" name="Picture 8"/>
-          <p:cNvPicPr>
-            <a:picLocks noChangeAspect="1"/>
-          </p:cNvPicPr>
-          <p:nvPr/>
-        </p:nvPicPr>
-        <p:blipFill rotWithShape="1">
-          <a:blip r:embed="rId2"/>
-          <a:srcRect l="14413" t="7537" r="12974" b="11239"/>
-          <a:stretch/>
-        </p:blipFill>
-        <p:spPr>
-          <a:xfrm>
-            <a:off x="457200" y="2304806"/>
-            <a:ext cx="3566160" cy="972540"/>
-          </a:xfrm>
-          <a:prstGeom prst="rect">
-            <a:avLst/>
-          </a:prstGeom>
-        </p:spPr>
-      </p:pic>
-      <p:pic>
-        <p:nvPicPr>
-          <p:cNvPr id="15" name="Picture 14" descr="my-red-check-mark-png-md.png"/>
-          <p:cNvPicPr>
-            <a:picLocks noChangeAspect="1"/>
-          </p:cNvPicPr>
-          <p:nvPr/>
-        </p:nvPicPr>
-        <p:blipFill>
-          <a:blip r:embed="rId3" cstate="print">
-            <a:extLst>
-              <a:ext uri="{28A0092B-C50C-407E-A947-70E740481C1C}">
-                <a14:useLocalDpi xmlns:a14="http://schemas.microsoft.com/office/drawing/2010/main" val="0"/>
-              </a:ext>
-            </a:extLst>
-          </a:blip>
-          <a:stretch>
-            <a:fillRect/>
-          </a:stretch>
-        </p:blipFill>
-        <p:spPr>
-          <a:xfrm>
-            <a:off x="2380681" y="2344997"/>
-            <a:ext cx="736169" cy="767166"/>
-          </a:xfrm>
-          <a:prstGeom prst="rect">
-            <a:avLst/>
-          </a:prstGeom>
-        </p:spPr>
-      </p:pic>
-      <p:pic>
-        <p:nvPicPr>
-          <p:cNvPr id="6" name="Content Placeholder 5"/>
-          <p:cNvPicPr>
-            <a:picLocks noGrp="1" noChangeAspect="1"/>
-          </p:cNvPicPr>
-          <p:nvPr>
-            <p:ph sz="half" idx="13"/>
-          </p:nvPr>
-        </p:nvPicPr>
-        <p:blipFill rotWithShape="1">
-          <a:blip r:embed="rId4"/>
-          <a:srcRect b="-371"/>
-          <a:stretch/>
-        </p:blipFill>
-        <p:spPr>
-          <a:xfrm>
-            <a:off x="3116849" y="3484640"/>
-            <a:ext cx="4899961" cy="3041254"/>
-          </a:xfrm>
-        </p:spPr>
-      </p:pic>
-      <p:pic>
-        <p:nvPicPr>
-          <p:cNvPr id="12" name="Picture 11" descr="my-red-check-mark-png-md.png"/>
-          <p:cNvPicPr>
-            <a:picLocks noChangeAspect="1"/>
-          </p:cNvPicPr>
-          <p:nvPr/>
-        </p:nvPicPr>
-        <p:blipFill>
-          <a:blip r:embed="rId3" cstate="print">
-            <a:extLst>
-              <a:ext uri="{28A0092B-C50C-407E-A947-70E740481C1C}">
-                <a14:useLocalDpi xmlns:a14="http://schemas.microsoft.com/office/drawing/2010/main" val="0"/>
-              </a:ext>
-            </a:extLst>
-          </a:blip>
-          <a:stretch>
-            <a:fillRect/>
-          </a:stretch>
-        </p:blipFill>
-        <p:spPr>
-          <a:xfrm>
-            <a:off x="1495104" y="2344997"/>
-            <a:ext cx="736169" cy="767166"/>
-          </a:xfrm>
-          <a:prstGeom prst="rect">
-            <a:avLst/>
-          </a:prstGeom>
-        </p:spPr>
-      </p:pic>
-      <p:pic>
-        <p:nvPicPr>
-          <p:cNvPr id="13" name="Picture 12" descr="my-red-check-mark-png-md.png"/>
-          <p:cNvPicPr>
-            <a:picLocks noChangeAspect="1"/>
-          </p:cNvPicPr>
-          <p:nvPr/>
-        </p:nvPicPr>
-        <p:blipFill>
-          <a:blip r:embed="rId3" cstate="print">
-            <a:extLst>
-              <a:ext uri="{28A0092B-C50C-407E-A947-70E740481C1C}">
-                <a14:useLocalDpi xmlns:a14="http://schemas.microsoft.com/office/drawing/2010/main" val="0"/>
-              </a:ext>
-            </a:extLst>
-          </a:blip>
-          <a:stretch>
-            <a:fillRect/>
-          </a:stretch>
-        </p:blipFill>
-        <p:spPr>
-          <a:xfrm>
-            <a:off x="592818" y="2344997"/>
-            <a:ext cx="736169" cy="767166"/>
-          </a:xfrm>
-          <a:prstGeom prst="rect">
-            <a:avLst/>
-          </a:prstGeom>
-        </p:spPr>
-      </p:pic>
-      <p:sp>
-        <p:nvSpPr>
-          <p:cNvPr id="11" name="Content Placeholder 10"/>
-          <p:cNvSpPr>
-            <a:spLocks noGrp="1"/>
-          </p:cNvSpPr>
-          <p:nvPr>
-            <p:ph sz="half" idx="14"/>
-          </p:nvPr>
-        </p:nvSpPr>
-        <p:spPr>
-          <a:xfrm>
-            <a:off x="4227377" y="2214563"/>
-            <a:ext cx="3789434" cy="1270076"/>
-          </a:xfrm>
-        </p:spPr>
-        <p:txBody>
-          <a:bodyPr/>
-          <a:lstStyle/>
-          <a:p>
-            <a:r>
-              <a:rPr lang="en-US" dirty="0"/>
-              <a:t>The website button only had a little change, if the link didn’t exist</a:t>
-            </a:r>
-            <a:r>
-              <a:rPr lang="mr-IN" dirty="0"/>
-              <a:t>…</a:t>
-            </a:r>
-            <a:r>
-              <a:rPr lang="en-US" dirty="0"/>
-              <a:t> it goes black!</a:t>
-            </a:r>
-          </a:p>
-          <a:p>
-            <a:endParaRPr lang="en-US" dirty="0"/>
-          </a:p>
-        </p:txBody>
-      </p:sp>
-    </p:spTree>
-    <p:extLst>
-      <p:ext uri="{BB962C8B-B14F-4D97-AF65-F5344CB8AC3E}">
-        <p14:creationId xmlns:p14="http://schemas.microsoft.com/office/powerpoint/2010/main" val="3018337823"/>
-      </p:ext>
-    </p:extLst>
-  </p:cSld>
-  <p:clrMapOvr>
-    <a:masterClrMapping/>
-  </p:clrMapOvr>
-  <p:timing>
-    <p:tnLst>
-      <p:par>
-        <p:cTn xmlns:p14="http://schemas.microsoft.com/office/powerpoint/2010/main" id="1" dur="indefinite" restart="never" nodeType="tmRoot"/>
-      </p:par>
-    </p:tnLst>
-  </p:timing>
-</p:sld>
-</file>
-
-<file path=ppt/slides/slide16.xml><?xml version="1.0" encoding="utf-8"?>
-<p:sld xmlns:a="http://schemas.openxmlformats.org/drawingml/2006/main" xmlns:r="http://schemas.openxmlformats.org/officeDocument/2006/relationships" xmlns:p="http://schemas.openxmlformats.org/presentationml/2006/main">
-  <p:cSld>
-    <p:spTree>
-      <p:nvGrpSpPr>
-        <p:cNvPr id="1" name=""/>
-        <p:cNvGrpSpPr/>
-        <p:nvPr/>
-      </p:nvGrpSpPr>
-      <p:grpSpPr>
-        <a:xfrm>
-          <a:off x="0" y="0"/>
-          <a:ext cx="0" cy="0"/>
-          <a:chOff x="0" y="0"/>
-          <a:chExt cx="0" cy="0"/>
-        </a:xfrm>
-      </p:grpSpPr>
-      <p:sp>
-        <p:nvSpPr>
-          <p:cNvPr id="2" name="Title 1"/>
-          <p:cNvSpPr>
-            <a:spLocks noGrp="1"/>
-          </p:cNvSpPr>
-          <p:nvPr>
-            <p:ph type="title"/>
-          </p:nvPr>
-        </p:nvSpPr>
         <p:spPr>
           <a:xfrm>
             <a:off x="1905093" y="1792047"/>
@@ -9759,6 +9563,182 @@
 </p:sld>
 </file>
 
+<file path=ppt/slides/slide16.xml><?xml version="1.0" encoding="utf-8"?>
+<p:sld xmlns:a="http://schemas.openxmlformats.org/drawingml/2006/main" xmlns:r="http://schemas.openxmlformats.org/officeDocument/2006/relationships" xmlns:p="http://schemas.openxmlformats.org/presentationml/2006/main">
+  <p:cSld>
+    <p:spTree>
+      <p:nvGrpSpPr>
+        <p:cNvPr id="1" name=""/>
+        <p:cNvGrpSpPr/>
+        <p:nvPr/>
+      </p:nvGrpSpPr>
+      <p:grpSpPr>
+        <a:xfrm>
+          <a:off x="0" y="0"/>
+          <a:ext cx="0" cy="0"/>
+          <a:chOff x="0" y="0"/>
+          <a:chExt cx="0" cy="0"/>
+        </a:xfrm>
+      </p:grpSpPr>
+      <p:sp>
+        <p:nvSpPr>
+          <p:cNvPr id="2" name="Title 1"/>
+          <p:cNvSpPr>
+            <a:spLocks noGrp="1"/>
+          </p:cNvSpPr>
+          <p:nvPr>
+            <p:ph type="title"/>
+          </p:nvPr>
+        </p:nvSpPr>
+        <p:spPr>
+          <a:xfrm>
+            <a:off x="457199" y="747284"/>
+            <a:ext cx="7391401" cy="1143000"/>
+          </a:xfrm>
+        </p:spPr>
+        <p:txBody>
+          <a:bodyPr/>
+          <a:lstStyle/>
+          <a:p>
+            <a:r>
+              <a:rPr lang="en-US" dirty="0" smtClean="0"/>
+              <a:t>The “Headlines” Button</a:t>
+            </a:r>
+            <a:endParaRPr lang="en-US" dirty="0"/>
+          </a:p>
+        </p:txBody>
+      </p:sp>
+      <p:pic>
+        <p:nvPicPr>
+          <p:cNvPr id="6" name="Content Placeholder 5"/>
+          <p:cNvPicPr>
+            <a:picLocks noGrp="1" noChangeAspect="1"/>
+          </p:cNvPicPr>
+          <p:nvPr>
+            <p:ph sz="half" idx="1"/>
+          </p:nvPr>
+        </p:nvPicPr>
+        <p:blipFill rotWithShape="1">
+          <a:blip r:embed="rId2"/>
+          <a:srcRect r="-450" b="-691"/>
+          <a:stretch/>
+        </p:blipFill>
+        <p:spPr>
+          <a:xfrm>
+            <a:off x="457200" y="2080867"/>
+            <a:ext cx="4434082" cy="2732054"/>
+          </a:xfrm>
+        </p:spPr>
+      </p:pic>
+      <p:pic>
+        <p:nvPicPr>
+          <p:cNvPr id="7" name="Content Placeholder 6"/>
+          <p:cNvPicPr>
+            <a:picLocks noGrp="1" noChangeAspect="1"/>
+          </p:cNvPicPr>
+          <p:nvPr>
+            <p:ph sz="half" idx="2"/>
+          </p:nvPr>
+        </p:nvPicPr>
+        <p:blipFill rotWithShape="1">
+          <a:blip r:embed="rId3"/>
+          <a:srcRect l="-2"/>
+          <a:stretch/>
+        </p:blipFill>
+        <p:spPr>
+          <a:xfrm>
+            <a:off x="5086016" y="2080866"/>
+            <a:ext cx="3013218" cy="2214207"/>
+          </a:xfrm>
+        </p:spPr>
+      </p:pic>
+      <p:sp>
+        <p:nvSpPr>
+          <p:cNvPr id="8" name="TextBox 7"/>
+          <p:cNvSpPr txBox="1"/>
+          <p:nvPr/>
+        </p:nvSpPr>
+        <p:spPr>
+          <a:xfrm>
+            <a:off x="457199" y="4929902"/>
+            <a:ext cx="7642035" cy="1200329"/>
+          </a:xfrm>
+          <a:prstGeom prst="rect">
+            <a:avLst/>
+          </a:prstGeom>
+          <a:noFill/>
+        </p:spPr>
+        <p:txBody>
+          <a:bodyPr wrap="square" rtlCol="0">
+            <a:spAutoFit/>
+          </a:bodyPr>
+          <a:lstStyle/>
+          <a:p>
+            <a:r>
+              <a:rPr lang="en-US" dirty="0" smtClean="0"/>
+              <a:t>The names had to be split; remove punctuation; replace spaces with hyphens; and, finally, join the name.</a:t>
+            </a:r>
+          </a:p>
+          <a:p>
+            <a:r>
+              <a:rPr lang="en-US" dirty="0" smtClean="0"/>
+              <a:t>This gave us “</a:t>
+            </a:r>
+            <a:r>
+              <a:rPr lang="en-US" dirty="0" err="1" smtClean="0"/>
+              <a:t>nameID</a:t>
+            </a:r>
+            <a:r>
+              <a:rPr lang="en-US" dirty="0" smtClean="0"/>
+              <a:t>”. We used it as values and IDs to use in the next step of the API.</a:t>
+            </a:r>
+            <a:endParaRPr lang="en-US" dirty="0"/>
+          </a:p>
+        </p:txBody>
+      </p:sp>
+      <p:pic>
+        <p:nvPicPr>
+          <p:cNvPr id="9" name="Picture 8"/>
+          <p:cNvPicPr>
+            <a:picLocks noChangeAspect="1"/>
+          </p:cNvPicPr>
+          <p:nvPr/>
+        </p:nvPicPr>
+        <p:blipFill rotWithShape="1">
+          <a:blip r:embed="rId4"/>
+          <a:srcRect l="4461" r="4667"/>
+          <a:stretch/>
+        </p:blipFill>
+        <p:spPr>
+          <a:xfrm>
+            <a:off x="5086016" y="4295074"/>
+            <a:ext cx="3013218" cy="517847"/>
+          </a:xfrm>
+          <a:prstGeom prst="rect">
+            <a:avLst/>
+          </a:prstGeom>
+        </p:spPr>
+      </p:pic>
+    </p:spTree>
+    <p:extLst>
+      <p:ext uri="{BB962C8B-B14F-4D97-AF65-F5344CB8AC3E}">
+        <p14:creationId xmlns:p14="http://schemas.microsoft.com/office/powerpoint/2010/main" val="1647471693"/>
+      </p:ext>
+    </p:extLst>
+  </p:cSld>
+  <p:clrMapOvr>
+    <a:masterClrMapping/>
+  </p:clrMapOvr>
+  <p:timing>
+    <p:tnLst>
+      <p:par>
+        <p:cTn xmlns:p14="http://schemas.microsoft.com/office/powerpoint/2010/main" id="1" dur="indefinite" restart="never" nodeType="tmRoot"/>
+      </p:par>
+    </p:tnLst>
+  </p:timing>
+</p:sld>
+</file>
+
 <file path=ppt/slides/slide17.xml><?xml version="1.0" encoding="utf-8"?>
 <p:sld xmlns:a="http://schemas.openxmlformats.org/drawingml/2006/main" xmlns:r="http://schemas.openxmlformats.org/officeDocument/2006/relationships" xmlns:p="http://schemas.openxmlformats.org/presentationml/2006/main">
   <p:cSld>
@@ -9786,46 +9766,79 @@
             <p:ph type="title"/>
           </p:nvPr>
         </p:nvSpPr>
-        <p:spPr>
-          <a:xfrm>
-            <a:off x="457199" y="747284"/>
-            <a:ext cx="7391401" cy="1143000"/>
-          </a:xfrm>
-        </p:spPr>
+        <p:spPr/>
         <p:txBody>
           <a:bodyPr/>
           <a:lstStyle/>
           <a:p>
             <a:r>
               <a:rPr lang="en-US" dirty="0" smtClean="0"/>
-              <a:t>The “Headlines” Button</a:t>
+              <a:t>API #2 </a:t>
+            </a:r>
+            <a:r>
+              <a:rPr lang="mr-IN" dirty="0" smtClean="0"/>
+              <a:t>–</a:t>
+            </a:r>
+            <a:r>
+              <a:rPr lang="en-US" dirty="0" smtClean="0"/>
+              <a:t> New York Times</a:t>
             </a:r>
             <a:endParaRPr lang="en-US" dirty="0"/>
           </a:p>
         </p:txBody>
       </p:sp>
-      <p:pic>
-        <p:nvPicPr>
-          <p:cNvPr id="6" name="Content Placeholder 5"/>
-          <p:cNvPicPr>
-            <a:picLocks noGrp="1" noChangeAspect="1"/>
-          </p:cNvPicPr>
+      <p:sp>
+        <p:nvSpPr>
+          <p:cNvPr id="3" name="Content Placeholder 2"/>
+          <p:cNvSpPr>
+            <a:spLocks noGrp="1"/>
+          </p:cNvSpPr>
           <p:nvPr>
             <p:ph sz="half" idx="1"/>
           </p:nvPr>
-        </p:nvPicPr>
-        <p:blipFill rotWithShape="1">
-          <a:blip r:embed="rId2"/>
-          <a:srcRect r="-450" b="-691"/>
-          <a:stretch/>
-        </p:blipFill>
-        <p:spPr>
-          <a:xfrm>
-            <a:off x="457200" y="2080867"/>
-            <a:ext cx="4434082" cy="2732054"/>
-          </a:xfrm>
-        </p:spPr>
-      </p:pic>
+        </p:nvSpPr>
+        <p:spPr>
+          <a:xfrm>
+            <a:off x="4282440" y="2139077"/>
+            <a:ext cx="3566160" cy="4006135"/>
+          </a:xfrm>
+        </p:spPr>
+        <p:txBody>
+          <a:bodyPr>
+            <a:normAutofit/>
+          </a:bodyPr>
+          <a:lstStyle/>
+          <a:p>
+            <a:r>
+              <a:rPr lang="en-US" dirty="0" smtClean="0"/>
+              <a:t>Now that we built “</a:t>
+            </a:r>
+            <a:r>
+              <a:rPr lang="en-US" dirty="0" err="1" smtClean="0"/>
+              <a:t>nameID</a:t>
+            </a:r>
+            <a:r>
+              <a:rPr lang="en-US" dirty="0" smtClean="0"/>
+              <a:t>” the headlines button can register the value to search in the NYT-API.</a:t>
+            </a:r>
+          </a:p>
+          <a:p>
+            <a:r>
+              <a:rPr lang="en-US" dirty="0" smtClean="0"/>
+              <a:t>By placing the “Get” within the button clicked function, we activate the 2</a:t>
+            </a:r>
+            <a:r>
+              <a:rPr lang="en-US" baseline="30000" dirty="0" smtClean="0"/>
+              <a:t>nd</a:t>
+            </a:r>
+            <a:r>
+              <a:rPr lang="en-US" dirty="0" smtClean="0"/>
+              <a:t> API, and our page loads faster initially.</a:t>
+            </a:r>
+            <a:endParaRPr lang="en-US" dirty="0"/>
+          </a:p>
+        </p:txBody>
+      </p:sp>
       <p:pic>
         <p:nvPicPr>
           <p:cNvPr id="7" name="Content Placeholder 6"/>
@@ -9833,92 +9846,25 @@
             <a:picLocks noGrp="1" noChangeAspect="1"/>
           </p:cNvPicPr>
           <p:nvPr>
-            <p:ph sz="half" idx="2"/>
+            <p:ph sz="half" idx="14"/>
           </p:nvPr>
         </p:nvPicPr>
         <p:blipFill rotWithShape="1">
-          <a:blip r:embed="rId3"/>
-          <a:srcRect l="-2"/>
+          <a:blip r:embed="rId2"/>
+          <a:srcRect t="-470" b="933"/>
           <a:stretch/>
         </p:blipFill>
         <p:spPr>
           <a:xfrm>
-            <a:off x="5086016" y="2080866"/>
-            <a:ext cx="3013218" cy="2214207"/>
-          </a:xfrm>
-        </p:spPr>
-      </p:pic>
-      <p:sp>
-        <p:nvSpPr>
-          <p:cNvPr id="8" name="TextBox 7"/>
-          <p:cNvSpPr txBox="1"/>
-          <p:nvPr/>
-        </p:nvSpPr>
-        <p:spPr>
-          <a:xfrm>
-            <a:off x="457199" y="4929902"/>
-            <a:ext cx="7642035" cy="1200329"/>
-          </a:xfrm>
-          <a:prstGeom prst="rect">
-            <a:avLst/>
-          </a:prstGeom>
-          <a:noFill/>
-        </p:spPr>
-        <p:txBody>
-          <a:bodyPr wrap="square" rtlCol="0">
-            <a:spAutoFit/>
-          </a:bodyPr>
-          <a:lstStyle/>
-          <a:p>
-            <a:r>
-              <a:rPr lang="en-US" dirty="0" smtClean="0"/>
-              <a:t>The names had to be split; remove punctuation; replace spaces with hyphens; and, finally, join the name.</a:t>
-            </a:r>
-          </a:p>
-          <a:p>
-            <a:r>
-              <a:rPr lang="en-US" dirty="0" smtClean="0"/>
-              <a:t>This gave us “</a:t>
-            </a:r>
-            <a:r>
-              <a:rPr lang="en-US" dirty="0" err="1" smtClean="0"/>
-              <a:t>nameID</a:t>
-            </a:r>
-            <a:r>
-              <a:rPr lang="en-US" dirty="0" smtClean="0"/>
-              <a:t>”. We used it as values and IDs to use in the next step of the API.</a:t>
-            </a:r>
-            <a:endParaRPr lang="en-US" dirty="0"/>
-          </a:p>
-        </p:txBody>
-      </p:sp>
-      <p:pic>
-        <p:nvPicPr>
-          <p:cNvPr id="9" name="Picture 8"/>
-          <p:cNvPicPr>
-            <a:picLocks noChangeAspect="1"/>
-          </p:cNvPicPr>
-          <p:nvPr/>
-        </p:nvPicPr>
-        <p:blipFill rotWithShape="1">
-          <a:blip r:embed="rId4"/>
-          <a:srcRect l="4461" r="4667"/>
-          <a:stretch/>
-        </p:blipFill>
-        <p:spPr>
-          <a:xfrm>
-            <a:off x="5086016" y="4295074"/>
-            <a:ext cx="3013218" cy="517847"/>
-          </a:xfrm>
-          <a:prstGeom prst="rect">
-            <a:avLst/>
-          </a:prstGeom>
+            <a:off x="457200" y="2139078"/>
+            <a:ext cx="3566160" cy="4006135"/>
+          </a:xfrm>
         </p:spPr>
       </p:pic>
     </p:spTree>
     <p:extLst>
       <p:ext uri="{BB962C8B-B14F-4D97-AF65-F5344CB8AC3E}">
-        <p14:creationId xmlns:p14="http://schemas.microsoft.com/office/powerpoint/2010/main" val="1647471693"/>
+        <p14:creationId xmlns:p14="http://schemas.microsoft.com/office/powerpoint/2010/main" val="365485538"/>
       </p:ext>
     </p:extLst>
   </p:cSld>
@@ -9969,15 +9915,7 @@
           <a:p>
             <a:r>
               <a:rPr lang="en-US" dirty="0" smtClean="0"/>
-              <a:t>API #2 </a:t>
-            </a:r>
-            <a:r>
-              <a:rPr lang="mr-IN" dirty="0" smtClean="0"/>
-              <a:t>–</a:t>
-            </a:r>
-            <a:r>
-              <a:rPr lang="en-US" dirty="0" smtClean="0"/>
-              <a:t> New York Times</a:t>
+              <a:t>Remember: “Keep it clean”</a:t>
             </a:r>
             <a:endParaRPr lang="en-US" dirty="0"/>
           </a:p>
@@ -9985,56 +9923,116 @@
       </p:sp>
       <p:sp>
         <p:nvSpPr>
-          <p:cNvPr id="3" name="Content Placeholder 2"/>
-          <p:cNvSpPr>
-            <a:spLocks noGrp="1"/>
-          </p:cNvSpPr>
-          <p:nvPr>
-            <p:ph sz="half" idx="1"/>
-          </p:nvPr>
-        </p:nvSpPr>
-        <p:spPr>
-          <a:xfrm>
-            <a:off x="4282440" y="2139077"/>
-            <a:ext cx="3566160" cy="4006135"/>
+          <p:cNvPr id="4" name="Content Placeholder 3"/>
+          <p:cNvSpPr>
+            <a:spLocks noGrp="1"/>
+          </p:cNvSpPr>
+          <p:nvPr>
+            <p:ph sz="half" idx="13"/>
+          </p:nvPr>
+        </p:nvSpPr>
+        <p:spPr>
+          <a:xfrm>
+            <a:off x="3365217" y="5630333"/>
+            <a:ext cx="4692227" cy="1044222"/>
           </a:xfrm>
         </p:spPr>
         <p:txBody>
           <a:bodyPr>
-            <a:normAutofit/>
+            <a:normAutofit fontScale="70000" lnSpcReduction="20000"/>
           </a:bodyPr>
           <a:lstStyle/>
           <a:p>
-            <a:r>
-              <a:rPr lang="en-US" dirty="0" smtClean="0"/>
-              <a:t>Now that we built “</a:t>
-            </a:r>
-            <a:r>
-              <a:rPr lang="en-US" dirty="0" err="1" smtClean="0"/>
-              <a:t>nameID</a:t>
-            </a:r>
-            <a:r>
-              <a:rPr lang="en-US" dirty="0" smtClean="0"/>
-              <a:t>” the headlines button can register the value to search in the NYT-API.</a:t>
-            </a:r>
-          </a:p>
-          <a:p>
-            <a:r>
-              <a:rPr lang="en-US" dirty="0" smtClean="0"/>
-              <a:t>By placing the “Get” within the button clicked function, we activate the 2</a:t>
-            </a:r>
-            <a:r>
-              <a:rPr lang="en-US" baseline="30000" dirty="0" smtClean="0"/>
-              <a:t>nd</a:t>
-            </a:r>
-            <a:r>
-              <a:rPr lang="en-US" dirty="0" smtClean="0"/>
-              <a:t> API, and our page loads faster initially.</a:t>
+            <a:pPr marL="0" indent="0">
+              <a:lnSpc>
+                <a:spcPct val="120000"/>
+              </a:lnSpc>
+              <a:spcBef>
+                <a:spcPts val="1200"/>
+              </a:spcBef>
+              <a:buNone/>
+            </a:pPr>
+            <a:r>
+              <a:rPr lang="en-US" dirty="0" smtClean="0"/>
+              <a:t>To stay true to the “keep it clean” branding style, the headlines button can clear the headlines by just being clicked again</a:t>
+            </a:r>
+            <a:r>
+              <a:rPr lang="mr-IN" dirty="0" smtClean="0"/>
+              <a:t>…</a:t>
+            </a:r>
+            <a:r>
+              <a:rPr lang="en-US" dirty="0"/>
+              <a:t> </a:t>
+            </a:r>
+            <a:r>
+              <a:rPr lang="en-US" dirty="0" smtClean="0"/>
+              <a:t>but it took some code!</a:t>
+            </a:r>
+          </a:p>
+          <a:p>
+            <a:pPr marL="0" indent="0">
+              <a:lnSpc>
+                <a:spcPct val="120000"/>
+              </a:lnSpc>
+              <a:spcBef>
+                <a:spcPts val="1200"/>
+              </a:spcBef>
+              <a:buNone/>
+            </a:pPr>
+            <a:r>
+              <a:rPr lang="en-US" dirty="0" smtClean="0"/>
+              <a:t>True &amp; False!</a:t>
             </a:r>
             <a:endParaRPr lang="en-US" dirty="0"/>
           </a:p>
         </p:txBody>
       </p:sp>
+      <p:pic>
+        <p:nvPicPr>
+          <p:cNvPr id="8" name="Content Placeholder 7"/>
+          <p:cNvPicPr>
+            <a:picLocks noGrp="1" noChangeAspect="1"/>
+          </p:cNvPicPr>
+          <p:nvPr>
+            <p:ph sz="half" idx="15"/>
+          </p:nvPr>
+        </p:nvPicPr>
+        <p:blipFill rotWithShape="1">
+          <a:blip r:embed="rId2"/>
+          <a:srcRect l="9909" r="-463"/>
+          <a:stretch/>
+        </p:blipFill>
+        <p:spPr>
+          <a:xfrm>
+            <a:off x="457200" y="2214563"/>
+            <a:ext cx="2760133" cy="4403548"/>
+          </a:xfrm>
+        </p:spPr>
+      </p:pic>
+      <p:pic>
+        <p:nvPicPr>
+          <p:cNvPr id="9" name="Picture 8"/>
+          <p:cNvPicPr>
+            <a:picLocks noChangeAspect="1"/>
+          </p:cNvPicPr>
+          <p:nvPr/>
+        </p:nvPicPr>
+        <p:blipFill>
+          <a:blip r:embed="rId3"/>
+          <a:stretch>
+            <a:fillRect/>
+          </a:stretch>
+        </p:blipFill>
+        <p:spPr>
+          <a:xfrm>
+            <a:off x="4007556" y="3923775"/>
+            <a:ext cx="3918764" cy="1715728"/>
+          </a:xfrm>
+          <a:prstGeom prst="rect">
+            <a:avLst/>
+          </a:prstGeom>
+        </p:spPr>
+      </p:pic>
       <p:pic>
         <p:nvPicPr>
           <p:cNvPr id="7" name="Content Placeholder 6"/>
@@ -10046,21 +10044,21 @@
           </p:nvPr>
         </p:nvPicPr>
         <p:blipFill rotWithShape="1">
-          <a:blip r:embed="rId2"/>
-          <a:srcRect t="-470" b="933"/>
+          <a:blip r:embed="rId4"/>
+          <a:srcRect l="3991" r="341" b="2726"/>
           <a:stretch/>
         </p:blipFill>
         <p:spPr>
           <a:xfrm>
-            <a:off x="457200" y="2139078"/>
-            <a:ext cx="3566160" cy="4006135"/>
+            <a:off x="3365216" y="2214562"/>
+            <a:ext cx="4199037" cy="1778882"/>
           </a:xfrm>
         </p:spPr>
       </p:pic>
     </p:spTree>
     <p:extLst>
       <p:ext uri="{BB962C8B-B14F-4D97-AF65-F5344CB8AC3E}">
-        <p14:creationId xmlns:p14="http://schemas.microsoft.com/office/powerpoint/2010/main" val="365485538"/>
+        <p14:creationId xmlns:p14="http://schemas.microsoft.com/office/powerpoint/2010/main" val="2437355112"/>
       </p:ext>
     </p:extLst>
   </p:cSld>
@@ -10111,73 +10109,7 @@
           <a:p>
             <a:r>
               <a:rPr lang="en-US" dirty="0" smtClean="0"/>
-              <a:t>Remember: “Keep it clean”</a:t>
-            </a:r>
-            <a:endParaRPr lang="en-US" dirty="0"/>
-          </a:p>
-        </p:txBody>
-      </p:sp>
-      <p:sp>
-        <p:nvSpPr>
-          <p:cNvPr id="4" name="Content Placeholder 3"/>
-          <p:cNvSpPr>
-            <a:spLocks noGrp="1"/>
-          </p:cNvSpPr>
-          <p:nvPr>
-            <p:ph sz="half" idx="13"/>
-          </p:nvPr>
-        </p:nvSpPr>
-        <p:spPr>
-          <a:xfrm>
-            <a:off x="3365217" y="5630333"/>
-            <a:ext cx="4692227" cy="1044222"/>
-          </a:xfrm>
-        </p:spPr>
-        <p:txBody>
-          <a:bodyPr>
-            <a:normAutofit fontScale="70000" lnSpcReduction="20000"/>
-          </a:bodyPr>
-          <a:lstStyle/>
-          <a:p>
-            <a:pPr marL="0" indent="0">
-              <a:lnSpc>
-                <a:spcPct val="120000"/>
-              </a:lnSpc>
-              <a:spcBef>
-                <a:spcPts val="1200"/>
-              </a:spcBef>
-              <a:buNone/>
-            </a:pPr>
-            <a:r>
-              <a:rPr lang="en-US" dirty="0" smtClean="0"/>
-              <a:t>To stay true to the “keep it clean” branding style, the headlines button can clear the headlines by just being clicked again</a:t>
-            </a:r>
-            <a:r>
-              <a:rPr lang="mr-IN" dirty="0" smtClean="0"/>
-              <a:t>…</a:t>
-            </a:r>
-            <a:r>
-              <a:rPr lang="en-US" dirty="0"/>
-              <a:t> </a:t>
-            </a:r>
-            <a:r>
-              <a:rPr lang="en-US" dirty="0" smtClean="0"/>
-              <a:t>but it took some code!</a:t>
-            </a:r>
-          </a:p>
-          <a:p>
-            <a:pPr marL="0" indent="0">
-              <a:lnSpc>
-                <a:spcPct val="120000"/>
-              </a:lnSpc>
-              <a:spcBef>
-                <a:spcPts val="1200"/>
-              </a:spcBef>
-              <a:buNone/>
-            </a:pPr>
-            <a:r>
-              <a:rPr lang="en-US" dirty="0" smtClean="0"/>
-              <a:t>True &amp; False!</a:t>
+              <a:t>Headlines button complete!</a:t>
             </a:r>
             <a:endParaRPr lang="en-US" dirty="0"/>
           </a:p>
@@ -10185,76 +10117,46 @@
       </p:sp>
       <p:pic>
         <p:nvPicPr>
-          <p:cNvPr id="8" name="Content Placeholder 7"/>
+          <p:cNvPr id="5" name="Content Placeholder 4"/>
           <p:cNvPicPr>
             <a:picLocks noGrp="1" noChangeAspect="1"/>
           </p:cNvPicPr>
           <p:nvPr>
-            <p:ph sz="half" idx="15"/>
-          </p:nvPr>
-        </p:nvPicPr>
-        <p:blipFill rotWithShape="1">
-          <a:blip r:embed="rId2"/>
-          <a:srcRect l="9909" r="-463"/>
-          <a:stretch/>
-        </p:blipFill>
-        <p:spPr>
-          <a:xfrm>
-            <a:off x="457200" y="2214563"/>
-            <a:ext cx="2760133" cy="4403548"/>
-          </a:xfrm>
-        </p:spPr>
-      </p:pic>
-      <p:pic>
-        <p:nvPicPr>
-          <p:cNvPr id="9" name="Picture 8"/>
-          <p:cNvPicPr>
-            <a:picLocks noChangeAspect="1"/>
-          </p:cNvPicPr>
-          <p:nvPr/>
+            <p:ph sz="half" idx="1"/>
+          </p:nvPr>
         </p:nvPicPr>
         <p:blipFill>
-          <a:blip r:embed="rId3"/>
+          <a:blip r:embed="rId2"/>
+          <a:srcRect t="15046" b="15046"/>
           <a:stretch>
             <a:fillRect/>
           </a:stretch>
         </p:blipFill>
-        <p:spPr>
-          <a:xfrm>
-            <a:off x="4007556" y="3923775"/>
-            <a:ext cx="3918764" cy="1715728"/>
-          </a:xfrm>
-          <a:prstGeom prst="rect">
-            <a:avLst/>
-          </a:prstGeom>
-        </p:spPr>
+        <p:spPr/>
       </p:pic>
       <p:pic>
         <p:nvPicPr>
-          <p:cNvPr id="7" name="Content Placeholder 6"/>
+          <p:cNvPr id="6" name="Content Placeholder 5"/>
           <p:cNvPicPr>
             <a:picLocks noGrp="1" noChangeAspect="1"/>
           </p:cNvPicPr>
           <p:nvPr>
-            <p:ph sz="half" idx="14"/>
+            <p:ph sz="half" idx="2"/>
           </p:nvPr>
         </p:nvPicPr>
-        <p:blipFill rotWithShape="1">
-          <a:blip r:embed="rId4"/>
-          <a:srcRect l="3991" r="341" b="2726"/>
-          <a:stretch/>
+        <p:blipFill>
+          <a:blip r:embed="rId3"/>
+          <a:srcRect l="681" r="681"/>
+          <a:stretch>
+            <a:fillRect/>
+          </a:stretch>
         </p:blipFill>
-        <p:spPr>
-          <a:xfrm>
-            <a:off x="3365216" y="2214562"/>
-            <a:ext cx="4199037" cy="1778882"/>
-          </a:xfrm>
-        </p:spPr>
+        <p:spPr/>
       </p:pic>
     </p:spTree>
     <p:extLst>
       <p:ext uri="{BB962C8B-B14F-4D97-AF65-F5344CB8AC3E}">
-        <p14:creationId xmlns:p14="http://schemas.microsoft.com/office/powerpoint/2010/main" val="2437355112"/>
+        <p14:creationId xmlns:p14="http://schemas.microsoft.com/office/powerpoint/2010/main" val="1091923509"/>
       </p:ext>
     </p:extLst>
   </p:cSld>
@@ -10431,104 +10333,6 @@
       </p:grpSpPr>
       <p:sp>
         <p:nvSpPr>
-          <p:cNvPr id="2" name="Title 1"/>
-          <p:cNvSpPr>
-            <a:spLocks noGrp="1"/>
-          </p:cNvSpPr>
-          <p:nvPr>
-            <p:ph type="title"/>
-          </p:nvPr>
-        </p:nvSpPr>
-        <p:spPr/>
-        <p:txBody>
-          <a:bodyPr/>
-          <a:lstStyle/>
-          <a:p>
-            <a:r>
-              <a:rPr lang="en-US" dirty="0" smtClean="0"/>
-              <a:t>Headlines button complete!</a:t>
-            </a:r>
-            <a:endParaRPr lang="en-US" dirty="0"/>
-          </a:p>
-        </p:txBody>
-      </p:sp>
-      <p:pic>
-        <p:nvPicPr>
-          <p:cNvPr id="5" name="Content Placeholder 4"/>
-          <p:cNvPicPr>
-            <a:picLocks noGrp="1" noChangeAspect="1"/>
-          </p:cNvPicPr>
-          <p:nvPr>
-            <p:ph sz="half" idx="1"/>
-          </p:nvPr>
-        </p:nvPicPr>
-        <p:blipFill>
-          <a:blip r:embed="rId2"/>
-          <a:srcRect t="15046" b="15046"/>
-          <a:stretch>
-            <a:fillRect/>
-          </a:stretch>
-        </p:blipFill>
-        <p:spPr/>
-      </p:pic>
-      <p:pic>
-        <p:nvPicPr>
-          <p:cNvPr id="6" name="Content Placeholder 5"/>
-          <p:cNvPicPr>
-            <a:picLocks noGrp="1" noChangeAspect="1"/>
-          </p:cNvPicPr>
-          <p:nvPr>
-            <p:ph sz="half" idx="2"/>
-          </p:nvPr>
-        </p:nvPicPr>
-        <p:blipFill>
-          <a:blip r:embed="rId3"/>
-          <a:srcRect l="681" r="681"/>
-          <a:stretch>
-            <a:fillRect/>
-          </a:stretch>
-        </p:blipFill>
-        <p:spPr/>
-      </p:pic>
-    </p:spTree>
-    <p:extLst>
-      <p:ext uri="{BB962C8B-B14F-4D97-AF65-F5344CB8AC3E}">
-        <p14:creationId xmlns:p14="http://schemas.microsoft.com/office/powerpoint/2010/main" val="1091923509"/>
-      </p:ext>
-    </p:extLst>
-  </p:cSld>
-  <p:clrMapOvr>
-    <a:masterClrMapping/>
-  </p:clrMapOvr>
-  <p:timing>
-    <p:tnLst>
-      <p:par>
-        <p:cTn xmlns:p14="http://schemas.microsoft.com/office/powerpoint/2010/main" id="1" dur="indefinite" restart="never" nodeType="tmRoot"/>
-      </p:par>
-    </p:tnLst>
-  </p:timing>
-</p:sld>
-</file>
-
-<file path=ppt/slides/slide21.xml><?xml version="1.0" encoding="utf-8"?>
-<p:sld xmlns:a="http://schemas.openxmlformats.org/drawingml/2006/main" xmlns:r="http://schemas.openxmlformats.org/officeDocument/2006/relationships" xmlns:p="http://schemas.openxmlformats.org/presentationml/2006/main">
-  <p:cSld>
-    <p:spTree>
-      <p:nvGrpSpPr>
-        <p:cNvPr id="1" name=""/>
-        <p:cNvGrpSpPr/>
-        <p:nvPr/>
-      </p:nvGrpSpPr>
-      <p:grpSpPr>
-        <a:xfrm>
-          <a:off x="0" y="0"/>
-          <a:ext cx="0" cy="0"/>
-          <a:chOff x="0" y="0"/>
-          <a:chExt cx="0" cy="0"/>
-        </a:xfrm>
-      </p:grpSpPr>
-      <p:sp>
-        <p:nvSpPr>
           <p:cNvPr id="3" name="Text Placeholder 2"/>
           <p:cNvSpPr>
             <a:spLocks noGrp="1"/>
@@ -11112,7 +10916,7 @@
 </p:sld>
 </file>
 
-<file path=ppt/slides/slide22.xml><?xml version="1.0" encoding="utf-8"?>
+<file path=ppt/slides/slide21.xml><?xml version="1.0" encoding="utf-8"?>
 <p:sld xmlns:a="http://schemas.openxmlformats.org/drawingml/2006/main" xmlns:r="http://schemas.openxmlformats.org/officeDocument/2006/relationships" xmlns:p="http://schemas.openxmlformats.org/presentationml/2006/main">
   <p:cSld>
     <p:spTree>
@@ -12385,6 +12189,117 @@
 </p:sld>
 </file>
 
+<file path=ppt/slides/slide22.xml><?xml version="1.0" encoding="utf-8"?>
+<p:sld xmlns:a="http://schemas.openxmlformats.org/drawingml/2006/main" xmlns:r="http://schemas.openxmlformats.org/officeDocument/2006/relationships" xmlns:p="http://schemas.openxmlformats.org/presentationml/2006/main">
+  <p:cSld>
+    <p:spTree>
+      <p:nvGrpSpPr>
+        <p:cNvPr id="1" name=""/>
+        <p:cNvGrpSpPr/>
+        <p:nvPr/>
+      </p:nvGrpSpPr>
+      <p:grpSpPr>
+        <a:xfrm>
+          <a:off x="0" y="0"/>
+          <a:ext cx="0" cy="0"/>
+          <a:chOff x="0" y="0"/>
+          <a:chExt cx="0" cy="0"/>
+        </a:xfrm>
+      </p:grpSpPr>
+      <p:sp>
+        <p:nvSpPr>
+          <p:cNvPr id="2" name="Title 1"/>
+          <p:cNvSpPr txBox="1">
+            <a:spLocks/>
+          </p:cNvSpPr>
+          <p:nvPr/>
+        </p:nvSpPr>
+        <p:spPr>
+          <a:xfrm>
+            <a:off x="458787" y="5660376"/>
+            <a:ext cx="7617153" cy="824672"/>
+          </a:xfrm>
+          <a:prstGeom prst="rect">
+            <a:avLst/>
+          </a:prstGeom>
+        </p:spPr>
+        <p:txBody>
+          <a:bodyPr/>
+          <a:lstStyle>
+            <a:lvl1pPr algn="l" defTabSz="914400" rtl="0" eaLnBrk="1" latinLnBrk="0" hangingPunct="1">
+              <a:spcBef>
+                <a:spcPct val="0"/>
+              </a:spcBef>
+              <a:buNone/>
+              <a:defRPr sz="3600" kern="1200">
+                <a:solidFill>
+                  <a:schemeClr val="accent1"/>
+                </a:solidFill>
+                <a:latin typeface="+mj-lt"/>
+                <a:ea typeface="+mj-ea"/>
+                <a:cs typeface="+mj-cs"/>
+              </a:defRPr>
+            </a:lvl1pPr>
+          </a:lstStyle>
+          <a:p>
+            <a:pPr algn="r"/>
+            <a:r>
+              <a:rPr lang="en-US" sz="6000" dirty="0" err="1" smtClean="0"/>
+              <a:t>Wanna</a:t>
+            </a:r>
+            <a:r>
+              <a:rPr lang="en-US" sz="6000" dirty="0" smtClean="0"/>
+              <a:t> see?</a:t>
+            </a:r>
+            <a:endParaRPr lang="en-US" sz="6000" dirty="0"/>
+          </a:p>
+        </p:txBody>
+      </p:sp>
+      <p:pic>
+        <p:nvPicPr>
+          <p:cNvPr id="3" name="Picture Placeholder 4">
+            <a:hlinkClick r:id="rId2"/>
+          </p:cNvPr>
+          <p:cNvPicPr>
+            <a:picLocks noChangeAspect="1"/>
+          </p:cNvPicPr>
+          <p:nvPr/>
+        </p:nvPicPr>
+        <p:blipFill rotWithShape="1">
+          <a:blip r:embed="rId3"/>
+          <a:srcRect l="23274" r="23860"/>
+          <a:stretch/>
+        </p:blipFill>
+        <p:spPr>
+          <a:xfrm>
+            <a:off x="2490596" y="268287"/>
+            <a:ext cx="5585345" cy="5353731"/>
+          </a:xfrm>
+          <a:prstGeom prst="rect">
+            <a:avLst/>
+          </a:prstGeom>
+        </p:spPr>
+      </p:pic>
+    </p:spTree>
+    <p:extLst>
+      <p:ext uri="{BB962C8B-B14F-4D97-AF65-F5344CB8AC3E}">
+        <p14:creationId xmlns:p14="http://schemas.microsoft.com/office/powerpoint/2010/main" val="1183468813"/>
+      </p:ext>
+    </p:extLst>
+  </p:cSld>
+  <p:clrMapOvr>
+    <a:masterClrMapping/>
+  </p:clrMapOvr>
+  <p:timing>
+    <p:tnLst>
+      <p:par>
+        <p:cTn xmlns:p14="http://schemas.microsoft.com/office/powerpoint/2010/main" id="1" dur="indefinite" restart="never" nodeType="tmRoot"/>
+      </p:par>
+    </p:tnLst>
+  </p:timing>
+</p:sld>
+</file>
+
 <file path=ppt/slides/slide23.xml><?xml version="1.0" encoding="utf-8"?>
 <p:sld xmlns:a="http://schemas.openxmlformats.org/drawingml/2006/main" xmlns:r="http://schemas.openxmlformats.org/officeDocument/2006/relationships" xmlns:p="http://schemas.openxmlformats.org/presentationml/2006/main">
   <p:cSld>
@@ -12405,87 +12320,228 @@
       <p:sp>
         <p:nvSpPr>
           <p:cNvPr id="2" name="Title 1"/>
-          <p:cNvSpPr txBox="1">
-            <a:spLocks/>
-          </p:cNvSpPr>
-          <p:nvPr/>
-        </p:nvSpPr>
-        <p:spPr>
-          <a:xfrm>
-            <a:off x="458787" y="5660376"/>
-            <a:ext cx="7617153" cy="824672"/>
-          </a:xfrm>
-          <a:prstGeom prst="rect">
-            <a:avLst/>
-          </a:prstGeom>
+          <p:cNvSpPr>
+            <a:spLocks noGrp="1"/>
+          </p:cNvSpPr>
+          <p:nvPr>
+            <p:ph type="title"/>
+          </p:nvPr>
+        </p:nvSpPr>
+        <p:spPr>
+          <a:xfrm>
+            <a:off x="457199" y="345212"/>
+            <a:ext cx="7388352" cy="1539582"/>
+          </a:xfrm>
         </p:spPr>
         <p:txBody>
           <a:bodyPr/>
-          <a:lstStyle>
-            <a:lvl1pPr algn="l" defTabSz="914400" rtl="0" eaLnBrk="1" latinLnBrk="0" hangingPunct="1">
-              <a:spcBef>
-                <a:spcPct val="0"/>
-              </a:spcBef>
-              <a:buNone/>
-              <a:defRPr sz="3600" kern="1200">
+          <a:lstStyle/>
+          <a:p>
+            <a:r>
+              <a:rPr lang="en-US" sz="4400" dirty="0" smtClean="0">
                 <a:solidFill>
-                  <a:schemeClr val="accent1"/>
+                  <a:srgbClr val="800000"/>
                 </a:solidFill>
-                <a:latin typeface="+mj-lt"/>
-                <a:ea typeface="+mj-ea"/>
-                <a:cs typeface="+mj-cs"/>
-              </a:defRPr>
-            </a:lvl1pPr>
-          </a:lstStyle>
-          <a:p>
-            <a:pPr algn="r"/>
-            <a:r>
-              <a:rPr lang="en-US" sz="6000" dirty="0" err="1" smtClean="0"/>
-              <a:t>Wanna</a:t>
-            </a:r>
-            <a:r>
-              <a:rPr lang="en-US" sz="6000" dirty="0" smtClean="0"/>
-              <a:t> see?</a:t>
-            </a:r>
-            <a:endParaRPr lang="en-US" sz="6000" dirty="0"/>
+              </a:rPr>
+              <a:t>We know there is room to </a:t>
+            </a:r>
+            <a:r>
+              <a:rPr lang="en-US" sz="4400" b="1" u="sng" spc="600" dirty="0" smtClean="0">
+                <a:solidFill>
+                  <a:srgbClr val="0000FF"/>
+                </a:solidFill>
+              </a:rPr>
+              <a:t>EXPAND</a:t>
+            </a:r>
+            <a:r>
+              <a:rPr lang="en-US" sz="4400" dirty="0" smtClean="0">
+                <a:solidFill>
+                  <a:srgbClr val="800000"/>
+                </a:solidFill>
+              </a:rPr>
+              <a:t>!</a:t>
+            </a:r>
+            <a:endParaRPr lang="en-US" sz="4400" dirty="0">
+              <a:solidFill>
+                <a:srgbClr val="800000"/>
+              </a:solidFill>
+            </a:endParaRPr>
+          </a:p>
+        </p:txBody>
+      </p:sp>
+      <p:sp>
+        <p:nvSpPr>
+          <p:cNvPr id="3" name="Text Placeholder 2"/>
+          <p:cNvSpPr>
+            <a:spLocks noGrp="1"/>
+          </p:cNvSpPr>
+          <p:nvPr>
+            <p:ph type="body" idx="1"/>
+          </p:nvPr>
+        </p:nvSpPr>
+        <p:spPr>
+          <a:xfrm>
+            <a:off x="457200" y="1980158"/>
+            <a:ext cx="3566160" cy="522627"/>
+          </a:xfrm>
+        </p:spPr>
+        <p:txBody>
+          <a:bodyPr/>
+          <a:lstStyle/>
+          <a:p>
+            <a:r>
+              <a:rPr lang="en-US" dirty="0" smtClean="0">
+                <a:solidFill>
+                  <a:schemeClr val="accent4"/>
+                </a:solidFill>
+              </a:rPr>
+              <a:t>Search-ability</a:t>
+            </a:r>
+            <a:endParaRPr lang="en-US" dirty="0">
+              <a:solidFill>
+                <a:schemeClr val="accent4"/>
+              </a:solidFill>
+            </a:endParaRPr>
+          </a:p>
+        </p:txBody>
+      </p:sp>
+      <p:sp>
+        <p:nvSpPr>
+          <p:cNvPr id="4" name="Content Placeholder 3"/>
+          <p:cNvSpPr>
+            <a:spLocks noGrp="1"/>
+          </p:cNvSpPr>
+          <p:nvPr>
+            <p:ph sz="half" idx="2"/>
+          </p:nvPr>
+        </p:nvSpPr>
+        <p:spPr>
+          <a:xfrm>
+            <a:off x="457200" y="2615437"/>
+            <a:ext cx="3969156" cy="3436751"/>
+          </a:xfrm>
+        </p:spPr>
+        <p:txBody>
+          <a:bodyPr>
+            <a:normAutofit fontScale="77500" lnSpcReduction="20000"/>
+          </a:bodyPr>
+          <a:lstStyle/>
+          <a:p>
+            <a:r>
+              <a:rPr lang="en-US" dirty="0" smtClean="0"/>
+              <a:t>Create searches for special interest groups:</a:t>
+            </a:r>
+          </a:p>
+          <a:p>
+            <a:pPr lvl="1"/>
+            <a:r>
+              <a:rPr lang="en-US" dirty="0" smtClean="0"/>
+              <a:t>Form Letters</a:t>
+            </a:r>
+          </a:p>
+          <a:p>
+            <a:pPr lvl="1"/>
+            <a:r>
+              <a:rPr lang="en-US" dirty="0" smtClean="0"/>
+              <a:t>What to post, who to tag.</a:t>
+            </a:r>
+          </a:p>
+          <a:p>
+            <a:r>
+              <a:rPr lang="en-US" dirty="0" smtClean="0"/>
+              <a:t>Search by office, federal </a:t>
+            </a:r>
+            <a:r>
+              <a:rPr lang="en-US" dirty="0" err="1" smtClean="0"/>
+              <a:t>vs</a:t>
+            </a:r>
+            <a:r>
+              <a:rPr lang="en-US" dirty="0" smtClean="0"/>
+              <a:t> local, and other more specific queries.</a:t>
+            </a:r>
+          </a:p>
+          <a:p>
+            <a:r>
+              <a:rPr lang="en-US" dirty="0" smtClean="0"/>
+              <a:t>Create searches for upcoming elections:</a:t>
+            </a:r>
+          </a:p>
+          <a:p>
+            <a:pPr lvl="1"/>
+            <a:r>
+              <a:rPr lang="en-US" dirty="0" smtClean="0"/>
+              <a:t>Who is running?</a:t>
+            </a:r>
+          </a:p>
+          <a:p>
+            <a:pPr lvl="1"/>
+            <a:r>
+              <a:rPr lang="en-US" dirty="0" smtClean="0"/>
+              <a:t>Who is on the chopping block?</a:t>
+            </a:r>
+          </a:p>
+          <a:p>
+            <a:r>
+              <a:rPr lang="en-US" dirty="0" smtClean="0"/>
+              <a:t>Create user login </a:t>
+            </a:r>
+            <a:r>
+              <a:rPr lang="mr-IN" dirty="0" smtClean="0"/>
+              <a:t>–</a:t>
+            </a:r>
+            <a:endParaRPr lang="en-US" dirty="0" smtClean="0"/>
+          </a:p>
+          <a:p>
+            <a:pPr lvl="1"/>
+            <a:r>
+              <a:rPr lang="en-US" dirty="0" smtClean="0"/>
+              <a:t>Allow users to register their party and pull info based on that.</a:t>
+            </a:r>
+          </a:p>
+          <a:p>
+            <a:endParaRPr lang="en-US" dirty="0"/>
           </a:p>
         </p:txBody>
       </p:sp>
       <p:pic>
         <p:nvPicPr>
-          <p:cNvPr id="3" name="Picture Placeholder 4">
-            <a:hlinkClick r:id="rId2"/>
-          </p:cNvPr>
+          <p:cNvPr id="7" name="Picture Placeholder 4"/>
           <p:cNvPicPr>
-            <a:picLocks noChangeAspect="1"/>
+            <a:picLocks noGrp="1" noChangeAspect="1"/>
           </p:cNvPicPr>
-          <p:nvPr/>
+          <p:nvPr>
+            <p:ph sz="quarter" idx="4"/>
+          </p:nvPr>
         </p:nvPicPr>
         <p:blipFill rotWithShape="1">
-          <a:blip r:embed="rId3"/>
-          <a:srcRect l="23274" r="23860"/>
+          <a:blip r:embed="rId2"/>
+          <a:srcRect l="2980" r="2515" b="31302"/>
           <a:stretch/>
         </p:blipFill>
         <p:spPr>
           <a:xfrm>
-            <a:off x="2490596" y="268287"/>
-            <a:ext cx="5585345" cy="5353731"/>
-          </a:xfrm>
-          <a:prstGeom prst="rect">
-            <a:avLst/>
-          </a:prstGeom>
+            <a:off x="4526494" y="2183737"/>
+            <a:ext cx="3565525" cy="3734178"/>
+          </a:xfrm>
         </p:spPr>
       </p:pic>
     </p:spTree>
     <p:extLst>
       <p:ext uri="{BB962C8B-B14F-4D97-AF65-F5344CB8AC3E}">
-        <p14:creationId xmlns:p14="http://schemas.microsoft.com/office/powerpoint/2010/main" val="1183468813"/>
+        <p14:creationId xmlns:p14="http://schemas.microsoft.com/office/powerpoint/2010/main" val="2043718295"/>
       </p:ext>
     </p:extLst>
   </p:cSld>
   <p:clrMapOvr>
     <a:masterClrMapping/>
   </p:clrMapOvr>
+  <p:timing>
+    <p:tnLst>
+      <p:par>
+        <p:cTn xmlns:p14="http://schemas.microsoft.com/office/powerpoint/2010/main" id="1" dur="indefinite" restart="never" nodeType="tmRoot"/>
+      </p:par>
+    </p:tnLst>
+  </p:timing>
 </p:sld>
 </file>
 
@@ -12516,244 +12572,6 @@
             <p:ph type="title"/>
           </p:nvPr>
         </p:nvSpPr>
-        <p:spPr>
-          <a:xfrm>
-            <a:off x="457199" y="345212"/>
-            <a:ext cx="7388352" cy="1539582"/>
-          </a:xfrm>
-        </p:spPr>
-        <p:txBody>
-          <a:bodyPr/>
-          <a:lstStyle/>
-          <a:p>
-            <a:r>
-              <a:rPr lang="en-US" sz="4400" dirty="0" smtClean="0">
-                <a:solidFill>
-                  <a:srgbClr val="800000"/>
-                </a:solidFill>
-              </a:rPr>
-              <a:t>We know there is room to </a:t>
-            </a:r>
-            <a:r>
-              <a:rPr lang="en-US" sz="4400" b="1" u="sng" spc="600" dirty="0" smtClean="0">
-                <a:solidFill>
-                  <a:srgbClr val="0000FF"/>
-                </a:solidFill>
-              </a:rPr>
-              <a:t>EXPAND</a:t>
-            </a:r>
-            <a:r>
-              <a:rPr lang="en-US" sz="4400" dirty="0" smtClean="0">
-                <a:solidFill>
-                  <a:srgbClr val="800000"/>
-                </a:solidFill>
-              </a:rPr>
-              <a:t>!</a:t>
-            </a:r>
-            <a:endParaRPr lang="en-US" sz="4400" dirty="0">
-              <a:solidFill>
-                <a:srgbClr val="800000"/>
-              </a:solidFill>
-            </a:endParaRPr>
-          </a:p>
-        </p:txBody>
-      </p:sp>
-      <p:sp>
-        <p:nvSpPr>
-          <p:cNvPr id="3" name="Text Placeholder 2"/>
-          <p:cNvSpPr>
-            <a:spLocks noGrp="1"/>
-          </p:cNvSpPr>
-          <p:nvPr>
-            <p:ph type="body" idx="1"/>
-          </p:nvPr>
-        </p:nvSpPr>
-        <p:spPr>
-          <a:xfrm>
-            <a:off x="457200" y="1980158"/>
-            <a:ext cx="3566160" cy="522627"/>
-          </a:xfrm>
-        </p:spPr>
-        <p:txBody>
-          <a:bodyPr/>
-          <a:lstStyle/>
-          <a:p>
-            <a:r>
-              <a:rPr lang="en-US" dirty="0" smtClean="0">
-                <a:solidFill>
-                  <a:schemeClr val="accent4"/>
-                </a:solidFill>
-              </a:rPr>
-              <a:t>Search-ability</a:t>
-            </a:r>
-            <a:endParaRPr lang="en-US" dirty="0">
-              <a:solidFill>
-                <a:schemeClr val="accent4"/>
-              </a:solidFill>
-            </a:endParaRPr>
-          </a:p>
-        </p:txBody>
-      </p:sp>
-      <p:sp>
-        <p:nvSpPr>
-          <p:cNvPr id="4" name="Content Placeholder 3"/>
-          <p:cNvSpPr>
-            <a:spLocks noGrp="1"/>
-          </p:cNvSpPr>
-          <p:nvPr>
-            <p:ph sz="half" idx="2"/>
-          </p:nvPr>
-        </p:nvSpPr>
-        <p:spPr>
-          <a:xfrm>
-            <a:off x="457200" y="2615437"/>
-            <a:ext cx="3969156" cy="3436751"/>
-          </a:xfrm>
-        </p:spPr>
-        <p:txBody>
-          <a:bodyPr>
-            <a:normAutofit fontScale="77500" lnSpcReduction="20000"/>
-          </a:bodyPr>
-          <a:lstStyle/>
-          <a:p>
-            <a:r>
-              <a:rPr lang="en-US" dirty="0" smtClean="0"/>
-              <a:t>Create searches for special interest groups:</a:t>
-            </a:r>
-          </a:p>
-          <a:p>
-            <a:pPr lvl="1"/>
-            <a:r>
-              <a:rPr lang="en-US" dirty="0" smtClean="0"/>
-              <a:t>Form Letters</a:t>
-            </a:r>
-          </a:p>
-          <a:p>
-            <a:pPr lvl="1"/>
-            <a:r>
-              <a:rPr lang="en-US" dirty="0" smtClean="0"/>
-              <a:t>What to post, who to tag.</a:t>
-            </a:r>
-          </a:p>
-          <a:p>
-            <a:r>
-              <a:rPr lang="en-US" dirty="0" smtClean="0"/>
-              <a:t>Search by office, federal </a:t>
-            </a:r>
-            <a:r>
-              <a:rPr lang="en-US" dirty="0" err="1" smtClean="0"/>
-              <a:t>vs</a:t>
-            </a:r>
-            <a:r>
-              <a:rPr lang="en-US" dirty="0" smtClean="0"/>
-              <a:t> local, and other more specific queries.</a:t>
-            </a:r>
-          </a:p>
-          <a:p>
-            <a:r>
-              <a:rPr lang="en-US" dirty="0" smtClean="0"/>
-              <a:t>Create searches for upcoming elections:</a:t>
-            </a:r>
-          </a:p>
-          <a:p>
-            <a:pPr lvl="1"/>
-            <a:r>
-              <a:rPr lang="en-US" dirty="0" smtClean="0"/>
-              <a:t>Who is running?</a:t>
-            </a:r>
-          </a:p>
-          <a:p>
-            <a:pPr lvl="1"/>
-            <a:r>
-              <a:rPr lang="en-US" dirty="0" smtClean="0"/>
-              <a:t>Who is on the chopping block?</a:t>
-            </a:r>
-          </a:p>
-          <a:p>
-            <a:r>
-              <a:rPr lang="en-US" dirty="0" smtClean="0"/>
-              <a:t>Create user login </a:t>
-            </a:r>
-            <a:r>
-              <a:rPr lang="mr-IN" dirty="0" smtClean="0"/>
-              <a:t>–</a:t>
-            </a:r>
-            <a:endParaRPr lang="en-US" dirty="0" smtClean="0"/>
-          </a:p>
-          <a:p>
-            <a:pPr lvl="1"/>
-            <a:r>
-              <a:rPr lang="en-US" dirty="0" smtClean="0"/>
-              <a:t>Allow users to register their party and pull info based on that.</a:t>
-            </a:r>
-          </a:p>
-          <a:p>
-            <a:endParaRPr lang="en-US" dirty="0"/>
-          </a:p>
-        </p:txBody>
-      </p:sp>
-      <p:pic>
-        <p:nvPicPr>
-          <p:cNvPr id="7" name="Picture Placeholder 4"/>
-          <p:cNvPicPr>
-            <a:picLocks noGrp="1" noChangeAspect="1"/>
-          </p:cNvPicPr>
-          <p:nvPr>
-            <p:ph sz="quarter" idx="4"/>
-          </p:nvPr>
-        </p:nvPicPr>
-        <p:blipFill rotWithShape="1">
-          <a:blip r:embed="rId2"/>
-          <a:srcRect l="2980" r="2515" b="31302"/>
-          <a:stretch/>
-        </p:blipFill>
-        <p:spPr>
-          <a:xfrm>
-            <a:off x="4526494" y="2183737"/>
-            <a:ext cx="3565525" cy="3734178"/>
-          </a:xfrm>
-        </p:spPr>
-      </p:pic>
-    </p:spTree>
-    <p:extLst>
-      <p:ext uri="{BB962C8B-B14F-4D97-AF65-F5344CB8AC3E}">
-        <p14:creationId xmlns:p14="http://schemas.microsoft.com/office/powerpoint/2010/main" val="2043718295"/>
-      </p:ext>
-    </p:extLst>
-  </p:cSld>
-  <p:clrMapOvr>
-    <a:masterClrMapping/>
-  </p:clrMapOvr>
-</p:sld>
-</file>
-
-<file path=ppt/slides/slide25.xml><?xml version="1.0" encoding="utf-8"?>
-<p:sld xmlns:a="http://schemas.openxmlformats.org/drawingml/2006/main" xmlns:r="http://schemas.openxmlformats.org/officeDocument/2006/relationships" xmlns:p="http://schemas.openxmlformats.org/presentationml/2006/main">
-  <p:cSld>
-    <p:spTree>
-      <p:nvGrpSpPr>
-        <p:cNvPr id="1" name=""/>
-        <p:cNvGrpSpPr/>
-        <p:nvPr/>
-      </p:nvGrpSpPr>
-      <p:grpSpPr>
-        <a:xfrm>
-          <a:off x="0" y="0"/>
-          <a:ext cx="0" cy="0"/>
-          <a:chOff x="0" y="0"/>
-          <a:chExt cx="0" cy="0"/>
-        </a:xfrm>
-      </p:grpSpPr>
-      <p:sp>
-        <p:nvSpPr>
-          <p:cNvPr id="2" name="Title 1"/>
-          <p:cNvSpPr>
-            <a:spLocks noGrp="1"/>
-          </p:cNvSpPr>
-          <p:nvPr>
-            <p:ph type="title"/>
-          </p:nvPr>
-        </p:nvSpPr>
         <p:spPr/>
         <p:txBody>
           <a:bodyPr/>
@@ -12820,6 +12638,13 @@
   <p:clrMapOvr>
     <a:masterClrMapping/>
   </p:clrMapOvr>
+  <p:timing>
+    <p:tnLst>
+      <p:par>
+        <p:cTn xmlns:p14="http://schemas.microsoft.com/office/powerpoint/2010/main" id="1" dur="indefinite" restart="never" nodeType="tmRoot"/>
+      </p:par>
+    </p:tnLst>
+  </p:timing>
 </p:sld>
 </file>
 

--- a/assets/presentation/politiscape.pptx
+++ b/assets/presentation/politiscape.pptx
@@ -23,12 +23,11 @@
     <p:sldId id="272" r:id="rId17"/>
     <p:sldId id="273" r:id="rId18"/>
     <p:sldId id="274" r:id="rId19"/>
-    <p:sldId id="275" r:id="rId20"/>
-    <p:sldId id="276" r:id="rId21"/>
-    <p:sldId id="277" r:id="rId22"/>
-    <p:sldId id="280" r:id="rId23"/>
-    <p:sldId id="281" r:id="rId24"/>
-    <p:sldId id="282" r:id="rId25"/>
+    <p:sldId id="276" r:id="rId20"/>
+    <p:sldId id="280" r:id="rId21"/>
+    <p:sldId id="281" r:id="rId22"/>
+    <p:sldId id="282" r:id="rId23"/>
+    <p:sldId id="277" r:id="rId24"/>
   </p:sldIdLst>
   <p:sldSz cx="9144000" cy="6858000" type="screen4x3"/>
   <p:notesSz cx="6858000" cy="9144000"/>
@@ -7445,7 +7444,7 @@
         </p:nvPicPr>
         <p:blipFill>
           <a:blip r:embed="rId3">
-            <a:alphaModFix amt="10000"/>
+            <a:alphaModFix amt="40000"/>
           </a:blip>
           <a:stretch>
             <a:fillRect/>
@@ -10094,69 +10093,573 @@
       </p:grpSpPr>
       <p:sp>
         <p:nvSpPr>
-          <p:cNvPr id="2" name="Title 1"/>
-          <p:cNvSpPr>
-            <a:spLocks noGrp="1"/>
-          </p:cNvSpPr>
-          <p:nvPr>
-            <p:ph type="title"/>
-          </p:nvPr>
-        </p:nvSpPr>
-        <p:spPr/>
-        <p:txBody>
-          <a:bodyPr/>
+          <p:cNvPr id="3" name="Text Placeholder 2"/>
+          <p:cNvSpPr>
+            <a:spLocks noGrp="1"/>
+          </p:cNvSpPr>
+          <p:nvPr>
+            <p:ph type="body" sz="half" idx="2"/>
+          </p:nvPr>
+        </p:nvSpPr>
+        <p:spPr>
+          <a:xfrm>
+            <a:off x="457199" y="2233078"/>
+            <a:ext cx="4093854" cy="3517940"/>
+          </a:xfrm>
+        </p:spPr>
+        <p:txBody>
+          <a:bodyPr>
+            <a:normAutofit/>
+          </a:bodyPr>
           <a:lstStyle/>
           <a:p>
             <a:r>
               <a:rPr lang="en-US" dirty="0" smtClean="0"/>
-              <a:t>Headlines button complete!</a:t>
-            </a:r>
-            <a:endParaRPr lang="en-US" dirty="0"/>
+              <a:t>9 Elements exist within each profile:</a:t>
+            </a:r>
+          </a:p>
+          <a:p>
+            <a:endParaRPr lang="en-US" sz="800" dirty="0" smtClean="0"/>
+          </a:p>
+          <a:p>
+            <a:pPr marL="342900" indent="-342900">
+              <a:buFont typeface="+mj-lt"/>
+              <a:buAutoNum type="arabicPeriod"/>
+            </a:pPr>
+            <a:r>
+              <a:rPr lang="en-US" dirty="0" smtClean="0"/>
+              <a:t>The card</a:t>
+            </a:r>
+          </a:p>
+          <a:p>
+            <a:pPr marL="342900" indent="-342900">
+              <a:buFont typeface="+mj-lt"/>
+              <a:buAutoNum type="arabicPeriod"/>
+            </a:pPr>
+            <a:r>
+              <a:rPr lang="en-US" dirty="0"/>
+              <a:t>A</a:t>
+            </a:r>
+            <a:r>
+              <a:rPr lang="en-US" dirty="0" smtClean="0"/>
+              <a:t> photo</a:t>
+            </a:r>
+          </a:p>
+          <a:p>
+            <a:pPr marL="342900" indent="-342900">
+              <a:buFont typeface="+mj-lt"/>
+              <a:buAutoNum type="arabicPeriod"/>
+            </a:pPr>
+            <a:r>
+              <a:rPr lang="en-US" dirty="0" smtClean="0"/>
+              <a:t>Their name</a:t>
+            </a:r>
+          </a:p>
+          <a:p>
+            <a:pPr marL="342900" indent="-342900">
+              <a:buFont typeface="+mj-lt"/>
+              <a:buAutoNum type="arabicPeriod"/>
+            </a:pPr>
+            <a:r>
+              <a:rPr lang="en-US" dirty="0" smtClean="0"/>
+              <a:t>Their office</a:t>
+            </a:r>
+          </a:p>
+          <a:p>
+            <a:pPr marL="342900" indent="-342900">
+              <a:buFont typeface="+mj-lt"/>
+              <a:buAutoNum type="arabicPeriod"/>
+            </a:pPr>
+            <a:r>
+              <a:rPr lang="en-US" dirty="0" smtClean="0"/>
+              <a:t>Their party</a:t>
+            </a:r>
+          </a:p>
+          <a:p>
+            <a:pPr marL="342900" indent="-342900">
+              <a:buFont typeface="+mj-lt"/>
+              <a:buAutoNum type="arabicPeriod"/>
+            </a:pPr>
+            <a:r>
+              <a:rPr lang="en-US" dirty="0" smtClean="0"/>
+              <a:t>Twitter handle</a:t>
+            </a:r>
+          </a:p>
+          <a:p>
+            <a:pPr marL="342900" indent="-342900">
+              <a:buFont typeface="+mj-lt"/>
+              <a:buAutoNum type="arabicPeriod"/>
+            </a:pPr>
+            <a:r>
+              <a:rPr lang="en-US" dirty="0" smtClean="0"/>
+              <a:t>Facebook page</a:t>
+            </a:r>
+          </a:p>
+          <a:p>
+            <a:pPr marL="342900" indent="-342900">
+              <a:buFont typeface="+mj-lt"/>
+              <a:buAutoNum type="arabicPeriod"/>
+            </a:pPr>
+            <a:r>
+              <a:rPr lang="en-US" dirty="0" smtClean="0"/>
+              <a:t>Website</a:t>
+            </a:r>
+          </a:p>
+          <a:p>
+            <a:pPr marL="342900" indent="-342900">
+              <a:buFont typeface="+mj-lt"/>
+              <a:buAutoNum type="arabicPeriod"/>
+            </a:pPr>
+            <a:r>
+              <a:rPr lang="en-US" dirty="0" smtClean="0"/>
+              <a:t>Related New York Times headlines</a:t>
+            </a:r>
           </a:p>
         </p:txBody>
       </p:sp>
       <p:pic>
         <p:nvPicPr>
-          <p:cNvPr id="5" name="Content Placeholder 4"/>
+          <p:cNvPr id="5" name="Picture Placeholder 4"/>
           <p:cNvPicPr>
             <a:picLocks noGrp="1" noChangeAspect="1"/>
           </p:cNvPicPr>
           <p:nvPr>
-            <p:ph sz="half" idx="1"/>
-          </p:nvPr>
+            <p:ph type="pic" sz="quarter" idx="13"/>
+          </p:nvPr>
+        </p:nvPicPr>
+        <p:blipFill rotWithShape="1">
+          <a:blip r:embed="rId2">
+            <a:alphaModFix amt="52000"/>
+          </a:blip>
+          <a:srcRect b="-2110"/>
+          <a:stretch/>
+        </p:blipFill>
+        <p:spPr>
+          <a:xfrm>
+            <a:off x="4760258" y="990601"/>
+            <a:ext cx="4096512" cy="4724400"/>
+          </a:xfrm>
+        </p:spPr>
+      </p:pic>
+      <p:cxnSp>
+        <p:nvCxnSpPr>
+          <p:cNvPr id="6" name="Straight Connector 5"/>
+          <p:cNvCxnSpPr/>
+          <p:nvPr/>
+        </p:nvCxnSpPr>
+        <p:spPr>
+          <a:xfrm>
+            <a:off x="811428" y="2946073"/>
+            <a:ext cx="1093664" cy="0"/>
+          </a:xfrm>
+          <a:prstGeom prst="line">
+            <a:avLst/>
+          </a:prstGeom>
+          <a:ln>
+            <a:solidFill>
+              <a:srgbClr val="800000"/>
+            </a:solidFill>
+          </a:ln>
+        </p:spPr>
+        <p:style>
+          <a:lnRef idx="2">
+            <a:schemeClr val="accent1"/>
+          </a:lnRef>
+          <a:fillRef idx="0">
+            <a:schemeClr val="accent1"/>
+          </a:fillRef>
+          <a:effectRef idx="1">
+            <a:schemeClr val="accent1"/>
+          </a:effectRef>
+          <a:fontRef idx="minor">
+            <a:schemeClr val="tx1"/>
+          </a:fontRef>
+        </p:style>
+      </p:cxnSp>
+      <p:cxnSp>
+        <p:nvCxnSpPr>
+          <p:cNvPr id="9" name="Straight Connector 8"/>
+          <p:cNvCxnSpPr/>
+          <p:nvPr/>
+        </p:nvCxnSpPr>
+        <p:spPr>
+          <a:xfrm>
+            <a:off x="811428" y="3581155"/>
+            <a:ext cx="1217142" cy="0"/>
+          </a:xfrm>
+          <a:prstGeom prst="line">
+            <a:avLst/>
+          </a:prstGeom>
+          <a:ln>
+            <a:solidFill>
+              <a:srgbClr val="800000"/>
+            </a:solidFill>
+          </a:ln>
+        </p:spPr>
+        <p:style>
+          <a:lnRef idx="2">
+            <a:schemeClr val="accent1"/>
+          </a:lnRef>
+          <a:fillRef idx="0">
+            <a:schemeClr val="accent1"/>
+          </a:fillRef>
+          <a:effectRef idx="1">
+            <a:schemeClr val="accent1"/>
+          </a:effectRef>
+          <a:fontRef idx="minor">
+            <a:schemeClr val="tx1"/>
+          </a:fontRef>
+        </p:style>
+      </p:cxnSp>
+      <p:cxnSp>
+        <p:nvCxnSpPr>
+          <p:cNvPr id="11" name="Straight Connector 10"/>
+          <p:cNvCxnSpPr/>
+          <p:nvPr/>
+        </p:nvCxnSpPr>
+        <p:spPr>
+          <a:xfrm>
+            <a:off x="811428" y="3898696"/>
+            <a:ext cx="1217142" cy="0"/>
+          </a:xfrm>
+          <a:prstGeom prst="line">
+            <a:avLst/>
+          </a:prstGeom>
+          <a:ln>
+            <a:solidFill>
+              <a:srgbClr val="800000"/>
+            </a:solidFill>
+          </a:ln>
+        </p:spPr>
+        <p:style>
+          <a:lnRef idx="2">
+            <a:schemeClr val="accent1"/>
+          </a:lnRef>
+          <a:fillRef idx="0">
+            <a:schemeClr val="accent1"/>
+          </a:fillRef>
+          <a:effectRef idx="1">
+            <a:schemeClr val="accent1"/>
+          </a:effectRef>
+          <a:fontRef idx="minor">
+            <a:schemeClr val="tx1"/>
+          </a:fontRef>
+        </p:style>
+      </p:cxnSp>
+      <p:cxnSp>
+        <p:nvCxnSpPr>
+          <p:cNvPr id="12" name="Straight Connector 11"/>
+          <p:cNvCxnSpPr/>
+          <p:nvPr/>
+        </p:nvCxnSpPr>
+        <p:spPr>
+          <a:xfrm>
+            <a:off x="811428" y="4216236"/>
+            <a:ext cx="1217142" cy="0"/>
+          </a:xfrm>
+          <a:prstGeom prst="line">
+            <a:avLst/>
+          </a:prstGeom>
+          <a:ln>
+            <a:solidFill>
+              <a:srgbClr val="800000"/>
+            </a:solidFill>
+          </a:ln>
+        </p:spPr>
+        <p:style>
+          <a:lnRef idx="2">
+            <a:schemeClr val="accent1"/>
+          </a:lnRef>
+          <a:fillRef idx="0">
+            <a:schemeClr val="accent1"/>
+          </a:fillRef>
+          <a:effectRef idx="1">
+            <a:schemeClr val="accent1"/>
+          </a:effectRef>
+          <a:fontRef idx="minor">
+            <a:schemeClr val="tx1"/>
+          </a:fontRef>
+        </p:style>
+      </p:cxnSp>
+      <p:sp>
+        <p:nvSpPr>
+          <p:cNvPr id="13" name="TextBox 12"/>
+          <p:cNvSpPr txBox="1"/>
+          <p:nvPr/>
+        </p:nvSpPr>
+        <p:spPr>
+          <a:xfrm>
+            <a:off x="425826" y="909639"/>
+            <a:ext cx="4125227" cy="707886"/>
+          </a:xfrm>
+          <a:prstGeom prst="rect">
+            <a:avLst/>
+          </a:prstGeom>
+          <a:noFill/>
+        </p:spPr>
+        <p:txBody>
+          <a:bodyPr wrap="square" rtlCol="0">
+            <a:spAutoFit/>
+          </a:bodyPr>
+          <a:lstStyle/>
+          <a:p>
+            <a:r>
+              <a:rPr lang="en-US" sz="4000" dirty="0" smtClean="0">
+                <a:solidFill>
+                  <a:srgbClr val="800000"/>
+                </a:solidFill>
+                <a:latin typeface="Caviar Dreams"/>
+                <a:cs typeface="Caviar Dreams"/>
+              </a:rPr>
+              <a:t>We did it!!!!</a:t>
+            </a:r>
+            <a:endParaRPr lang="en-US" sz="4000" dirty="0">
+              <a:solidFill>
+                <a:srgbClr val="800000"/>
+              </a:solidFill>
+              <a:latin typeface="Caviar Dreams"/>
+              <a:cs typeface="Caviar Dreams"/>
+            </a:endParaRPr>
+          </a:p>
+        </p:txBody>
+      </p:sp>
+      <p:cxnSp>
+        <p:nvCxnSpPr>
+          <p:cNvPr id="15" name="Straight Connector 14"/>
+          <p:cNvCxnSpPr/>
+          <p:nvPr/>
+        </p:nvCxnSpPr>
+        <p:spPr>
+          <a:xfrm>
+            <a:off x="811428" y="3281255"/>
+            <a:ext cx="917266" cy="0"/>
+          </a:xfrm>
+          <a:prstGeom prst="line">
+            <a:avLst/>
+          </a:prstGeom>
+          <a:ln>
+            <a:solidFill>
+              <a:srgbClr val="800000"/>
+            </a:solidFill>
+          </a:ln>
+        </p:spPr>
+        <p:style>
+          <a:lnRef idx="2">
+            <a:schemeClr val="accent1"/>
+          </a:lnRef>
+          <a:fillRef idx="0">
+            <a:schemeClr val="accent1"/>
+          </a:fillRef>
+          <a:effectRef idx="1">
+            <a:schemeClr val="accent1"/>
+          </a:effectRef>
+          <a:fontRef idx="minor">
+            <a:schemeClr val="tx1"/>
+          </a:fontRef>
+        </p:style>
+      </p:cxnSp>
+      <p:cxnSp>
+        <p:nvCxnSpPr>
+          <p:cNvPr id="16" name="Straight Connector 15"/>
+          <p:cNvCxnSpPr/>
+          <p:nvPr/>
+        </p:nvCxnSpPr>
+        <p:spPr>
+          <a:xfrm>
+            <a:off x="811428" y="4533777"/>
+            <a:ext cx="1569937" cy="0"/>
+          </a:xfrm>
+          <a:prstGeom prst="line">
+            <a:avLst/>
+          </a:prstGeom>
+          <a:ln>
+            <a:solidFill>
+              <a:srgbClr val="800000"/>
+            </a:solidFill>
+          </a:ln>
+        </p:spPr>
+        <p:style>
+          <a:lnRef idx="2">
+            <a:schemeClr val="accent1"/>
+          </a:lnRef>
+          <a:fillRef idx="0">
+            <a:schemeClr val="accent1"/>
+          </a:fillRef>
+          <a:effectRef idx="1">
+            <a:schemeClr val="accent1"/>
+          </a:effectRef>
+          <a:fontRef idx="minor">
+            <a:schemeClr val="tx1"/>
+          </a:fontRef>
+        </p:style>
+      </p:cxnSp>
+      <p:cxnSp>
+        <p:nvCxnSpPr>
+          <p:cNvPr id="17" name="Straight Connector 16"/>
+          <p:cNvCxnSpPr/>
+          <p:nvPr/>
+        </p:nvCxnSpPr>
+        <p:spPr>
+          <a:xfrm>
+            <a:off x="811428" y="4868960"/>
+            <a:ext cx="1711055" cy="0"/>
+          </a:xfrm>
+          <a:prstGeom prst="line">
+            <a:avLst/>
+          </a:prstGeom>
+          <a:ln>
+            <a:solidFill>
+              <a:srgbClr val="800000"/>
+            </a:solidFill>
+          </a:ln>
+        </p:spPr>
+        <p:style>
+          <a:lnRef idx="2">
+            <a:schemeClr val="accent1"/>
+          </a:lnRef>
+          <a:fillRef idx="0">
+            <a:schemeClr val="accent1"/>
+          </a:fillRef>
+          <a:effectRef idx="1">
+            <a:schemeClr val="accent1"/>
+          </a:effectRef>
+          <a:fontRef idx="minor">
+            <a:schemeClr val="tx1"/>
+          </a:fontRef>
+        </p:style>
+      </p:cxnSp>
+      <p:cxnSp>
+        <p:nvCxnSpPr>
+          <p:cNvPr id="18" name="Straight Connector 17"/>
+          <p:cNvCxnSpPr/>
+          <p:nvPr/>
+        </p:nvCxnSpPr>
+        <p:spPr>
+          <a:xfrm>
+            <a:off x="811428" y="5186500"/>
+            <a:ext cx="917266" cy="0"/>
+          </a:xfrm>
+          <a:prstGeom prst="line">
+            <a:avLst/>
+          </a:prstGeom>
+          <a:ln>
+            <a:solidFill>
+              <a:srgbClr val="800000"/>
+            </a:solidFill>
+          </a:ln>
+        </p:spPr>
+        <p:style>
+          <a:lnRef idx="2">
+            <a:schemeClr val="accent1"/>
+          </a:lnRef>
+          <a:fillRef idx="0">
+            <a:schemeClr val="accent1"/>
+          </a:fillRef>
+          <a:effectRef idx="1">
+            <a:schemeClr val="accent1"/>
+          </a:effectRef>
+          <a:fontRef idx="minor">
+            <a:schemeClr val="tx1"/>
+          </a:fontRef>
+        </p:style>
+      </p:cxnSp>
+      <p:pic>
+        <p:nvPicPr>
+          <p:cNvPr id="19" name="Picture 18" descr="6e633a235ea0d523078e667b9f84f15b-blue-check-mark-by-vexels.png"/>
+          <p:cNvPicPr>
+            <a:picLocks noChangeAspect="1"/>
+          </p:cNvPicPr>
+          <p:nvPr/>
         </p:nvPicPr>
         <p:blipFill>
-          <a:blip r:embed="rId2"/>
-          <a:srcRect t="15046" b="15046"/>
+          <a:blip r:embed="rId3">
+            <a:extLst>
+              <a:ext uri="{28A0092B-C50C-407E-A947-70E740481C1C}">
+                <a14:useLocalDpi xmlns:a14="http://schemas.microsoft.com/office/drawing/2010/main" val="0"/>
+              </a:ext>
+            </a:extLst>
+          </a:blip>
           <a:stretch>
             <a:fillRect/>
           </a:stretch>
         </p:blipFill>
-        <p:spPr/>
+        <p:spPr>
+          <a:xfrm>
+            <a:off x="3184604" y="829083"/>
+            <a:ext cx="4803031" cy="4803031"/>
+          </a:xfrm>
+          <a:prstGeom prst="rect">
+            <a:avLst/>
+          </a:prstGeom>
+        </p:spPr>
       </p:pic>
-      <p:pic>
-        <p:nvPicPr>
-          <p:cNvPr id="6" name="Content Placeholder 5"/>
-          <p:cNvPicPr>
-            <a:picLocks noGrp="1" noChangeAspect="1"/>
-          </p:cNvPicPr>
-          <p:nvPr>
-            <p:ph sz="half" idx="2"/>
-          </p:nvPr>
-        </p:nvPicPr>
-        <p:blipFill>
-          <a:blip r:embed="rId3"/>
-          <a:srcRect l="681" r="681"/>
-          <a:stretch>
-            <a:fillRect/>
-          </a:stretch>
-        </p:blipFill>
-        <p:spPr/>
-      </p:pic>
+      <p:cxnSp>
+        <p:nvCxnSpPr>
+          <p:cNvPr id="20" name="Straight Connector 19"/>
+          <p:cNvCxnSpPr/>
+          <p:nvPr/>
+        </p:nvCxnSpPr>
+        <p:spPr>
+          <a:xfrm>
+            <a:off x="811428" y="5504703"/>
+            <a:ext cx="3464239" cy="0"/>
+          </a:xfrm>
+          <a:prstGeom prst="line">
+            <a:avLst/>
+          </a:prstGeom>
+          <a:ln>
+            <a:solidFill>
+              <a:srgbClr val="800000"/>
+            </a:solidFill>
+          </a:ln>
+        </p:spPr>
+        <p:style>
+          <a:lnRef idx="2">
+            <a:schemeClr val="accent1"/>
+          </a:lnRef>
+          <a:fillRef idx="0">
+            <a:schemeClr val="accent1"/>
+          </a:fillRef>
+          <a:effectRef idx="1">
+            <a:schemeClr val="accent1"/>
+          </a:effectRef>
+          <a:fontRef idx="minor">
+            <a:schemeClr val="tx1"/>
+          </a:fontRef>
+        </p:style>
+      </p:cxnSp>
+      <p:sp>
+        <p:nvSpPr>
+          <p:cNvPr id="7" name="Title 6"/>
+          <p:cNvSpPr>
+            <a:spLocks noGrp="1"/>
+          </p:cNvSpPr>
+          <p:nvPr>
+            <p:ph type="title"/>
+          </p:nvPr>
+        </p:nvSpPr>
+        <p:spPr>
+          <a:xfrm>
+            <a:off x="457199" y="1411110"/>
+            <a:ext cx="3566160" cy="619395"/>
+          </a:xfrm>
+        </p:spPr>
+        <p:txBody>
+          <a:bodyPr/>
+          <a:lstStyle/>
+          <a:p>
+            <a:r>
+              <a:rPr lang="en-US" dirty="0" smtClean="0"/>
+              <a:t>Clean &amp; simple</a:t>
+            </a:r>
+            <a:endParaRPr lang="en-US" dirty="0"/>
+          </a:p>
+        </p:txBody>
+      </p:sp>
     </p:spTree>
     <p:extLst>
       <p:ext uri="{BB962C8B-B14F-4D97-AF65-F5344CB8AC3E}">
-        <p14:creationId xmlns:p14="http://schemas.microsoft.com/office/powerpoint/2010/main" val="1091923509"/>
+        <p14:creationId xmlns:p14="http://schemas.microsoft.com/office/powerpoint/2010/main" val="1575592042"/>
       </p:ext>
     </p:extLst>
   </p:cSld>
@@ -10333,573 +10836,82 @@
       </p:grpSpPr>
       <p:sp>
         <p:nvSpPr>
-          <p:cNvPr id="3" name="Text Placeholder 2"/>
-          <p:cNvSpPr>
-            <a:spLocks noGrp="1"/>
-          </p:cNvSpPr>
-          <p:nvPr>
-            <p:ph type="body" sz="half" idx="2"/>
-          </p:nvPr>
-        </p:nvSpPr>
-        <p:spPr>
-          <a:xfrm>
-            <a:off x="457199" y="2233078"/>
-            <a:ext cx="4093854" cy="3517940"/>
-          </a:xfrm>
-        </p:spPr>
-        <p:txBody>
-          <a:bodyPr>
-            <a:normAutofit/>
-          </a:bodyPr>
-          <a:lstStyle/>
-          <a:p>
-            <a:r>
-              <a:rPr lang="en-US" dirty="0" smtClean="0"/>
-              <a:t>9 Elements exist within each profile:</a:t>
-            </a:r>
-          </a:p>
-          <a:p>
-            <a:endParaRPr lang="en-US" sz="800" dirty="0" smtClean="0"/>
-          </a:p>
-          <a:p>
-            <a:pPr marL="342900" indent="-342900">
-              <a:buFont typeface="+mj-lt"/>
-              <a:buAutoNum type="arabicPeriod"/>
-            </a:pPr>
-            <a:r>
-              <a:rPr lang="en-US" dirty="0" smtClean="0"/>
-              <a:t>The card</a:t>
-            </a:r>
-          </a:p>
-          <a:p>
-            <a:pPr marL="342900" indent="-342900">
-              <a:buFont typeface="+mj-lt"/>
-              <a:buAutoNum type="arabicPeriod"/>
-            </a:pPr>
-            <a:r>
-              <a:rPr lang="en-US" dirty="0"/>
-              <a:t>A</a:t>
-            </a:r>
-            <a:r>
-              <a:rPr lang="en-US" dirty="0" smtClean="0"/>
-              <a:t> photo</a:t>
-            </a:r>
-          </a:p>
-          <a:p>
-            <a:pPr marL="342900" indent="-342900">
-              <a:buFont typeface="+mj-lt"/>
-              <a:buAutoNum type="arabicPeriod"/>
-            </a:pPr>
-            <a:r>
-              <a:rPr lang="en-US" dirty="0" smtClean="0"/>
-              <a:t>Their name</a:t>
-            </a:r>
-          </a:p>
-          <a:p>
-            <a:pPr marL="342900" indent="-342900">
-              <a:buFont typeface="+mj-lt"/>
-              <a:buAutoNum type="arabicPeriod"/>
-            </a:pPr>
-            <a:r>
-              <a:rPr lang="en-US" dirty="0" smtClean="0"/>
-              <a:t>Their office</a:t>
-            </a:r>
-          </a:p>
-          <a:p>
-            <a:pPr marL="342900" indent="-342900">
-              <a:buFont typeface="+mj-lt"/>
-              <a:buAutoNum type="arabicPeriod"/>
-            </a:pPr>
-            <a:r>
-              <a:rPr lang="en-US" dirty="0" smtClean="0"/>
-              <a:t>Their party</a:t>
-            </a:r>
-          </a:p>
-          <a:p>
-            <a:pPr marL="342900" indent="-342900">
-              <a:buFont typeface="+mj-lt"/>
-              <a:buAutoNum type="arabicPeriod"/>
-            </a:pPr>
-            <a:r>
-              <a:rPr lang="en-US" dirty="0" smtClean="0"/>
-              <a:t>Twitter handle</a:t>
-            </a:r>
-          </a:p>
-          <a:p>
-            <a:pPr marL="342900" indent="-342900">
-              <a:buFont typeface="+mj-lt"/>
-              <a:buAutoNum type="arabicPeriod"/>
-            </a:pPr>
-            <a:r>
-              <a:rPr lang="en-US" dirty="0" smtClean="0"/>
-              <a:t>Facebook page</a:t>
-            </a:r>
-          </a:p>
-          <a:p>
-            <a:pPr marL="342900" indent="-342900">
-              <a:buFont typeface="+mj-lt"/>
-              <a:buAutoNum type="arabicPeriod"/>
-            </a:pPr>
-            <a:r>
-              <a:rPr lang="en-US" dirty="0" smtClean="0"/>
-              <a:t>Website</a:t>
-            </a:r>
-          </a:p>
-          <a:p>
-            <a:pPr marL="342900" indent="-342900">
-              <a:buFont typeface="+mj-lt"/>
-              <a:buAutoNum type="arabicPeriod"/>
-            </a:pPr>
-            <a:r>
-              <a:rPr lang="en-US" dirty="0" smtClean="0"/>
-              <a:t>Related New York Times headlines</a:t>
-            </a:r>
-          </a:p>
-        </p:txBody>
-      </p:sp>
-      <p:pic>
-        <p:nvPicPr>
-          <p:cNvPr id="5" name="Picture Placeholder 4"/>
-          <p:cNvPicPr>
-            <a:picLocks noGrp="1" noChangeAspect="1"/>
-          </p:cNvPicPr>
-          <p:nvPr>
-            <p:ph type="pic" sz="quarter" idx="13"/>
-          </p:nvPr>
-        </p:nvPicPr>
-        <p:blipFill rotWithShape="1">
-          <a:blip r:embed="rId2">
-            <a:alphaModFix amt="52000"/>
-          </a:blip>
-          <a:srcRect b="-2110"/>
-          <a:stretch/>
-        </p:blipFill>
-        <p:spPr>
-          <a:xfrm>
-            <a:off x="4760258" y="990601"/>
-            <a:ext cx="4096512" cy="4724400"/>
-          </a:xfrm>
-        </p:spPr>
-      </p:pic>
-      <p:cxnSp>
-        <p:nvCxnSpPr>
-          <p:cNvPr id="6" name="Straight Connector 5"/>
-          <p:cNvCxnSpPr/>
+          <p:cNvPr id="2" name="Title 1"/>
+          <p:cNvSpPr txBox="1">
+            <a:spLocks/>
+          </p:cNvSpPr>
           <p:nvPr/>
-        </p:nvCxnSpPr>
-        <p:spPr>
-          <a:xfrm>
-            <a:off x="811428" y="2946073"/>
-            <a:ext cx="1093664" cy="0"/>
-          </a:xfrm>
-          <a:prstGeom prst="line">
-            <a:avLst/>
-          </a:prstGeom>
-          <a:ln>
-            <a:solidFill>
-              <a:srgbClr val="800000"/>
-            </a:solidFill>
-          </a:ln>
-        </p:spPr>
-        <p:style>
-          <a:lnRef idx="2">
-            <a:schemeClr val="accent1"/>
-          </a:lnRef>
-          <a:fillRef idx="0">
-            <a:schemeClr val="accent1"/>
-          </a:fillRef>
-          <a:effectRef idx="1">
-            <a:schemeClr val="accent1"/>
-          </a:effectRef>
-          <a:fontRef idx="minor">
-            <a:schemeClr val="tx1"/>
-          </a:fontRef>
-        </p:style>
-      </p:cxnSp>
-      <p:cxnSp>
-        <p:nvCxnSpPr>
-          <p:cNvPr id="9" name="Straight Connector 8"/>
-          <p:cNvCxnSpPr/>
-          <p:nvPr/>
-        </p:nvCxnSpPr>
-        <p:spPr>
-          <a:xfrm>
-            <a:off x="811428" y="3581155"/>
-            <a:ext cx="1217142" cy="0"/>
-          </a:xfrm>
-          <a:prstGeom prst="line">
-            <a:avLst/>
-          </a:prstGeom>
-          <a:ln>
-            <a:solidFill>
-              <a:srgbClr val="800000"/>
-            </a:solidFill>
-          </a:ln>
-        </p:spPr>
-        <p:style>
-          <a:lnRef idx="2">
-            <a:schemeClr val="accent1"/>
-          </a:lnRef>
-          <a:fillRef idx="0">
-            <a:schemeClr val="accent1"/>
-          </a:fillRef>
-          <a:effectRef idx="1">
-            <a:schemeClr val="accent1"/>
-          </a:effectRef>
-          <a:fontRef idx="minor">
-            <a:schemeClr val="tx1"/>
-          </a:fontRef>
-        </p:style>
-      </p:cxnSp>
-      <p:cxnSp>
-        <p:nvCxnSpPr>
-          <p:cNvPr id="11" name="Straight Connector 10"/>
-          <p:cNvCxnSpPr/>
-          <p:nvPr/>
-        </p:nvCxnSpPr>
-        <p:spPr>
-          <a:xfrm>
-            <a:off x="811428" y="3898696"/>
-            <a:ext cx="1217142" cy="0"/>
-          </a:xfrm>
-          <a:prstGeom prst="line">
-            <a:avLst/>
-          </a:prstGeom>
-          <a:ln>
-            <a:solidFill>
-              <a:srgbClr val="800000"/>
-            </a:solidFill>
-          </a:ln>
-        </p:spPr>
-        <p:style>
-          <a:lnRef idx="2">
-            <a:schemeClr val="accent1"/>
-          </a:lnRef>
-          <a:fillRef idx="0">
-            <a:schemeClr val="accent1"/>
-          </a:fillRef>
-          <a:effectRef idx="1">
-            <a:schemeClr val="accent1"/>
-          </a:effectRef>
-          <a:fontRef idx="minor">
-            <a:schemeClr val="tx1"/>
-          </a:fontRef>
-        </p:style>
-      </p:cxnSp>
-      <p:cxnSp>
-        <p:nvCxnSpPr>
-          <p:cNvPr id="12" name="Straight Connector 11"/>
-          <p:cNvCxnSpPr/>
-          <p:nvPr/>
-        </p:nvCxnSpPr>
-        <p:spPr>
-          <a:xfrm>
-            <a:off x="811428" y="4216236"/>
-            <a:ext cx="1217142" cy="0"/>
-          </a:xfrm>
-          <a:prstGeom prst="line">
-            <a:avLst/>
-          </a:prstGeom>
-          <a:ln>
-            <a:solidFill>
-              <a:srgbClr val="800000"/>
-            </a:solidFill>
-          </a:ln>
-        </p:spPr>
-        <p:style>
-          <a:lnRef idx="2">
-            <a:schemeClr val="accent1"/>
-          </a:lnRef>
-          <a:fillRef idx="0">
-            <a:schemeClr val="accent1"/>
-          </a:fillRef>
-          <a:effectRef idx="1">
-            <a:schemeClr val="accent1"/>
-          </a:effectRef>
-          <a:fontRef idx="minor">
-            <a:schemeClr val="tx1"/>
-          </a:fontRef>
-        </p:style>
-      </p:cxnSp>
-      <p:sp>
-        <p:nvSpPr>
-          <p:cNvPr id="13" name="TextBox 12"/>
-          <p:cNvSpPr txBox="1"/>
-          <p:nvPr/>
-        </p:nvSpPr>
-        <p:spPr>
-          <a:xfrm>
-            <a:off x="425826" y="909639"/>
-            <a:ext cx="4125227" cy="707886"/>
+        </p:nvSpPr>
+        <p:spPr>
+          <a:xfrm>
+            <a:off x="458787" y="5660376"/>
+            <a:ext cx="7617153" cy="824672"/>
           </a:xfrm>
           <a:prstGeom prst="rect">
             <a:avLst/>
           </a:prstGeom>
-          <a:noFill/>
-        </p:spPr>
-        <p:txBody>
-          <a:bodyPr wrap="square" rtlCol="0">
-            <a:spAutoFit/>
-          </a:bodyPr>
-          <a:lstStyle/>
-          <a:p>
-            <a:r>
-              <a:rPr lang="en-US" sz="4000" dirty="0" smtClean="0">
+        </p:spPr>
+        <p:txBody>
+          <a:bodyPr/>
+          <a:lstStyle>
+            <a:lvl1pPr algn="l" defTabSz="914400" rtl="0" eaLnBrk="1" latinLnBrk="0" hangingPunct="1">
+              <a:spcBef>
+                <a:spcPct val="0"/>
+              </a:spcBef>
+              <a:buNone/>
+              <a:defRPr sz="3600" kern="1200">
                 <a:solidFill>
-                  <a:srgbClr val="800000"/>
+                  <a:schemeClr val="accent1"/>
                 </a:solidFill>
-                <a:latin typeface="Caviar Dreams"/>
-                <a:cs typeface="Caviar Dreams"/>
-              </a:rPr>
-              <a:t>We did it!!!!</a:t>
-            </a:r>
-            <a:endParaRPr lang="en-US" sz="4000" dirty="0">
-              <a:solidFill>
-                <a:srgbClr val="800000"/>
-              </a:solidFill>
-              <a:latin typeface="Caviar Dreams"/>
-              <a:cs typeface="Caviar Dreams"/>
-            </a:endParaRPr>
-          </a:p>
-        </p:txBody>
-      </p:sp>
-      <p:cxnSp>
-        <p:nvCxnSpPr>
-          <p:cNvPr id="15" name="Straight Connector 14"/>
-          <p:cNvCxnSpPr/>
-          <p:nvPr/>
-        </p:nvCxnSpPr>
-        <p:spPr>
-          <a:xfrm>
-            <a:off x="811428" y="3281255"/>
-            <a:ext cx="917266" cy="0"/>
-          </a:xfrm>
-          <a:prstGeom prst="line">
-            <a:avLst/>
-          </a:prstGeom>
-          <a:ln>
-            <a:solidFill>
-              <a:srgbClr val="800000"/>
-            </a:solidFill>
-          </a:ln>
-        </p:spPr>
-        <p:style>
-          <a:lnRef idx="2">
-            <a:schemeClr val="accent1"/>
-          </a:lnRef>
-          <a:fillRef idx="0">
-            <a:schemeClr val="accent1"/>
-          </a:fillRef>
-          <a:effectRef idx="1">
-            <a:schemeClr val="accent1"/>
-          </a:effectRef>
-          <a:fontRef idx="minor">
-            <a:schemeClr val="tx1"/>
-          </a:fontRef>
-        </p:style>
-      </p:cxnSp>
-      <p:cxnSp>
-        <p:nvCxnSpPr>
-          <p:cNvPr id="16" name="Straight Connector 15"/>
-          <p:cNvCxnSpPr/>
-          <p:nvPr/>
-        </p:nvCxnSpPr>
-        <p:spPr>
-          <a:xfrm>
-            <a:off x="811428" y="4533777"/>
-            <a:ext cx="1569937" cy="0"/>
-          </a:xfrm>
-          <a:prstGeom prst="line">
-            <a:avLst/>
-          </a:prstGeom>
-          <a:ln>
-            <a:solidFill>
-              <a:srgbClr val="800000"/>
-            </a:solidFill>
-          </a:ln>
-        </p:spPr>
-        <p:style>
-          <a:lnRef idx="2">
-            <a:schemeClr val="accent1"/>
-          </a:lnRef>
-          <a:fillRef idx="0">
-            <a:schemeClr val="accent1"/>
-          </a:fillRef>
-          <a:effectRef idx="1">
-            <a:schemeClr val="accent1"/>
-          </a:effectRef>
-          <a:fontRef idx="minor">
-            <a:schemeClr val="tx1"/>
-          </a:fontRef>
-        </p:style>
-      </p:cxnSp>
-      <p:cxnSp>
-        <p:nvCxnSpPr>
-          <p:cNvPr id="17" name="Straight Connector 16"/>
-          <p:cNvCxnSpPr/>
-          <p:nvPr/>
-        </p:nvCxnSpPr>
-        <p:spPr>
-          <a:xfrm>
-            <a:off x="811428" y="4868960"/>
-            <a:ext cx="1711055" cy="0"/>
-          </a:xfrm>
-          <a:prstGeom prst="line">
-            <a:avLst/>
-          </a:prstGeom>
-          <a:ln>
-            <a:solidFill>
-              <a:srgbClr val="800000"/>
-            </a:solidFill>
-          </a:ln>
-        </p:spPr>
-        <p:style>
-          <a:lnRef idx="2">
-            <a:schemeClr val="accent1"/>
-          </a:lnRef>
-          <a:fillRef idx="0">
-            <a:schemeClr val="accent1"/>
-          </a:fillRef>
-          <a:effectRef idx="1">
-            <a:schemeClr val="accent1"/>
-          </a:effectRef>
-          <a:fontRef idx="minor">
-            <a:schemeClr val="tx1"/>
-          </a:fontRef>
-        </p:style>
-      </p:cxnSp>
-      <p:cxnSp>
-        <p:nvCxnSpPr>
-          <p:cNvPr id="18" name="Straight Connector 17"/>
-          <p:cNvCxnSpPr/>
-          <p:nvPr/>
-        </p:nvCxnSpPr>
-        <p:spPr>
-          <a:xfrm>
-            <a:off x="811428" y="5186500"/>
-            <a:ext cx="917266" cy="0"/>
-          </a:xfrm>
-          <a:prstGeom prst="line">
-            <a:avLst/>
-          </a:prstGeom>
-          <a:ln>
-            <a:solidFill>
-              <a:srgbClr val="800000"/>
-            </a:solidFill>
-          </a:ln>
-        </p:spPr>
-        <p:style>
-          <a:lnRef idx="2">
-            <a:schemeClr val="accent1"/>
-          </a:lnRef>
-          <a:fillRef idx="0">
-            <a:schemeClr val="accent1"/>
-          </a:fillRef>
-          <a:effectRef idx="1">
-            <a:schemeClr val="accent1"/>
-          </a:effectRef>
-          <a:fontRef idx="minor">
-            <a:schemeClr val="tx1"/>
-          </a:fontRef>
-        </p:style>
-      </p:cxnSp>
+                <a:latin typeface="+mj-lt"/>
+                <a:ea typeface="+mj-ea"/>
+                <a:cs typeface="+mj-cs"/>
+              </a:defRPr>
+            </a:lvl1pPr>
+          </a:lstStyle>
+          <a:p>
+            <a:pPr algn="r"/>
+            <a:r>
+              <a:rPr lang="en-US" sz="6000" dirty="0" err="1" smtClean="0"/>
+              <a:t>Wanna</a:t>
+            </a:r>
+            <a:r>
+              <a:rPr lang="en-US" sz="6000" dirty="0" smtClean="0"/>
+              <a:t> see?</a:t>
+            </a:r>
+            <a:endParaRPr lang="en-US" sz="6000" dirty="0"/>
+          </a:p>
+        </p:txBody>
+      </p:sp>
       <p:pic>
         <p:nvPicPr>
-          <p:cNvPr id="19" name="Picture 18" descr="6e633a235ea0d523078e667b9f84f15b-blue-check-mark-by-vexels.png"/>
+          <p:cNvPr id="3" name="Picture Placeholder 4">
+            <a:hlinkClick r:id="rId2"/>
+          </p:cNvPr>
           <p:cNvPicPr>
             <a:picLocks noChangeAspect="1"/>
           </p:cNvPicPr>
           <p:nvPr/>
         </p:nvPicPr>
-        <p:blipFill>
-          <a:blip r:embed="rId3">
-            <a:extLst>
-              <a:ext uri="{28A0092B-C50C-407E-A947-70E740481C1C}">
-                <a14:useLocalDpi xmlns:a14="http://schemas.microsoft.com/office/drawing/2010/main" val="0"/>
-              </a:ext>
-            </a:extLst>
-          </a:blip>
-          <a:stretch>
-            <a:fillRect/>
-          </a:stretch>
+        <p:blipFill rotWithShape="1">
+          <a:blip r:embed="rId3"/>
+          <a:srcRect l="23274" r="23860"/>
+          <a:stretch/>
         </p:blipFill>
         <p:spPr>
           <a:xfrm>
-            <a:off x="3184604" y="829083"/>
-            <a:ext cx="4803031" cy="4803031"/>
+            <a:off x="2490596" y="268287"/>
+            <a:ext cx="5585345" cy="5353731"/>
           </a:xfrm>
           <a:prstGeom prst="rect">
             <a:avLst/>
           </a:prstGeom>
         </p:spPr>
       </p:pic>
-      <p:cxnSp>
-        <p:nvCxnSpPr>
-          <p:cNvPr id="20" name="Straight Connector 19"/>
-          <p:cNvCxnSpPr/>
-          <p:nvPr/>
-        </p:nvCxnSpPr>
-        <p:spPr>
-          <a:xfrm>
-            <a:off x="811428" y="5504703"/>
-            <a:ext cx="3464239" cy="0"/>
-          </a:xfrm>
-          <a:prstGeom prst="line">
-            <a:avLst/>
-          </a:prstGeom>
-          <a:ln>
-            <a:solidFill>
-              <a:srgbClr val="800000"/>
-            </a:solidFill>
-          </a:ln>
-        </p:spPr>
-        <p:style>
-          <a:lnRef idx="2">
-            <a:schemeClr val="accent1"/>
-          </a:lnRef>
-          <a:fillRef idx="0">
-            <a:schemeClr val="accent1"/>
-          </a:fillRef>
-          <a:effectRef idx="1">
-            <a:schemeClr val="accent1"/>
-          </a:effectRef>
-          <a:fontRef idx="minor">
-            <a:schemeClr val="tx1"/>
-          </a:fontRef>
-        </p:style>
-      </p:cxnSp>
-      <p:sp>
-        <p:nvSpPr>
-          <p:cNvPr id="7" name="Title 6"/>
-          <p:cNvSpPr>
-            <a:spLocks noGrp="1"/>
-          </p:cNvSpPr>
-          <p:nvPr>
-            <p:ph type="title"/>
-          </p:nvPr>
-        </p:nvSpPr>
-        <p:spPr>
-          <a:xfrm>
-            <a:off x="457199" y="1411110"/>
-            <a:ext cx="3566160" cy="619395"/>
-          </a:xfrm>
-        </p:spPr>
-        <p:txBody>
-          <a:bodyPr/>
-          <a:lstStyle/>
-          <a:p>
-            <a:r>
-              <a:rPr lang="en-US" dirty="0" smtClean="0"/>
-              <a:t>Clean &amp; simple</a:t>
-            </a:r>
-            <a:endParaRPr lang="en-US" dirty="0"/>
-          </a:p>
-        </p:txBody>
-      </p:sp>
     </p:spTree>
     <p:extLst>
       <p:ext uri="{BB962C8B-B14F-4D97-AF65-F5344CB8AC3E}">
-        <p14:creationId xmlns:p14="http://schemas.microsoft.com/office/powerpoint/2010/main" val="1575592042"/>
+        <p14:creationId xmlns:p14="http://schemas.microsoft.com/office/powerpoint/2010/main" val="1183468813"/>
       </p:ext>
     </p:extLst>
   </p:cSld>
@@ -10917,6 +10929,354 @@
 </file>
 
 <file path=ppt/slides/slide21.xml><?xml version="1.0" encoding="utf-8"?>
+<p:sld xmlns:a="http://schemas.openxmlformats.org/drawingml/2006/main" xmlns:r="http://schemas.openxmlformats.org/officeDocument/2006/relationships" xmlns:p="http://schemas.openxmlformats.org/presentationml/2006/main">
+  <p:cSld>
+    <p:spTree>
+      <p:nvGrpSpPr>
+        <p:cNvPr id="1" name=""/>
+        <p:cNvGrpSpPr/>
+        <p:nvPr/>
+      </p:nvGrpSpPr>
+      <p:grpSpPr>
+        <a:xfrm>
+          <a:off x="0" y="0"/>
+          <a:ext cx="0" cy="0"/>
+          <a:chOff x="0" y="0"/>
+          <a:chExt cx="0" cy="0"/>
+        </a:xfrm>
+      </p:grpSpPr>
+      <p:sp>
+        <p:nvSpPr>
+          <p:cNvPr id="2" name="Title 1"/>
+          <p:cNvSpPr>
+            <a:spLocks noGrp="1"/>
+          </p:cNvSpPr>
+          <p:nvPr>
+            <p:ph type="title"/>
+          </p:nvPr>
+        </p:nvSpPr>
+        <p:spPr>
+          <a:xfrm>
+            <a:off x="457199" y="345212"/>
+            <a:ext cx="7388352" cy="1539582"/>
+          </a:xfrm>
+        </p:spPr>
+        <p:txBody>
+          <a:bodyPr/>
+          <a:lstStyle/>
+          <a:p>
+            <a:r>
+              <a:rPr lang="en-US" sz="4400" dirty="0" smtClean="0">
+                <a:solidFill>
+                  <a:srgbClr val="800000"/>
+                </a:solidFill>
+              </a:rPr>
+              <a:t>We know there is room to </a:t>
+            </a:r>
+            <a:r>
+              <a:rPr lang="en-US" sz="4400" b="1" spc="2000" dirty="0" smtClean="0">
+                <a:solidFill>
+                  <a:srgbClr val="0000FF"/>
+                </a:solidFill>
+              </a:rPr>
+              <a:t>EXPAND</a:t>
+            </a:r>
+            <a:r>
+              <a:rPr lang="en-US" sz="4400" dirty="0" smtClean="0">
+                <a:solidFill>
+                  <a:srgbClr val="800000"/>
+                </a:solidFill>
+              </a:rPr>
+              <a:t>!</a:t>
+            </a:r>
+            <a:endParaRPr lang="en-US" sz="4400" dirty="0">
+              <a:solidFill>
+                <a:srgbClr val="800000"/>
+              </a:solidFill>
+            </a:endParaRPr>
+          </a:p>
+        </p:txBody>
+      </p:sp>
+      <p:sp>
+        <p:nvSpPr>
+          <p:cNvPr id="3" name="Text Placeholder 2"/>
+          <p:cNvSpPr>
+            <a:spLocks noGrp="1"/>
+          </p:cNvSpPr>
+          <p:nvPr>
+            <p:ph type="body" idx="1"/>
+          </p:nvPr>
+        </p:nvSpPr>
+        <p:spPr>
+          <a:xfrm>
+            <a:off x="457200" y="1980158"/>
+            <a:ext cx="3566160" cy="522627"/>
+          </a:xfrm>
+        </p:spPr>
+        <p:txBody>
+          <a:bodyPr/>
+          <a:lstStyle/>
+          <a:p>
+            <a:r>
+              <a:rPr lang="en-US" dirty="0" smtClean="0">
+                <a:solidFill>
+                  <a:schemeClr val="accent4"/>
+                </a:solidFill>
+              </a:rPr>
+              <a:t>Search-ability</a:t>
+            </a:r>
+            <a:endParaRPr lang="en-US" dirty="0">
+              <a:solidFill>
+                <a:schemeClr val="accent4"/>
+              </a:solidFill>
+            </a:endParaRPr>
+          </a:p>
+        </p:txBody>
+      </p:sp>
+      <p:sp>
+        <p:nvSpPr>
+          <p:cNvPr id="4" name="Content Placeholder 3"/>
+          <p:cNvSpPr>
+            <a:spLocks noGrp="1"/>
+          </p:cNvSpPr>
+          <p:nvPr>
+            <p:ph sz="half" idx="2"/>
+          </p:nvPr>
+        </p:nvSpPr>
+        <p:spPr>
+          <a:xfrm>
+            <a:off x="457200" y="2615437"/>
+            <a:ext cx="3969156" cy="3436751"/>
+          </a:xfrm>
+        </p:spPr>
+        <p:txBody>
+          <a:bodyPr>
+            <a:normAutofit fontScale="77500" lnSpcReduction="20000"/>
+          </a:bodyPr>
+          <a:lstStyle/>
+          <a:p>
+            <a:r>
+              <a:rPr lang="en-US" dirty="0" smtClean="0"/>
+              <a:t>Create searches for special interest groups:</a:t>
+            </a:r>
+          </a:p>
+          <a:p>
+            <a:pPr lvl="1"/>
+            <a:r>
+              <a:rPr lang="en-US" dirty="0" smtClean="0"/>
+              <a:t>Form Letters</a:t>
+            </a:r>
+          </a:p>
+          <a:p>
+            <a:pPr lvl="1"/>
+            <a:r>
+              <a:rPr lang="en-US" dirty="0" smtClean="0"/>
+              <a:t>What to post, who to tag.</a:t>
+            </a:r>
+          </a:p>
+          <a:p>
+            <a:r>
+              <a:rPr lang="en-US" dirty="0" smtClean="0"/>
+              <a:t>Search by office, federal </a:t>
+            </a:r>
+            <a:r>
+              <a:rPr lang="en-US" dirty="0" err="1" smtClean="0"/>
+              <a:t>vs</a:t>
+            </a:r>
+            <a:r>
+              <a:rPr lang="en-US" dirty="0" smtClean="0"/>
+              <a:t> local, and other more specific queries.</a:t>
+            </a:r>
+          </a:p>
+          <a:p>
+            <a:r>
+              <a:rPr lang="en-US" dirty="0" smtClean="0"/>
+              <a:t>Create searches for upcoming elections:</a:t>
+            </a:r>
+          </a:p>
+          <a:p>
+            <a:pPr lvl="1"/>
+            <a:r>
+              <a:rPr lang="en-US" dirty="0" smtClean="0"/>
+              <a:t>Who is running?</a:t>
+            </a:r>
+          </a:p>
+          <a:p>
+            <a:pPr lvl="1"/>
+            <a:r>
+              <a:rPr lang="en-US" dirty="0" smtClean="0"/>
+              <a:t>Who is on the chopping block?</a:t>
+            </a:r>
+          </a:p>
+          <a:p>
+            <a:r>
+              <a:rPr lang="en-US" dirty="0" smtClean="0"/>
+              <a:t>Create user login </a:t>
+            </a:r>
+            <a:r>
+              <a:rPr lang="mr-IN" dirty="0" smtClean="0"/>
+              <a:t>–</a:t>
+            </a:r>
+            <a:endParaRPr lang="en-US" dirty="0" smtClean="0"/>
+          </a:p>
+          <a:p>
+            <a:pPr lvl="1"/>
+            <a:r>
+              <a:rPr lang="en-US" dirty="0" smtClean="0"/>
+              <a:t>Allow users to register their party and pull info based on that.</a:t>
+            </a:r>
+          </a:p>
+          <a:p>
+            <a:endParaRPr lang="en-US" dirty="0"/>
+          </a:p>
+        </p:txBody>
+      </p:sp>
+      <p:pic>
+        <p:nvPicPr>
+          <p:cNvPr id="7" name="Picture Placeholder 4"/>
+          <p:cNvPicPr>
+            <a:picLocks noGrp="1" noChangeAspect="1"/>
+          </p:cNvPicPr>
+          <p:nvPr>
+            <p:ph sz="quarter" idx="4"/>
+          </p:nvPr>
+        </p:nvPicPr>
+        <p:blipFill rotWithShape="1">
+          <a:blip r:embed="rId2"/>
+          <a:srcRect l="2980" r="2515" b="31302"/>
+          <a:stretch/>
+        </p:blipFill>
+        <p:spPr>
+          <a:xfrm>
+            <a:off x="4526494" y="2183737"/>
+            <a:ext cx="3565525" cy="3734178"/>
+          </a:xfrm>
+        </p:spPr>
+      </p:pic>
+    </p:spTree>
+    <p:extLst>
+      <p:ext uri="{BB962C8B-B14F-4D97-AF65-F5344CB8AC3E}">
+        <p14:creationId xmlns:p14="http://schemas.microsoft.com/office/powerpoint/2010/main" val="2043718295"/>
+      </p:ext>
+    </p:extLst>
+  </p:cSld>
+  <p:clrMapOvr>
+    <a:masterClrMapping/>
+  </p:clrMapOvr>
+  <p:timing>
+    <p:tnLst>
+      <p:par>
+        <p:cTn xmlns:p14="http://schemas.microsoft.com/office/powerpoint/2010/main" id="1" dur="indefinite" restart="never" nodeType="tmRoot"/>
+      </p:par>
+    </p:tnLst>
+  </p:timing>
+</p:sld>
+</file>
+
+<file path=ppt/slides/slide22.xml><?xml version="1.0" encoding="utf-8"?>
+<p:sld xmlns:a="http://schemas.openxmlformats.org/drawingml/2006/main" xmlns:r="http://schemas.openxmlformats.org/officeDocument/2006/relationships" xmlns:p="http://schemas.openxmlformats.org/presentationml/2006/main">
+  <p:cSld>
+    <p:spTree>
+      <p:nvGrpSpPr>
+        <p:cNvPr id="1" name=""/>
+        <p:cNvGrpSpPr/>
+        <p:nvPr/>
+      </p:nvGrpSpPr>
+      <p:grpSpPr>
+        <a:xfrm>
+          <a:off x="0" y="0"/>
+          <a:ext cx="0" cy="0"/>
+          <a:chOff x="0" y="0"/>
+          <a:chExt cx="0" cy="0"/>
+        </a:xfrm>
+      </p:grpSpPr>
+      <p:sp>
+        <p:nvSpPr>
+          <p:cNvPr id="2" name="Title 1"/>
+          <p:cNvSpPr>
+            <a:spLocks noGrp="1"/>
+          </p:cNvSpPr>
+          <p:nvPr>
+            <p:ph type="title"/>
+          </p:nvPr>
+        </p:nvSpPr>
+        <p:spPr/>
+        <p:txBody>
+          <a:bodyPr/>
+          <a:lstStyle/>
+          <a:p>
+            <a:r>
+              <a:rPr lang="en-US" dirty="0" smtClean="0"/>
+              <a:t>What is “sell-able”?</a:t>
+            </a:r>
+            <a:endParaRPr lang="en-US" dirty="0"/>
+          </a:p>
+        </p:txBody>
+      </p:sp>
+      <p:sp>
+        <p:nvSpPr>
+          <p:cNvPr id="3" name="Content Placeholder 2"/>
+          <p:cNvSpPr>
+            <a:spLocks noGrp="1"/>
+          </p:cNvSpPr>
+          <p:nvPr>
+            <p:ph idx="1"/>
+          </p:nvPr>
+        </p:nvSpPr>
+        <p:spPr/>
+        <p:txBody>
+          <a:bodyPr/>
+          <a:lstStyle/>
+          <a:p>
+            <a:r>
+              <a:rPr lang="en-US" dirty="0" smtClean="0"/>
+              <a:t>Sell data to polling efforts.</a:t>
+            </a:r>
+          </a:p>
+          <a:p>
+            <a:r>
+              <a:rPr lang="en-US" dirty="0" smtClean="0"/>
+              <a:t>Sell advertising space on scrolling profiles.</a:t>
+            </a:r>
+          </a:p>
+          <a:p>
+            <a:r>
+              <a:rPr lang="en-US" dirty="0" smtClean="0"/>
+              <a:t>Let Special interest groups pay to host their form letters and campaigns.</a:t>
+            </a:r>
+          </a:p>
+          <a:p>
+            <a:r>
+              <a:rPr lang="en-US" dirty="0" smtClean="0"/>
+              <a:t>Let campaigns pay to post their invitations to rallies, speeches and other politically-motivated events.</a:t>
+            </a:r>
+          </a:p>
+          <a:p>
+            <a:endParaRPr lang="en-US" dirty="0"/>
+          </a:p>
+        </p:txBody>
+      </p:sp>
+    </p:spTree>
+    <p:extLst>
+      <p:ext uri="{BB962C8B-B14F-4D97-AF65-F5344CB8AC3E}">
+        <p14:creationId xmlns:p14="http://schemas.microsoft.com/office/powerpoint/2010/main" val="1167599368"/>
+      </p:ext>
+    </p:extLst>
+  </p:cSld>
+  <p:clrMapOvr>
+    <a:masterClrMapping/>
+  </p:clrMapOvr>
+  <p:timing>
+    <p:tnLst>
+      <p:par>
+        <p:cTn xmlns:p14="http://schemas.microsoft.com/office/powerpoint/2010/main" id="1" dur="indefinite" restart="never" nodeType="tmRoot"/>
+      </p:par>
+    </p:tnLst>
+  </p:timing>
+</p:sld>
+</file>
+
+<file path=ppt/slides/slide23.xml><?xml version="1.0" encoding="utf-8"?>
 <p:sld xmlns:a="http://schemas.openxmlformats.org/drawingml/2006/main" xmlns:r="http://schemas.openxmlformats.org/officeDocument/2006/relationships" xmlns:p="http://schemas.openxmlformats.org/presentationml/2006/main">
   <p:cSld>
     <p:spTree>
@@ -12189,465 +12549,6 @@
 </p:sld>
 </file>
 
-<file path=ppt/slides/slide22.xml><?xml version="1.0" encoding="utf-8"?>
-<p:sld xmlns:a="http://schemas.openxmlformats.org/drawingml/2006/main" xmlns:r="http://schemas.openxmlformats.org/officeDocument/2006/relationships" xmlns:p="http://schemas.openxmlformats.org/presentationml/2006/main">
-  <p:cSld>
-    <p:spTree>
-      <p:nvGrpSpPr>
-        <p:cNvPr id="1" name=""/>
-        <p:cNvGrpSpPr/>
-        <p:nvPr/>
-      </p:nvGrpSpPr>
-      <p:grpSpPr>
-        <a:xfrm>
-          <a:off x="0" y="0"/>
-          <a:ext cx="0" cy="0"/>
-          <a:chOff x="0" y="0"/>
-          <a:chExt cx="0" cy="0"/>
-        </a:xfrm>
-      </p:grpSpPr>
-      <p:sp>
-        <p:nvSpPr>
-          <p:cNvPr id="2" name="Title 1"/>
-          <p:cNvSpPr txBox="1">
-            <a:spLocks/>
-          </p:cNvSpPr>
-          <p:nvPr/>
-        </p:nvSpPr>
-        <p:spPr>
-          <a:xfrm>
-            <a:off x="458787" y="5660376"/>
-            <a:ext cx="7617153" cy="824672"/>
-          </a:xfrm>
-          <a:prstGeom prst="rect">
-            <a:avLst/>
-          </a:prstGeom>
-        </p:spPr>
-        <p:txBody>
-          <a:bodyPr/>
-          <a:lstStyle>
-            <a:lvl1pPr algn="l" defTabSz="914400" rtl="0" eaLnBrk="1" latinLnBrk="0" hangingPunct="1">
-              <a:spcBef>
-                <a:spcPct val="0"/>
-              </a:spcBef>
-              <a:buNone/>
-              <a:defRPr sz="3600" kern="1200">
-                <a:solidFill>
-                  <a:schemeClr val="accent1"/>
-                </a:solidFill>
-                <a:latin typeface="+mj-lt"/>
-                <a:ea typeface="+mj-ea"/>
-                <a:cs typeface="+mj-cs"/>
-              </a:defRPr>
-            </a:lvl1pPr>
-          </a:lstStyle>
-          <a:p>
-            <a:pPr algn="r"/>
-            <a:r>
-              <a:rPr lang="en-US" sz="6000" dirty="0" err="1" smtClean="0"/>
-              <a:t>Wanna</a:t>
-            </a:r>
-            <a:r>
-              <a:rPr lang="en-US" sz="6000" dirty="0" smtClean="0"/>
-              <a:t> see?</a:t>
-            </a:r>
-            <a:endParaRPr lang="en-US" sz="6000" dirty="0"/>
-          </a:p>
-        </p:txBody>
-      </p:sp>
-      <p:pic>
-        <p:nvPicPr>
-          <p:cNvPr id="3" name="Picture Placeholder 4">
-            <a:hlinkClick r:id="rId2"/>
-          </p:cNvPr>
-          <p:cNvPicPr>
-            <a:picLocks noChangeAspect="1"/>
-          </p:cNvPicPr>
-          <p:nvPr/>
-        </p:nvPicPr>
-        <p:blipFill rotWithShape="1">
-          <a:blip r:embed="rId3"/>
-          <a:srcRect l="23274" r="23860"/>
-          <a:stretch/>
-        </p:blipFill>
-        <p:spPr>
-          <a:xfrm>
-            <a:off x="2490596" y="268287"/>
-            <a:ext cx="5585345" cy="5353731"/>
-          </a:xfrm>
-          <a:prstGeom prst="rect">
-            <a:avLst/>
-          </a:prstGeom>
-        </p:spPr>
-      </p:pic>
-    </p:spTree>
-    <p:extLst>
-      <p:ext uri="{BB962C8B-B14F-4D97-AF65-F5344CB8AC3E}">
-        <p14:creationId xmlns:p14="http://schemas.microsoft.com/office/powerpoint/2010/main" val="1183468813"/>
-      </p:ext>
-    </p:extLst>
-  </p:cSld>
-  <p:clrMapOvr>
-    <a:masterClrMapping/>
-  </p:clrMapOvr>
-  <p:timing>
-    <p:tnLst>
-      <p:par>
-        <p:cTn xmlns:p14="http://schemas.microsoft.com/office/powerpoint/2010/main" id="1" dur="indefinite" restart="never" nodeType="tmRoot"/>
-      </p:par>
-    </p:tnLst>
-  </p:timing>
-</p:sld>
-</file>
-
-<file path=ppt/slides/slide23.xml><?xml version="1.0" encoding="utf-8"?>
-<p:sld xmlns:a="http://schemas.openxmlformats.org/drawingml/2006/main" xmlns:r="http://schemas.openxmlformats.org/officeDocument/2006/relationships" xmlns:p="http://schemas.openxmlformats.org/presentationml/2006/main">
-  <p:cSld>
-    <p:spTree>
-      <p:nvGrpSpPr>
-        <p:cNvPr id="1" name=""/>
-        <p:cNvGrpSpPr/>
-        <p:nvPr/>
-      </p:nvGrpSpPr>
-      <p:grpSpPr>
-        <a:xfrm>
-          <a:off x="0" y="0"/>
-          <a:ext cx="0" cy="0"/>
-          <a:chOff x="0" y="0"/>
-          <a:chExt cx="0" cy="0"/>
-        </a:xfrm>
-      </p:grpSpPr>
-      <p:sp>
-        <p:nvSpPr>
-          <p:cNvPr id="2" name="Title 1"/>
-          <p:cNvSpPr>
-            <a:spLocks noGrp="1"/>
-          </p:cNvSpPr>
-          <p:nvPr>
-            <p:ph type="title"/>
-          </p:nvPr>
-        </p:nvSpPr>
-        <p:spPr>
-          <a:xfrm>
-            <a:off x="457199" y="345212"/>
-            <a:ext cx="7388352" cy="1539582"/>
-          </a:xfrm>
-        </p:spPr>
-        <p:txBody>
-          <a:bodyPr/>
-          <a:lstStyle/>
-          <a:p>
-            <a:r>
-              <a:rPr lang="en-US" sz="4400" dirty="0" smtClean="0">
-                <a:solidFill>
-                  <a:srgbClr val="800000"/>
-                </a:solidFill>
-              </a:rPr>
-              <a:t>We know there is room to </a:t>
-            </a:r>
-            <a:r>
-              <a:rPr lang="en-US" sz="4400" b="1" u="sng" spc="600" dirty="0" smtClean="0">
-                <a:solidFill>
-                  <a:srgbClr val="0000FF"/>
-                </a:solidFill>
-              </a:rPr>
-              <a:t>EXPAND</a:t>
-            </a:r>
-            <a:r>
-              <a:rPr lang="en-US" sz="4400" dirty="0" smtClean="0">
-                <a:solidFill>
-                  <a:srgbClr val="800000"/>
-                </a:solidFill>
-              </a:rPr>
-              <a:t>!</a:t>
-            </a:r>
-            <a:endParaRPr lang="en-US" sz="4400" dirty="0">
-              <a:solidFill>
-                <a:srgbClr val="800000"/>
-              </a:solidFill>
-            </a:endParaRPr>
-          </a:p>
-        </p:txBody>
-      </p:sp>
-      <p:sp>
-        <p:nvSpPr>
-          <p:cNvPr id="3" name="Text Placeholder 2"/>
-          <p:cNvSpPr>
-            <a:spLocks noGrp="1"/>
-          </p:cNvSpPr>
-          <p:nvPr>
-            <p:ph type="body" idx="1"/>
-          </p:nvPr>
-        </p:nvSpPr>
-        <p:spPr>
-          <a:xfrm>
-            <a:off x="457200" y="1980158"/>
-            <a:ext cx="3566160" cy="522627"/>
-          </a:xfrm>
-        </p:spPr>
-        <p:txBody>
-          <a:bodyPr/>
-          <a:lstStyle/>
-          <a:p>
-            <a:r>
-              <a:rPr lang="en-US" dirty="0" smtClean="0">
-                <a:solidFill>
-                  <a:schemeClr val="accent4"/>
-                </a:solidFill>
-              </a:rPr>
-              <a:t>Search-ability</a:t>
-            </a:r>
-            <a:endParaRPr lang="en-US" dirty="0">
-              <a:solidFill>
-                <a:schemeClr val="accent4"/>
-              </a:solidFill>
-            </a:endParaRPr>
-          </a:p>
-        </p:txBody>
-      </p:sp>
-      <p:sp>
-        <p:nvSpPr>
-          <p:cNvPr id="4" name="Content Placeholder 3"/>
-          <p:cNvSpPr>
-            <a:spLocks noGrp="1"/>
-          </p:cNvSpPr>
-          <p:nvPr>
-            <p:ph sz="half" idx="2"/>
-          </p:nvPr>
-        </p:nvSpPr>
-        <p:spPr>
-          <a:xfrm>
-            <a:off x="457200" y="2615437"/>
-            <a:ext cx="3969156" cy="3436751"/>
-          </a:xfrm>
-        </p:spPr>
-        <p:txBody>
-          <a:bodyPr>
-            <a:normAutofit fontScale="77500" lnSpcReduction="20000"/>
-          </a:bodyPr>
-          <a:lstStyle/>
-          <a:p>
-            <a:r>
-              <a:rPr lang="en-US" dirty="0" smtClean="0"/>
-              <a:t>Create searches for special interest groups:</a:t>
-            </a:r>
-          </a:p>
-          <a:p>
-            <a:pPr lvl="1"/>
-            <a:r>
-              <a:rPr lang="en-US" dirty="0" smtClean="0"/>
-              <a:t>Form Letters</a:t>
-            </a:r>
-          </a:p>
-          <a:p>
-            <a:pPr lvl="1"/>
-            <a:r>
-              <a:rPr lang="en-US" dirty="0" smtClean="0"/>
-              <a:t>What to post, who to tag.</a:t>
-            </a:r>
-          </a:p>
-          <a:p>
-            <a:r>
-              <a:rPr lang="en-US" dirty="0" smtClean="0"/>
-              <a:t>Search by office, federal </a:t>
-            </a:r>
-            <a:r>
-              <a:rPr lang="en-US" dirty="0" err="1" smtClean="0"/>
-              <a:t>vs</a:t>
-            </a:r>
-            <a:r>
-              <a:rPr lang="en-US" dirty="0" smtClean="0"/>
-              <a:t> local, and other more specific queries.</a:t>
-            </a:r>
-          </a:p>
-          <a:p>
-            <a:r>
-              <a:rPr lang="en-US" dirty="0" smtClean="0"/>
-              <a:t>Create searches for upcoming elections:</a:t>
-            </a:r>
-          </a:p>
-          <a:p>
-            <a:pPr lvl="1"/>
-            <a:r>
-              <a:rPr lang="en-US" dirty="0" smtClean="0"/>
-              <a:t>Who is running?</a:t>
-            </a:r>
-          </a:p>
-          <a:p>
-            <a:pPr lvl="1"/>
-            <a:r>
-              <a:rPr lang="en-US" dirty="0" smtClean="0"/>
-              <a:t>Who is on the chopping block?</a:t>
-            </a:r>
-          </a:p>
-          <a:p>
-            <a:r>
-              <a:rPr lang="en-US" dirty="0" smtClean="0"/>
-              <a:t>Create user login </a:t>
-            </a:r>
-            <a:r>
-              <a:rPr lang="mr-IN" dirty="0" smtClean="0"/>
-              <a:t>–</a:t>
-            </a:r>
-            <a:endParaRPr lang="en-US" dirty="0" smtClean="0"/>
-          </a:p>
-          <a:p>
-            <a:pPr lvl="1"/>
-            <a:r>
-              <a:rPr lang="en-US" dirty="0" smtClean="0"/>
-              <a:t>Allow users to register their party and pull info based on that.</a:t>
-            </a:r>
-          </a:p>
-          <a:p>
-            <a:endParaRPr lang="en-US" dirty="0"/>
-          </a:p>
-        </p:txBody>
-      </p:sp>
-      <p:pic>
-        <p:nvPicPr>
-          <p:cNvPr id="7" name="Picture Placeholder 4"/>
-          <p:cNvPicPr>
-            <a:picLocks noGrp="1" noChangeAspect="1"/>
-          </p:cNvPicPr>
-          <p:nvPr>
-            <p:ph sz="quarter" idx="4"/>
-          </p:nvPr>
-        </p:nvPicPr>
-        <p:blipFill rotWithShape="1">
-          <a:blip r:embed="rId2"/>
-          <a:srcRect l="2980" r="2515" b="31302"/>
-          <a:stretch/>
-        </p:blipFill>
-        <p:spPr>
-          <a:xfrm>
-            <a:off x="4526494" y="2183737"/>
-            <a:ext cx="3565525" cy="3734178"/>
-          </a:xfrm>
-        </p:spPr>
-      </p:pic>
-    </p:spTree>
-    <p:extLst>
-      <p:ext uri="{BB962C8B-B14F-4D97-AF65-F5344CB8AC3E}">
-        <p14:creationId xmlns:p14="http://schemas.microsoft.com/office/powerpoint/2010/main" val="2043718295"/>
-      </p:ext>
-    </p:extLst>
-  </p:cSld>
-  <p:clrMapOvr>
-    <a:masterClrMapping/>
-  </p:clrMapOvr>
-  <p:timing>
-    <p:tnLst>
-      <p:par>
-        <p:cTn xmlns:p14="http://schemas.microsoft.com/office/powerpoint/2010/main" id="1" dur="indefinite" restart="never" nodeType="tmRoot"/>
-      </p:par>
-    </p:tnLst>
-  </p:timing>
-</p:sld>
-</file>
-
-<file path=ppt/slides/slide24.xml><?xml version="1.0" encoding="utf-8"?>
-<p:sld xmlns:a="http://schemas.openxmlformats.org/drawingml/2006/main" xmlns:r="http://schemas.openxmlformats.org/officeDocument/2006/relationships" xmlns:p="http://schemas.openxmlformats.org/presentationml/2006/main">
-  <p:cSld>
-    <p:spTree>
-      <p:nvGrpSpPr>
-        <p:cNvPr id="1" name=""/>
-        <p:cNvGrpSpPr/>
-        <p:nvPr/>
-      </p:nvGrpSpPr>
-      <p:grpSpPr>
-        <a:xfrm>
-          <a:off x="0" y="0"/>
-          <a:ext cx="0" cy="0"/>
-          <a:chOff x="0" y="0"/>
-          <a:chExt cx="0" cy="0"/>
-        </a:xfrm>
-      </p:grpSpPr>
-      <p:sp>
-        <p:nvSpPr>
-          <p:cNvPr id="2" name="Title 1"/>
-          <p:cNvSpPr>
-            <a:spLocks noGrp="1"/>
-          </p:cNvSpPr>
-          <p:nvPr>
-            <p:ph type="title"/>
-          </p:nvPr>
-        </p:nvSpPr>
-        <p:spPr/>
-        <p:txBody>
-          <a:bodyPr/>
-          <a:lstStyle/>
-          <a:p>
-            <a:r>
-              <a:rPr lang="en-US" dirty="0" smtClean="0"/>
-              <a:t>What is “sell-able”?</a:t>
-            </a:r>
-            <a:endParaRPr lang="en-US" dirty="0"/>
-          </a:p>
-        </p:txBody>
-      </p:sp>
-      <p:sp>
-        <p:nvSpPr>
-          <p:cNvPr id="3" name="Content Placeholder 2"/>
-          <p:cNvSpPr>
-            <a:spLocks noGrp="1"/>
-          </p:cNvSpPr>
-          <p:nvPr>
-            <p:ph idx="1"/>
-          </p:nvPr>
-        </p:nvSpPr>
-        <p:spPr/>
-        <p:txBody>
-          <a:bodyPr/>
-          <a:lstStyle/>
-          <a:p>
-            <a:r>
-              <a:rPr lang="en-US" dirty="0" smtClean="0"/>
-              <a:t>Sell data to polling efforts.</a:t>
-            </a:r>
-          </a:p>
-          <a:p>
-            <a:r>
-              <a:rPr lang="en-US" dirty="0" smtClean="0"/>
-              <a:t>Sell advertising space on scrolling profiles.</a:t>
-            </a:r>
-          </a:p>
-          <a:p>
-            <a:r>
-              <a:rPr lang="en-US" dirty="0" smtClean="0"/>
-              <a:t>Let Special interest groups pay to host their form letters and campaigns.</a:t>
-            </a:r>
-          </a:p>
-          <a:p>
-            <a:r>
-              <a:rPr lang="en-US" dirty="0" smtClean="0"/>
-              <a:t>Let campaigns pay to post their invitations to rallies, speeches and other politically-motivated events.</a:t>
-            </a:r>
-          </a:p>
-          <a:p>
-            <a:endParaRPr lang="en-US" dirty="0"/>
-          </a:p>
-        </p:txBody>
-      </p:sp>
-    </p:spTree>
-    <p:extLst>
-      <p:ext uri="{BB962C8B-B14F-4D97-AF65-F5344CB8AC3E}">
-        <p14:creationId xmlns:p14="http://schemas.microsoft.com/office/powerpoint/2010/main" val="1167599368"/>
-      </p:ext>
-    </p:extLst>
-  </p:cSld>
-  <p:clrMapOvr>
-    <a:masterClrMapping/>
-  </p:clrMapOvr>
-  <p:timing>
-    <p:tnLst>
-      <p:par>
-        <p:cTn xmlns:p14="http://schemas.microsoft.com/office/powerpoint/2010/main" id="1" dur="indefinite" restart="never" nodeType="tmRoot"/>
-      </p:par>
-    </p:tnLst>
-  </p:timing>
-</p:sld>
-</file>
-
 <file path=ppt/slides/slide3.xml><?xml version="1.0" encoding="utf-8"?>
 <p:sld xmlns:a="http://schemas.openxmlformats.org/drawingml/2006/main" xmlns:r="http://schemas.openxmlformats.org/officeDocument/2006/relationships" xmlns:p="http://schemas.openxmlformats.org/presentationml/2006/main">
   <p:cSld>
@@ -13118,7 +13019,7 @@
         </p:spPr>
         <p:txBody>
           <a:bodyPr>
-            <a:normAutofit fontScale="92500"/>
+            <a:normAutofit/>
           </a:bodyPr>
           <a:lstStyle/>
           <a:p>
@@ -13127,7 +13028,16 @@
             </a:pPr>
             <a:r>
               <a:rPr lang="en-US" dirty="0" smtClean="0"/>
-              <a:t>Since alerts aren’t allowed, a modal was a great solution! Bootstrap offers several styles, and shows you how to hide the element until they are needed.</a:t>
+              <a:t>Alerts are ugly!</a:t>
+            </a:r>
+          </a:p>
+          <a:p>
+            <a:pPr marL="0" indent="0">
+              <a:buNone/>
+            </a:pPr>
+            <a:r>
+              <a:rPr lang="en-US" dirty="0" smtClean="0"/>
+              <a:t>We used a modal.</a:t>
             </a:r>
             <a:endParaRPr lang="en-US" dirty="0"/>
           </a:p>

--- a/assets/presentation/politiscape.pptx
+++ b/assets/presentation/politiscape.pptx
@@ -10,24 +10,23 @@
     <p:sldId id="258" r:id="rId4"/>
     <p:sldId id="259" r:id="rId5"/>
     <p:sldId id="260" r:id="rId6"/>
-    <p:sldId id="278" r:id="rId7"/>
-    <p:sldId id="261" r:id="rId8"/>
-    <p:sldId id="262" r:id="rId9"/>
-    <p:sldId id="263" r:id="rId10"/>
-    <p:sldId id="264" r:id="rId11"/>
-    <p:sldId id="268" r:id="rId12"/>
-    <p:sldId id="266" r:id="rId13"/>
-    <p:sldId id="267" r:id="rId14"/>
-    <p:sldId id="270" r:id="rId15"/>
-    <p:sldId id="269" r:id="rId16"/>
-    <p:sldId id="272" r:id="rId17"/>
-    <p:sldId id="273" r:id="rId18"/>
-    <p:sldId id="274" r:id="rId19"/>
-    <p:sldId id="276" r:id="rId20"/>
-    <p:sldId id="280" r:id="rId21"/>
-    <p:sldId id="281" r:id="rId22"/>
-    <p:sldId id="282" r:id="rId23"/>
-    <p:sldId id="277" r:id="rId24"/>
+    <p:sldId id="261" r:id="rId7"/>
+    <p:sldId id="262" r:id="rId8"/>
+    <p:sldId id="263" r:id="rId9"/>
+    <p:sldId id="264" r:id="rId10"/>
+    <p:sldId id="268" r:id="rId11"/>
+    <p:sldId id="266" r:id="rId12"/>
+    <p:sldId id="267" r:id="rId13"/>
+    <p:sldId id="270" r:id="rId14"/>
+    <p:sldId id="269" r:id="rId15"/>
+    <p:sldId id="272" r:id="rId16"/>
+    <p:sldId id="273" r:id="rId17"/>
+    <p:sldId id="274" r:id="rId18"/>
+    <p:sldId id="276" r:id="rId19"/>
+    <p:sldId id="280" r:id="rId20"/>
+    <p:sldId id="281" r:id="rId21"/>
+    <p:sldId id="282" r:id="rId22"/>
+    <p:sldId id="277" r:id="rId23"/>
   </p:sldIdLst>
   <p:sldSz cx="9144000" cy="6858000" type="screen4x3"/>
   <p:notesSz cx="6858000" cy="9144000"/>
@@ -440,7 +439,7 @@
           <a:p>
             <a:fld id="{B1A24CD3-204F-4468-8EE4-28A6668D006A}" type="datetimeFigureOut">
               <a:rPr lang="en-US" smtClean="0"/>
-              <a:t>3/21/18</a:t>
+              <a:t>3/23/18</a:t>
             </a:fld>
             <a:endParaRPr lang="en-US"/>
           </a:p>
@@ -754,7 +753,7 @@
           <a:p>
             <a:fld id="{B1A24CD3-204F-4468-8EE4-28A6668D006A}" type="datetimeFigureOut">
               <a:rPr lang="en-US" smtClean="0"/>
-              <a:t>3/21/18</a:t>
+              <a:t>3/23/18</a:t>
             </a:fld>
             <a:endParaRPr lang="en-US"/>
           </a:p>
@@ -1260,7 +1259,7 @@
           <a:p>
             <a:fld id="{B1A24CD3-204F-4468-8EE4-28A6668D006A}" type="datetimeFigureOut">
               <a:rPr lang="en-US" smtClean="0"/>
-              <a:t>3/21/18</a:t>
+              <a:t>3/23/18</a:t>
             </a:fld>
             <a:endParaRPr lang="en-US"/>
           </a:p>
@@ -1761,7 +1760,7 @@
           <a:p>
             <a:fld id="{B1A24CD3-204F-4468-8EE4-28A6668D006A}" type="datetimeFigureOut">
               <a:rPr lang="en-US" smtClean="0"/>
-              <a:t>3/21/18</a:t>
+              <a:t>3/23/18</a:t>
             </a:fld>
             <a:endParaRPr lang="en-US"/>
           </a:p>
@@ -1894,7 +1893,7 @@
           <a:p>
             <a:fld id="{B1A24CD3-204F-4468-8EE4-28A6668D006A}" type="datetimeFigureOut">
               <a:rPr lang="en-US" smtClean="0"/>
-              <a:t>3/21/18</a:t>
+              <a:t>3/23/18</a:t>
             </a:fld>
             <a:endParaRPr lang="en-US"/>
           </a:p>
@@ -2244,7 +2243,7 @@
           <a:p>
             <a:fld id="{B1A24CD3-204F-4468-8EE4-28A6668D006A}" type="datetimeFigureOut">
               <a:rPr lang="en-US" smtClean="0"/>
-              <a:t>3/21/18</a:t>
+              <a:t>3/23/18</a:t>
             </a:fld>
             <a:endParaRPr lang="en-US"/>
           </a:p>
@@ -2488,7 +2487,7 @@
           <a:p>
             <a:fld id="{B1A24CD3-204F-4468-8EE4-28A6668D006A}" type="datetimeFigureOut">
               <a:rPr lang="en-US" smtClean="0"/>
-              <a:t>3/21/18</a:t>
+              <a:t>3/23/18</a:t>
             </a:fld>
             <a:endParaRPr lang="en-US"/>
           </a:p>
@@ -2826,7 +2825,7 @@
           <a:p>
             <a:fld id="{B1A24CD3-204F-4468-8EE4-28A6668D006A}" type="datetimeFigureOut">
               <a:rPr lang="en-US" smtClean="0"/>
-              <a:t>3/21/18</a:t>
+              <a:t>3/23/18</a:t>
             </a:fld>
             <a:endParaRPr lang="en-US"/>
           </a:p>
@@ -3126,7 +3125,7 @@
           <a:p>
             <a:fld id="{B1A24CD3-204F-4468-8EE4-28A6668D006A}" type="datetimeFigureOut">
               <a:rPr lang="en-US" smtClean="0"/>
-              <a:t>3/21/18</a:t>
+              <a:t>3/23/18</a:t>
             </a:fld>
             <a:endParaRPr lang="en-US"/>
           </a:p>
@@ -3561,7 +3560,7 @@
           <a:p>
             <a:fld id="{B1A24CD3-204F-4468-8EE4-28A6668D006A}" type="datetimeFigureOut">
               <a:rPr lang="en-US" smtClean="0"/>
-              <a:t>3/21/18</a:t>
+              <a:t>3/23/18</a:t>
             </a:fld>
             <a:endParaRPr lang="en-US"/>
           </a:p>
@@ -3811,7 +3810,7 @@
           <a:p>
             <a:fld id="{B1A24CD3-204F-4468-8EE4-28A6668D006A}" type="datetimeFigureOut">
               <a:rPr lang="en-US" smtClean="0"/>
-              <a:t>3/21/18</a:t>
+              <a:t>3/23/18</a:t>
             </a:fld>
             <a:endParaRPr lang="en-US"/>
           </a:p>
@@ -4056,7 +4055,7 @@
           <a:p>
             <a:fld id="{B1A24CD3-204F-4468-8EE4-28A6668D006A}" type="datetimeFigureOut">
               <a:rPr lang="en-US" smtClean="0"/>
-              <a:t>3/21/18</a:t>
+              <a:t>3/23/18</a:t>
             </a:fld>
             <a:endParaRPr lang="en-US"/>
           </a:p>
@@ -4361,7 +4360,7 @@
           <a:p>
             <a:fld id="{B1A24CD3-204F-4468-8EE4-28A6668D006A}" type="datetimeFigureOut">
               <a:rPr lang="en-US" smtClean="0"/>
-              <a:t>3/21/18</a:t>
+              <a:t>3/23/18</a:t>
             </a:fld>
             <a:endParaRPr lang="en-US"/>
           </a:p>
@@ -4716,7 +4715,7 @@
           <a:p>
             <a:fld id="{B1A24CD3-204F-4468-8EE4-28A6668D006A}" type="datetimeFigureOut">
               <a:rPr lang="en-US" smtClean="0"/>
-              <a:t>3/21/18</a:t>
+              <a:t>3/23/18</a:t>
             </a:fld>
             <a:endParaRPr lang="en-US"/>
           </a:p>
@@ -5051,7 +5050,7 @@
           <a:p>
             <a:fld id="{B1A24CD3-204F-4468-8EE4-28A6668D006A}" type="datetimeFigureOut">
               <a:rPr lang="en-US" smtClean="0"/>
-              <a:t>3/21/18</a:t>
+              <a:t>3/23/18</a:t>
             </a:fld>
             <a:endParaRPr lang="en-US"/>
           </a:p>
@@ -5730,7 +5729,7 @@
           <a:p>
             <a:fld id="{B1A24CD3-204F-4468-8EE4-28A6668D006A}" type="datetimeFigureOut">
               <a:rPr lang="en-US" smtClean="0"/>
-              <a:t>3/21/18</a:t>
+              <a:t>3/23/18</a:t>
             </a:fld>
             <a:endParaRPr lang="en-US"/>
           </a:p>
@@ -6273,7 +6272,7 @@
           <a:p>
             <a:fld id="{B1A24CD3-204F-4468-8EE4-28A6668D006A}" type="datetimeFigureOut">
               <a:rPr lang="en-US" smtClean="0"/>
-              <a:t>3/21/18</a:t>
+              <a:t>3/23/18</a:t>
             </a:fld>
             <a:endParaRPr lang="en-US"/>
           </a:p>
@@ -6549,7 +6548,7 @@
           <a:p>
             <a:fld id="{B1A24CD3-204F-4468-8EE4-28A6668D006A}" type="datetimeFigureOut">
               <a:rPr lang="en-US" smtClean="0"/>
-              <a:t>3/21/18</a:t>
+              <a:t>3/23/18</a:t>
             </a:fld>
             <a:endParaRPr lang="en-US"/>
           </a:p>
@@ -6901,7 +6900,7 @@
           <a:p>
             <a:fld id="{B1A24CD3-204F-4468-8EE4-28A6668D006A}" type="datetimeFigureOut">
               <a:rPr lang="en-US" smtClean="0"/>
-              <a:t>3/21/18</a:t>
+              <a:t>3/23/18</a:t>
             </a:fld>
             <a:endParaRPr lang="en-US"/>
           </a:p>
@@ -7509,8 +7508,8 @@
         </p:nvSpPr>
         <p:spPr>
           <a:xfrm>
-            <a:off x="457199" y="790912"/>
-            <a:ext cx="7391401" cy="1143000"/>
+            <a:off x="457199" y="1170759"/>
+            <a:ext cx="3566160" cy="1035424"/>
           </a:xfrm>
         </p:spPr>
         <p:txBody>
@@ -7519,134 +7518,178 @@
           <a:p>
             <a:r>
               <a:rPr lang="en-US" dirty="0" smtClean="0"/>
-              <a:t>To get their office, we had to use a different response</a:t>
-            </a:r>
-            <a:r>
-              <a:rPr lang="mr-IN" dirty="0" smtClean="0"/>
-              <a:t>…</a:t>
-            </a:r>
-            <a:r>
-              <a:rPr lang="en-US" dirty="0" smtClean="0"/>
-              <a:t>.</a:t>
+              <a:t>Creating the profile</a:t>
             </a:r>
             <a:endParaRPr lang="en-US" dirty="0"/>
+          </a:p>
+        </p:txBody>
+      </p:sp>
+      <p:sp>
+        <p:nvSpPr>
+          <p:cNvPr id="3" name="Text Placeholder 2"/>
+          <p:cNvSpPr>
+            <a:spLocks noGrp="1"/>
+          </p:cNvSpPr>
+          <p:nvPr>
+            <p:ph type="body" sz="half" idx="2"/>
+          </p:nvPr>
+        </p:nvSpPr>
+        <p:spPr>
+          <a:xfrm>
+            <a:off x="457199" y="2233078"/>
+            <a:ext cx="4093854" cy="3517940"/>
+          </a:xfrm>
+        </p:spPr>
+        <p:txBody>
+          <a:bodyPr>
+            <a:normAutofit/>
+          </a:bodyPr>
+          <a:lstStyle/>
+          <a:p>
+            <a:r>
+              <a:rPr lang="en-US" dirty="0" smtClean="0"/>
+              <a:t>9 Elements exist within each profile:</a:t>
+            </a:r>
+          </a:p>
+          <a:p>
+            <a:endParaRPr lang="en-US" sz="800" dirty="0" smtClean="0"/>
+          </a:p>
+          <a:p>
+            <a:pPr marL="342900" indent="-342900">
+              <a:buFont typeface="+mj-lt"/>
+              <a:buAutoNum type="arabicPeriod"/>
+            </a:pPr>
+            <a:r>
+              <a:rPr lang="en-US" dirty="0" smtClean="0"/>
+              <a:t>The card</a:t>
+            </a:r>
+          </a:p>
+          <a:p>
+            <a:pPr marL="342900" indent="-342900">
+              <a:buFont typeface="+mj-lt"/>
+              <a:buAutoNum type="arabicPeriod"/>
+            </a:pPr>
+            <a:r>
+              <a:rPr lang="en-US" dirty="0"/>
+              <a:t>A</a:t>
+            </a:r>
+            <a:r>
+              <a:rPr lang="en-US" dirty="0" smtClean="0"/>
+              <a:t> photo</a:t>
+            </a:r>
+          </a:p>
+          <a:p>
+            <a:pPr marL="342900" indent="-342900">
+              <a:buFont typeface="+mj-lt"/>
+              <a:buAutoNum type="arabicPeriod"/>
+            </a:pPr>
+            <a:r>
+              <a:rPr lang="en-US" dirty="0" smtClean="0"/>
+              <a:t>Their name</a:t>
+            </a:r>
+          </a:p>
+          <a:p>
+            <a:pPr marL="342900" indent="-342900">
+              <a:buFont typeface="+mj-lt"/>
+              <a:buAutoNum type="arabicPeriod"/>
+            </a:pPr>
+            <a:r>
+              <a:rPr lang="en-US" dirty="0" smtClean="0"/>
+              <a:t>Their office</a:t>
+            </a:r>
+          </a:p>
+          <a:p>
+            <a:pPr marL="342900" indent="-342900">
+              <a:buFont typeface="+mj-lt"/>
+              <a:buAutoNum type="arabicPeriod"/>
+            </a:pPr>
+            <a:r>
+              <a:rPr lang="en-US" dirty="0" smtClean="0"/>
+              <a:t>Their party</a:t>
+            </a:r>
+          </a:p>
+          <a:p>
+            <a:pPr marL="342900" indent="-342900">
+              <a:buFont typeface="+mj-lt"/>
+              <a:buAutoNum type="arabicPeriod"/>
+            </a:pPr>
+            <a:r>
+              <a:rPr lang="en-US" dirty="0" smtClean="0"/>
+              <a:t>Twitter handle</a:t>
+            </a:r>
+          </a:p>
+          <a:p>
+            <a:pPr marL="342900" indent="-342900">
+              <a:buFont typeface="+mj-lt"/>
+              <a:buAutoNum type="arabicPeriod"/>
+            </a:pPr>
+            <a:r>
+              <a:rPr lang="en-US" dirty="0" smtClean="0"/>
+              <a:t>Facebook page</a:t>
+            </a:r>
+          </a:p>
+          <a:p>
+            <a:pPr marL="342900" indent="-342900">
+              <a:buFont typeface="+mj-lt"/>
+              <a:buAutoNum type="arabicPeriod"/>
+            </a:pPr>
+            <a:r>
+              <a:rPr lang="en-US" dirty="0" smtClean="0"/>
+              <a:t>Website</a:t>
+            </a:r>
+          </a:p>
+          <a:p>
+            <a:pPr marL="342900" indent="-342900">
+              <a:buFont typeface="+mj-lt"/>
+              <a:buAutoNum type="arabicPeriod"/>
+            </a:pPr>
+            <a:r>
+              <a:rPr lang="en-US" dirty="0" smtClean="0"/>
+              <a:t>Related New York Times headlines</a:t>
+            </a:r>
           </a:p>
         </p:txBody>
       </p:sp>
       <p:pic>
         <p:nvPicPr>
-          <p:cNvPr id="5" name="Content Placeholder 4"/>
+          <p:cNvPr id="5" name="Picture Placeholder 4"/>
           <p:cNvPicPr>
             <a:picLocks noGrp="1" noChangeAspect="1"/>
           </p:cNvPicPr>
           <p:nvPr>
-            <p:ph sz="half" idx="1"/>
+            <p:ph type="pic" sz="quarter" idx="13"/>
           </p:nvPr>
         </p:nvPicPr>
         <p:blipFill rotWithShape="1">
           <a:blip r:embed="rId2"/>
-          <a:srcRect b="14657"/>
+          <a:srcRect b="-2110"/>
           <a:stretch/>
         </p:blipFill>
         <p:spPr>
           <a:xfrm>
-            <a:off x="457200" y="2214563"/>
-            <a:ext cx="3566160" cy="4111548"/>
+            <a:off x="4760258" y="990601"/>
+            <a:ext cx="4096512" cy="4724400"/>
           </a:xfrm>
         </p:spPr>
       </p:pic>
-      <p:pic>
-        <p:nvPicPr>
-          <p:cNvPr id="7" name="Content Placeholder 6"/>
-          <p:cNvPicPr>
-            <a:picLocks noGrp="1" noChangeAspect="1"/>
-          </p:cNvPicPr>
-          <p:nvPr>
-            <p:ph sz="half" idx="2"/>
-          </p:nvPr>
-        </p:nvPicPr>
-        <p:blipFill>
-          <a:blip r:embed="rId3"/>
-          <a:srcRect l="9604" r="9604"/>
-          <a:stretch>
-            <a:fillRect/>
-          </a:stretch>
-        </p:blipFill>
-        <p:spPr>
-          <a:xfrm>
-            <a:off x="4283076" y="2214563"/>
-            <a:ext cx="2843380" cy="1343199"/>
-          </a:xfrm>
-        </p:spPr>
-      </p:pic>
-      <p:sp>
-        <p:nvSpPr>
-          <p:cNvPr id="9" name="Rounded Rectangle 8"/>
-          <p:cNvSpPr/>
+      <p:cxnSp>
+        <p:nvCxnSpPr>
+          <p:cNvPr id="6" name="Straight Connector 5"/>
+          <p:cNvCxnSpPr/>
           <p:nvPr/>
-        </p:nvSpPr>
-        <p:spPr>
-          <a:xfrm>
-            <a:off x="4283073" y="3016638"/>
-            <a:ext cx="1326364" cy="523484"/>
-          </a:xfrm>
-          <a:prstGeom prst="roundRect">
+        </p:nvCxnSpPr>
+        <p:spPr>
+          <a:xfrm>
+            <a:off x="811428" y="2946073"/>
+            <a:ext cx="1093664" cy="0"/>
+          </a:xfrm>
+          <a:prstGeom prst="line">
             <a:avLst/>
           </a:prstGeom>
-          <a:noFill/>
-          <a:ln w="76200" cmpd="sng">
+          <a:ln>
             <a:solidFill>
               <a:srgbClr val="800000"/>
             </a:solidFill>
-          </a:ln>
-          <a:effectLst/>
-        </p:spPr>
-        <p:style>
-          <a:lnRef idx="1">
-            <a:schemeClr val="accent1"/>
-          </a:lnRef>
-          <a:fillRef idx="3">
-            <a:schemeClr val="accent1"/>
-          </a:fillRef>
-          <a:effectRef idx="2">
-            <a:schemeClr val="accent1"/>
-          </a:effectRef>
-          <a:fontRef idx="minor">
-            <a:schemeClr val="lt1"/>
-          </a:fontRef>
-        </p:style>
-        <p:txBody>
-          <a:bodyPr rtlCol="0" anchor="ctr"/>
-          <a:lstStyle/>
-          <a:p>
-            <a:pPr algn="ctr"/>
-            <a:endParaRPr lang="en-US"/>
-          </a:p>
-        </p:txBody>
-      </p:sp>
-      <p:cxnSp>
-        <p:nvCxnSpPr>
-          <p:cNvPr id="12" name="Curved Connector 11"/>
-          <p:cNvCxnSpPr>
-            <a:stCxn id="9" idx="1"/>
-          </p:cNvCxnSpPr>
-          <p:nvPr/>
-        </p:nvCxnSpPr>
-        <p:spPr>
-          <a:xfrm rot="10800000">
-            <a:off x="2240247" y="2363916"/>
-            <a:ext cx="2042826" cy="914465"/>
-          </a:xfrm>
-          <a:prstGeom prst="curvedConnector3">
-            <a:avLst>
-              <a:gd name="adj1" fmla="val 35321"/>
-            </a:avLst>
-          </a:prstGeom>
-          <a:ln w="76200" cmpd="sng">
-            <a:solidFill>
-              <a:srgbClr val="800000"/>
-            </a:solidFill>
-            <a:tailEnd type="arrow"/>
           </a:ln>
         </p:spPr>
         <p:style>
@@ -7666,27 +7709,22 @@
       </p:cxnSp>
       <p:cxnSp>
         <p:nvCxnSpPr>
-          <p:cNvPr id="17" name="Curved Connector 16"/>
-          <p:cNvCxnSpPr>
-            <a:stCxn id="9" idx="1"/>
-          </p:cNvCxnSpPr>
+          <p:cNvPr id="7" name="Straight Connector 6"/>
+          <p:cNvCxnSpPr/>
           <p:nvPr/>
         </p:nvCxnSpPr>
         <p:spPr>
-          <a:xfrm rot="10800000" flipV="1">
-            <a:off x="2240247" y="3278379"/>
-            <a:ext cx="2042826" cy="1255397"/>
-          </a:xfrm>
-          <a:prstGeom prst="curvedConnector3">
-            <a:avLst>
-              <a:gd name="adj1" fmla="val 50000"/>
-            </a:avLst>
+          <a:xfrm>
+            <a:off x="811428" y="3581155"/>
+            <a:ext cx="1217142" cy="0"/>
+          </a:xfrm>
+          <a:prstGeom prst="line">
+            <a:avLst/>
           </a:prstGeom>
-          <a:ln w="76200" cmpd="sng">
+          <a:ln>
             <a:solidFill>
               <a:srgbClr val="800000"/>
             </a:solidFill>
-            <a:tailEnd type="arrow"/>
           </a:ln>
         </p:spPr>
         <p:style>
@@ -7704,81 +7742,80 @@
           </a:fontRef>
         </p:style>
       </p:cxnSp>
-      <p:pic>
-        <p:nvPicPr>
-          <p:cNvPr id="22" name="Picture 21"/>
-          <p:cNvPicPr>
-            <a:picLocks noChangeAspect="1"/>
-          </p:cNvPicPr>
+      <p:cxnSp>
+        <p:nvCxnSpPr>
+          <p:cNvPr id="8" name="Straight Connector 7"/>
+          <p:cNvCxnSpPr/>
           <p:nvPr/>
-        </p:nvPicPr>
-        <p:blipFill>
-          <a:blip r:embed="rId4"/>
-          <a:stretch>
-            <a:fillRect/>
-          </a:stretch>
-        </p:blipFill>
-        <p:spPr>
-          <a:xfrm>
-            <a:off x="4283073" y="3739925"/>
-            <a:ext cx="3801851" cy="2586187"/>
-          </a:xfrm>
-          <a:prstGeom prst="rect">
+        </p:nvCxnSpPr>
+        <p:spPr>
+          <a:xfrm>
+            <a:off x="811428" y="3898696"/>
+            <a:ext cx="1217142" cy="0"/>
+          </a:xfrm>
+          <a:prstGeom prst="line">
             <a:avLst/>
           </a:prstGeom>
-        </p:spPr>
-      </p:pic>
-      <p:sp>
-        <p:nvSpPr>
-          <p:cNvPr id="35" name="Title 1"/>
-          <p:cNvSpPr txBox="1">
-            <a:spLocks/>
-          </p:cNvSpPr>
+          <a:ln>
+            <a:solidFill>
+              <a:srgbClr val="800000"/>
+            </a:solidFill>
+          </a:ln>
+        </p:spPr>
+        <p:style>
+          <a:lnRef idx="2">
+            <a:schemeClr val="accent1"/>
+          </a:lnRef>
+          <a:fillRef idx="0">
+            <a:schemeClr val="accent1"/>
+          </a:fillRef>
+          <a:effectRef idx="1">
+            <a:schemeClr val="accent1"/>
+          </a:effectRef>
+          <a:fontRef idx="minor">
+            <a:schemeClr val="tx1"/>
+          </a:fontRef>
+        </p:style>
+      </p:cxnSp>
+      <p:cxnSp>
+        <p:nvCxnSpPr>
+          <p:cNvPr id="9" name="Straight Connector 8"/>
+          <p:cNvCxnSpPr/>
           <p:nvPr/>
-        </p:nvSpPr>
-        <p:spPr>
-          <a:xfrm>
-            <a:off x="5609437" y="3739926"/>
-            <a:ext cx="2410186" cy="1143000"/>
-          </a:xfrm>
-          <a:prstGeom prst="rect">
+        </p:nvCxnSpPr>
+        <p:spPr>
+          <a:xfrm>
+            <a:off x="811428" y="4216236"/>
+            <a:ext cx="1217142" cy="0"/>
+          </a:xfrm>
+          <a:prstGeom prst="line">
             <a:avLst/>
           </a:prstGeom>
-        </p:spPr>
-        <p:txBody>
-          <a:bodyPr vert="horz" lIns="91440" tIns="45720" rIns="91440" bIns="45720" rtlCol="0" anchor="t" anchorCtr="0">
-            <a:noAutofit/>
-          </a:bodyPr>
-          <a:lstStyle>
-            <a:lvl1pPr algn="l" defTabSz="914400" rtl="0" eaLnBrk="1" latinLnBrk="0" hangingPunct="1">
-              <a:spcBef>
-                <a:spcPct val="0"/>
-              </a:spcBef>
-              <a:buNone/>
-              <a:defRPr sz="3600" kern="1200">
-                <a:solidFill>
-                  <a:schemeClr val="accent1"/>
-                </a:solidFill>
-                <a:latin typeface="+mj-lt"/>
-                <a:ea typeface="+mj-ea"/>
-                <a:cs typeface="+mj-cs"/>
-              </a:defRPr>
-            </a:lvl1pPr>
-          </a:lstStyle>
-          <a:p>
-            <a:pPr algn="r"/>
-            <a:r>
-              <a:rPr lang="en-US" sz="2000" dirty="0" smtClean="0"/>
-              <a:t>Push to a new array!</a:t>
-            </a:r>
-            <a:endParaRPr lang="en-US" sz="2000" dirty="0"/>
-          </a:p>
-        </p:txBody>
-      </p:sp>
+          <a:ln>
+            <a:solidFill>
+              <a:srgbClr val="800000"/>
+            </a:solidFill>
+          </a:ln>
+        </p:spPr>
+        <p:style>
+          <a:lnRef idx="2">
+            <a:schemeClr val="accent1"/>
+          </a:lnRef>
+          <a:fillRef idx="0">
+            <a:schemeClr val="accent1"/>
+          </a:fillRef>
+          <a:effectRef idx="1">
+            <a:schemeClr val="accent1"/>
+          </a:effectRef>
+          <a:fontRef idx="minor">
+            <a:schemeClr val="tx1"/>
+          </a:fontRef>
+        </p:style>
+      </p:cxnSp>
     </p:spTree>
     <p:extLst>
       <p:ext uri="{BB962C8B-B14F-4D97-AF65-F5344CB8AC3E}">
-        <p14:creationId xmlns:p14="http://schemas.microsoft.com/office/powerpoint/2010/main" val="825794356"/>
+        <p14:creationId xmlns:p14="http://schemas.microsoft.com/office/powerpoint/2010/main" val="1406327547"/>
       </p:ext>
     </p:extLst>
   </p:cSld>
@@ -7824,8 +7861,8 @@
         </p:nvSpPr>
         <p:spPr>
           <a:xfrm>
-            <a:off x="457199" y="1170759"/>
-            <a:ext cx="3566160" cy="1035424"/>
+            <a:off x="282237" y="960340"/>
+            <a:ext cx="7867324" cy="944905"/>
           </a:xfrm>
         </p:spPr>
         <p:txBody>
@@ -7834,304 +7871,60 @@
           <a:p>
             <a:r>
               <a:rPr lang="en-US" dirty="0" smtClean="0"/>
-              <a:t>Creating the profile</a:t>
+              <a:t>What IF they don’t have a photo?</a:t>
             </a:r>
             <a:endParaRPr lang="en-US" dirty="0"/>
-          </a:p>
-        </p:txBody>
-      </p:sp>
-      <p:sp>
-        <p:nvSpPr>
-          <p:cNvPr id="3" name="Text Placeholder 2"/>
-          <p:cNvSpPr>
-            <a:spLocks noGrp="1"/>
-          </p:cNvSpPr>
-          <p:nvPr>
-            <p:ph type="body" sz="half" idx="2"/>
-          </p:nvPr>
-        </p:nvSpPr>
-        <p:spPr>
-          <a:xfrm>
-            <a:off x="457199" y="2233078"/>
-            <a:ext cx="4093854" cy="3517940"/>
-          </a:xfrm>
-        </p:spPr>
-        <p:txBody>
-          <a:bodyPr>
-            <a:normAutofit/>
-          </a:bodyPr>
-          <a:lstStyle/>
-          <a:p>
-            <a:r>
-              <a:rPr lang="en-US" dirty="0" smtClean="0"/>
-              <a:t>9 Elements exist within each profile:</a:t>
-            </a:r>
-          </a:p>
-          <a:p>
-            <a:endParaRPr lang="en-US" sz="800" dirty="0" smtClean="0"/>
-          </a:p>
-          <a:p>
-            <a:pPr marL="342900" indent="-342900">
-              <a:buFont typeface="+mj-lt"/>
-              <a:buAutoNum type="arabicPeriod"/>
-            </a:pPr>
-            <a:r>
-              <a:rPr lang="en-US" dirty="0" smtClean="0"/>
-              <a:t>The card</a:t>
-            </a:r>
-          </a:p>
-          <a:p>
-            <a:pPr marL="342900" indent="-342900">
-              <a:buFont typeface="+mj-lt"/>
-              <a:buAutoNum type="arabicPeriod"/>
-            </a:pPr>
-            <a:r>
-              <a:rPr lang="en-US" dirty="0"/>
-              <a:t>A</a:t>
-            </a:r>
-            <a:r>
-              <a:rPr lang="en-US" dirty="0" smtClean="0"/>
-              <a:t> photo</a:t>
-            </a:r>
-          </a:p>
-          <a:p>
-            <a:pPr marL="342900" indent="-342900">
-              <a:buFont typeface="+mj-lt"/>
-              <a:buAutoNum type="arabicPeriod"/>
-            </a:pPr>
-            <a:r>
-              <a:rPr lang="en-US" dirty="0" smtClean="0"/>
-              <a:t>Their name</a:t>
-            </a:r>
-          </a:p>
-          <a:p>
-            <a:pPr marL="342900" indent="-342900">
-              <a:buFont typeface="+mj-lt"/>
-              <a:buAutoNum type="arabicPeriod"/>
-            </a:pPr>
-            <a:r>
-              <a:rPr lang="en-US" dirty="0" smtClean="0"/>
-              <a:t>Their office</a:t>
-            </a:r>
-          </a:p>
-          <a:p>
-            <a:pPr marL="342900" indent="-342900">
-              <a:buFont typeface="+mj-lt"/>
-              <a:buAutoNum type="arabicPeriod"/>
-            </a:pPr>
-            <a:r>
-              <a:rPr lang="en-US" dirty="0" smtClean="0"/>
-              <a:t>Their party</a:t>
-            </a:r>
-          </a:p>
-          <a:p>
-            <a:pPr marL="342900" indent="-342900">
-              <a:buFont typeface="+mj-lt"/>
-              <a:buAutoNum type="arabicPeriod"/>
-            </a:pPr>
-            <a:r>
-              <a:rPr lang="en-US" dirty="0" smtClean="0"/>
-              <a:t>Twitter handle</a:t>
-            </a:r>
-          </a:p>
-          <a:p>
-            <a:pPr marL="342900" indent="-342900">
-              <a:buFont typeface="+mj-lt"/>
-              <a:buAutoNum type="arabicPeriod"/>
-            </a:pPr>
-            <a:r>
-              <a:rPr lang="en-US" dirty="0" smtClean="0"/>
-              <a:t>Facebook page</a:t>
-            </a:r>
-          </a:p>
-          <a:p>
-            <a:pPr marL="342900" indent="-342900">
-              <a:buFont typeface="+mj-lt"/>
-              <a:buAutoNum type="arabicPeriod"/>
-            </a:pPr>
-            <a:r>
-              <a:rPr lang="en-US" dirty="0" smtClean="0"/>
-              <a:t>Website</a:t>
-            </a:r>
-          </a:p>
-          <a:p>
-            <a:pPr marL="342900" indent="-342900">
-              <a:buFont typeface="+mj-lt"/>
-              <a:buAutoNum type="arabicPeriod"/>
-            </a:pPr>
-            <a:r>
-              <a:rPr lang="en-US" dirty="0" smtClean="0"/>
-              <a:t>Related New York Times headlines</a:t>
-            </a:r>
           </a:p>
         </p:txBody>
       </p:sp>
       <p:pic>
         <p:nvPicPr>
-          <p:cNvPr id="5" name="Picture Placeholder 4"/>
+          <p:cNvPr id="5" name="Content Placeholder 4"/>
           <p:cNvPicPr>
             <a:picLocks noGrp="1" noChangeAspect="1"/>
           </p:cNvPicPr>
           <p:nvPr>
-            <p:ph type="pic" sz="quarter" idx="13"/>
+            <p:ph sz="half" idx="1"/>
           </p:nvPr>
         </p:nvPicPr>
         <p:blipFill rotWithShape="1">
           <a:blip r:embed="rId2"/>
-          <a:srcRect b="-2110"/>
+          <a:srcRect t="239" b="7680"/>
           <a:stretch/>
         </p:blipFill>
         <p:spPr>
           <a:xfrm>
-            <a:off x="4760258" y="990601"/>
-            <a:ext cx="4096512" cy="4724400"/>
+            <a:off x="421916" y="2205489"/>
+            <a:ext cx="3084011" cy="4515792"/>
           </a:xfrm>
         </p:spPr>
       </p:pic>
-      <p:cxnSp>
-        <p:nvCxnSpPr>
-          <p:cNvPr id="6" name="Straight Connector 5"/>
-          <p:cNvCxnSpPr/>
-          <p:nvPr/>
-        </p:nvCxnSpPr>
-        <p:spPr>
-          <a:xfrm>
-            <a:off x="811428" y="2946073"/>
-            <a:ext cx="1093664" cy="0"/>
-          </a:xfrm>
-          <a:prstGeom prst="line">
-            <a:avLst/>
-          </a:prstGeom>
-          <a:ln>
-            <a:solidFill>
-              <a:srgbClr val="800000"/>
-            </a:solidFill>
-          </a:ln>
-        </p:spPr>
-        <p:style>
-          <a:lnRef idx="2">
-            <a:schemeClr val="accent1"/>
-          </a:lnRef>
-          <a:fillRef idx="0">
-            <a:schemeClr val="accent1"/>
-          </a:fillRef>
-          <a:effectRef idx="1">
-            <a:schemeClr val="accent1"/>
-          </a:effectRef>
-          <a:fontRef idx="minor">
-            <a:schemeClr val="tx1"/>
-          </a:fontRef>
-        </p:style>
-      </p:cxnSp>
-      <p:cxnSp>
-        <p:nvCxnSpPr>
-          <p:cNvPr id="7" name="Straight Connector 6"/>
-          <p:cNvCxnSpPr/>
-          <p:nvPr/>
-        </p:nvCxnSpPr>
-        <p:spPr>
-          <a:xfrm>
-            <a:off x="811428" y="3581155"/>
-            <a:ext cx="1217142" cy="0"/>
-          </a:xfrm>
-          <a:prstGeom prst="line">
-            <a:avLst/>
-          </a:prstGeom>
-          <a:ln>
-            <a:solidFill>
-              <a:srgbClr val="800000"/>
-            </a:solidFill>
-          </a:ln>
-        </p:spPr>
-        <p:style>
-          <a:lnRef idx="2">
-            <a:schemeClr val="accent1"/>
-          </a:lnRef>
-          <a:fillRef idx="0">
-            <a:schemeClr val="accent1"/>
-          </a:fillRef>
-          <a:effectRef idx="1">
-            <a:schemeClr val="accent1"/>
-          </a:effectRef>
-          <a:fontRef idx="minor">
-            <a:schemeClr val="tx1"/>
-          </a:fontRef>
-        </p:style>
-      </p:cxnSp>
-      <p:cxnSp>
-        <p:nvCxnSpPr>
-          <p:cNvPr id="8" name="Straight Connector 7"/>
-          <p:cNvCxnSpPr/>
-          <p:nvPr/>
-        </p:nvCxnSpPr>
-        <p:spPr>
-          <a:xfrm>
-            <a:off x="811428" y="3898696"/>
-            <a:ext cx="1217142" cy="0"/>
-          </a:xfrm>
-          <a:prstGeom prst="line">
-            <a:avLst/>
-          </a:prstGeom>
-          <a:ln>
-            <a:solidFill>
-              <a:srgbClr val="800000"/>
-            </a:solidFill>
-          </a:ln>
-        </p:spPr>
-        <p:style>
-          <a:lnRef idx="2">
-            <a:schemeClr val="accent1"/>
-          </a:lnRef>
-          <a:fillRef idx="0">
-            <a:schemeClr val="accent1"/>
-          </a:fillRef>
-          <a:effectRef idx="1">
-            <a:schemeClr val="accent1"/>
-          </a:effectRef>
-          <a:fontRef idx="minor">
-            <a:schemeClr val="tx1"/>
-          </a:fontRef>
-        </p:style>
-      </p:cxnSp>
-      <p:cxnSp>
-        <p:nvCxnSpPr>
-          <p:cNvPr id="9" name="Straight Connector 8"/>
-          <p:cNvCxnSpPr/>
-          <p:nvPr/>
-        </p:nvCxnSpPr>
-        <p:spPr>
-          <a:xfrm>
-            <a:off x="811428" y="4216236"/>
-            <a:ext cx="1217142" cy="0"/>
-          </a:xfrm>
-          <a:prstGeom prst="line">
-            <a:avLst/>
-          </a:prstGeom>
-          <a:ln>
-            <a:solidFill>
-              <a:srgbClr val="800000"/>
-            </a:solidFill>
-          </a:ln>
-        </p:spPr>
-        <p:style>
-          <a:lnRef idx="2">
-            <a:schemeClr val="accent1"/>
-          </a:lnRef>
-          <a:fillRef idx="0">
-            <a:schemeClr val="accent1"/>
-          </a:fillRef>
-          <a:effectRef idx="1">
-            <a:schemeClr val="accent1"/>
-          </a:effectRef>
-          <a:fontRef idx="minor">
-            <a:schemeClr val="tx1"/>
-          </a:fontRef>
-        </p:style>
-      </p:cxnSp>
+      <p:pic>
+        <p:nvPicPr>
+          <p:cNvPr id="7" name="Content Placeholder 6"/>
+          <p:cNvPicPr>
+            <a:picLocks noGrp="1" noChangeAspect="1"/>
+          </p:cNvPicPr>
+          <p:nvPr>
+            <p:ph sz="half" idx="2"/>
+          </p:nvPr>
+        </p:nvPicPr>
+        <p:blipFill rotWithShape="1">
+          <a:blip r:embed="rId3"/>
+          <a:srcRect l="-1" r="1461" b="-3336"/>
+          <a:stretch/>
+        </p:blipFill>
+        <p:spPr>
+          <a:xfrm>
+            <a:off x="3823446" y="2205489"/>
+            <a:ext cx="4222207" cy="1216896"/>
+          </a:xfrm>
+        </p:spPr>
+      </p:pic>
     </p:spTree>
     <p:extLst>
       <p:ext uri="{BB962C8B-B14F-4D97-AF65-F5344CB8AC3E}">
-        <p14:creationId xmlns:p14="http://schemas.microsoft.com/office/powerpoint/2010/main" val="1406327547"/>
+        <p14:creationId xmlns:p14="http://schemas.microsoft.com/office/powerpoint/2010/main" val="3703350847"/>
       </p:ext>
     </p:extLst>
   </p:cSld>
@@ -8177,70 +7970,407 @@
         </p:nvSpPr>
         <p:spPr>
           <a:xfrm>
-            <a:off x="282237" y="960340"/>
-            <a:ext cx="7867324" cy="944905"/>
+            <a:off x="457199" y="1428935"/>
+            <a:ext cx="4125228" cy="736818"/>
           </a:xfrm>
         </p:spPr>
         <p:txBody>
           <a:bodyPr/>
           <a:lstStyle/>
           <a:p>
-            <a:r>
-              <a:rPr lang="en-US" dirty="0" smtClean="0"/>
-              <a:t>What IF they don’t have a photo?</a:t>
-            </a:r>
-            <a:endParaRPr lang="en-US" dirty="0"/>
+            <a:pPr algn="r"/>
+            <a:r>
+              <a:rPr lang="en-US" sz="3400" dirty="0" smtClean="0"/>
+              <a:t>4 little buttons</a:t>
+            </a:r>
+            <a:r>
+              <a:rPr lang="en-US" sz="3400" dirty="0"/>
+              <a:t> </a:t>
+            </a:r>
+            <a:r>
+              <a:rPr lang="en-US" sz="3400" dirty="0" smtClean="0"/>
+              <a:t>left</a:t>
+            </a:r>
+            <a:r>
+              <a:rPr lang="mr-IN" sz="3400" dirty="0" smtClean="0"/>
+              <a:t>…</a:t>
+            </a:r>
+            <a:endParaRPr lang="en-US" sz="3400" dirty="0"/>
+          </a:p>
+        </p:txBody>
+      </p:sp>
+      <p:sp>
+        <p:nvSpPr>
+          <p:cNvPr id="3" name="Text Placeholder 2"/>
+          <p:cNvSpPr>
+            <a:spLocks noGrp="1"/>
+          </p:cNvSpPr>
+          <p:nvPr>
+            <p:ph type="body" sz="half" idx="2"/>
+          </p:nvPr>
+        </p:nvSpPr>
+        <p:spPr>
+          <a:xfrm>
+            <a:off x="457199" y="2233078"/>
+            <a:ext cx="4093854" cy="3517940"/>
+          </a:xfrm>
+        </p:spPr>
+        <p:txBody>
+          <a:bodyPr>
+            <a:normAutofit/>
+          </a:bodyPr>
+          <a:lstStyle/>
+          <a:p>
+            <a:r>
+              <a:rPr lang="en-US" dirty="0" smtClean="0"/>
+              <a:t>9 Elements exist within each profile:</a:t>
+            </a:r>
+          </a:p>
+          <a:p>
+            <a:endParaRPr lang="en-US" sz="800" dirty="0" smtClean="0"/>
+          </a:p>
+          <a:p>
+            <a:pPr marL="342900" indent="-342900">
+              <a:buFont typeface="+mj-lt"/>
+              <a:buAutoNum type="arabicPeriod"/>
+            </a:pPr>
+            <a:r>
+              <a:rPr lang="en-US" dirty="0" smtClean="0"/>
+              <a:t>The card</a:t>
+            </a:r>
+          </a:p>
+          <a:p>
+            <a:pPr marL="342900" indent="-342900">
+              <a:buFont typeface="+mj-lt"/>
+              <a:buAutoNum type="arabicPeriod"/>
+            </a:pPr>
+            <a:r>
+              <a:rPr lang="en-US" dirty="0"/>
+              <a:t>A</a:t>
+            </a:r>
+            <a:r>
+              <a:rPr lang="en-US" dirty="0" smtClean="0"/>
+              <a:t> photo</a:t>
+            </a:r>
+          </a:p>
+          <a:p>
+            <a:pPr marL="342900" indent="-342900">
+              <a:buFont typeface="+mj-lt"/>
+              <a:buAutoNum type="arabicPeriod"/>
+            </a:pPr>
+            <a:r>
+              <a:rPr lang="en-US" dirty="0" smtClean="0"/>
+              <a:t>Their name</a:t>
+            </a:r>
+          </a:p>
+          <a:p>
+            <a:pPr marL="342900" indent="-342900">
+              <a:buFont typeface="+mj-lt"/>
+              <a:buAutoNum type="arabicPeriod"/>
+            </a:pPr>
+            <a:r>
+              <a:rPr lang="en-US" dirty="0" smtClean="0"/>
+              <a:t>Their office</a:t>
+            </a:r>
+          </a:p>
+          <a:p>
+            <a:pPr marL="342900" indent="-342900">
+              <a:buFont typeface="+mj-lt"/>
+              <a:buAutoNum type="arabicPeriod"/>
+            </a:pPr>
+            <a:r>
+              <a:rPr lang="en-US" dirty="0" smtClean="0"/>
+              <a:t>Their party</a:t>
+            </a:r>
+          </a:p>
+          <a:p>
+            <a:pPr marL="342900" indent="-342900">
+              <a:buFont typeface="+mj-lt"/>
+              <a:buAutoNum type="arabicPeriod"/>
+            </a:pPr>
+            <a:r>
+              <a:rPr lang="en-US" dirty="0" smtClean="0"/>
+              <a:t>Twitter handle</a:t>
+            </a:r>
+          </a:p>
+          <a:p>
+            <a:pPr marL="342900" indent="-342900">
+              <a:buFont typeface="+mj-lt"/>
+              <a:buAutoNum type="arabicPeriod"/>
+            </a:pPr>
+            <a:r>
+              <a:rPr lang="en-US" dirty="0" smtClean="0"/>
+              <a:t>Facebook page</a:t>
+            </a:r>
+          </a:p>
+          <a:p>
+            <a:pPr marL="342900" indent="-342900">
+              <a:buFont typeface="+mj-lt"/>
+              <a:buAutoNum type="arabicPeriod"/>
+            </a:pPr>
+            <a:r>
+              <a:rPr lang="en-US" dirty="0" smtClean="0"/>
+              <a:t>Website</a:t>
+            </a:r>
+          </a:p>
+          <a:p>
+            <a:pPr marL="342900" indent="-342900">
+              <a:buFont typeface="+mj-lt"/>
+              <a:buAutoNum type="arabicPeriod"/>
+            </a:pPr>
+            <a:r>
+              <a:rPr lang="en-US" dirty="0" smtClean="0"/>
+              <a:t>Related New York Times headlines</a:t>
+            </a:r>
           </a:p>
         </p:txBody>
       </p:sp>
       <p:pic>
         <p:nvPicPr>
-          <p:cNvPr id="5" name="Content Placeholder 4"/>
+          <p:cNvPr id="5" name="Picture Placeholder 4"/>
           <p:cNvPicPr>
             <a:picLocks noGrp="1" noChangeAspect="1"/>
           </p:cNvPicPr>
           <p:nvPr>
-            <p:ph sz="half" idx="1"/>
+            <p:ph type="pic" sz="quarter" idx="13"/>
           </p:nvPr>
         </p:nvPicPr>
         <p:blipFill rotWithShape="1">
           <a:blip r:embed="rId2"/>
-          <a:srcRect t="239" b="7680"/>
+          <a:srcRect b="-2110"/>
           <a:stretch/>
         </p:blipFill>
         <p:spPr>
           <a:xfrm>
-            <a:off x="421916" y="2205489"/>
-            <a:ext cx="3084011" cy="4515792"/>
+            <a:off x="4760258" y="990601"/>
+            <a:ext cx="4096512" cy="4724400"/>
           </a:xfrm>
         </p:spPr>
       </p:pic>
-      <p:pic>
-        <p:nvPicPr>
-          <p:cNvPr id="7" name="Content Placeholder 6"/>
-          <p:cNvPicPr>
-            <a:picLocks noGrp="1" noChangeAspect="1"/>
-          </p:cNvPicPr>
-          <p:nvPr>
-            <p:ph sz="half" idx="2"/>
-          </p:nvPr>
-        </p:nvPicPr>
-        <p:blipFill rotWithShape="1">
-          <a:blip r:embed="rId3"/>
-          <a:srcRect l="-1" r="1461" b="-3336"/>
-          <a:stretch/>
-        </p:blipFill>
-        <p:spPr>
-          <a:xfrm>
-            <a:off x="3823446" y="2205489"/>
-            <a:ext cx="4222207" cy="1216896"/>
-          </a:xfrm>
-        </p:spPr>
-      </p:pic>
+      <p:cxnSp>
+        <p:nvCxnSpPr>
+          <p:cNvPr id="6" name="Straight Connector 5"/>
+          <p:cNvCxnSpPr/>
+          <p:nvPr/>
+        </p:nvCxnSpPr>
+        <p:spPr>
+          <a:xfrm>
+            <a:off x="811428" y="2946073"/>
+            <a:ext cx="1093664" cy="0"/>
+          </a:xfrm>
+          <a:prstGeom prst="line">
+            <a:avLst/>
+          </a:prstGeom>
+          <a:ln>
+            <a:solidFill>
+              <a:srgbClr val="800000"/>
+            </a:solidFill>
+          </a:ln>
+        </p:spPr>
+        <p:style>
+          <a:lnRef idx="2">
+            <a:schemeClr val="accent1"/>
+          </a:lnRef>
+          <a:fillRef idx="0">
+            <a:schemeClr val="accent1"/>
+          </a:fillRef>
+          <a:effectRef idx="1">
+            <a:schemeClr val="accent1"/>
+          </a:effectRef>
+          <a:fontRef idx="minor">
+            <a:schemeClr val="tx1"/>
+          </a:fontRef>
+        </p:style>
+      </p:cxnSp>
+      <p:cxnSp>
+        <p:nvCxnSpPr>
+          <p:cNvPr id="9" name="Straight Connector 8"/>
+          <p:cNvCxnSpPr/>
+          <p:nvPr/>
+        </p:nvCxnSpPr>
+        <p:spPr>
+          <a:xfrm>
+            <a:off x="811428" y="3581155"/>
+            <a:ext cx="1217142" cy="0"/>
+          </a:xfrm>
+          <a:prstGeom prst="line">
+            <a:avLst/>
+          </a:prstGeom>
+          <a:ln>
+            <a:solidFill>
+              <a:srgbClr val="800000"/>
+            </a:solidFill>
+          </a:ln>
+        </p:spPr>
+        <p:style>
+          <a:lnRef idx="2">
+            <a:schemeClr val="accent1"/>
+          </a:lnRef>
+          <a:fillRef idx="0">
+            <a:schemeClr val="accent1"/>
+          </a:fillRef>
+          <a:effectRef idx="1">
+            <a:schemeClr val="accent1"/>
+          </a:effectRef>
+          <a:fontRef idx="minor">
+            <a:schemeClr val="tx1"/>
+          </a:fontRef>
+        </p:style>
+      </p:cxnSp>
+      <p:cxnSp>
+        <p:nvCxnSpPr>
+          <p:cNvPr id="11" name="Straight Connector 10"/>
+          <p:cNvCxnSpPr/>
+          <p:nvPr/>
+        </p:nvCxnSpPr>
+        <p:spPr>
+          <a:xfrm>
+            <a:off x="811428" y="3898696"/>
+            <a:ext cx="1217142" cy="0"/>
+          </a:xfrm>
+          <a:prstGeom prst="line">
+            <a:avLst/>
+          </a:prstGeom>
+          <a:ln>
+            <a:solidFill>
+              <a:srgbClr val="800000"/>
+            </a:solidFill>
+          </a:ln>
+        </p:spPr>
+        <p:style>
+          <a:lnRef idx="2">
+            <a:schemeClr val="accent1"/>
+          </a:lnRef>
+          <a:fillRef idx="0">
+            <a:schemeClr val="accent1"/>
+          </a:fillRef>
+          <a:effectRef idx="1">
+            <a:schemeClr val="accent1"/>
+          </a:effectRef>
+          <a:fontRef idx="minor">
+            <a:schemeClr val="tx1"/>
+          </a:fontRef>
+        </p:style>
+      </p:cxnSp>
+      <p:cxnSp>
+        <p:nvCxnSpPr>
+          <p:cNvPr id="12" name="Straight Connector 11"/>
+          <p:cNvCxnSpPr/>
+          <p:nvPr/>
+        </p:nvCxnSpPr>
+        <p:spPr>
+          <a:xfrm>
+            <a:off x="811428" y="4216236"/>
+            <a:ext cx="1217142" cy="0"/>
+          </a:xfrm>
+          <a:prstGeom prst="line">
+            <a:avLst/>
+          </a:prstGeom>
+          <a:ln>
+            <a:solidFill>
+              <a:srgbClr val="800000"/>
+            </a:solidFill>
+          </a:ln>
+        </p:spPr>
+        <p:style>
+          <a:lnRef idx="2">
+            <a:schemeClr val="accent1"/>
+          </a:lnRef>
+          <a:fillRef idx="0">
+            <a:schemeClr val="accent1"/>
+          </a:fillRef>
+          <a:effectRef idx="1">
+            <a:schemeClr val="accent1"/>
+          </a:effectRef>
+          <a:fontRef idx="minor">
+            <a:schemeClr val="tx1"/>
+          </a:fontRef>
+        </p:style>
+      </p:cxnSp>
+      <p:sp>
+        <p:nvSpPr>
+          <p:cNvPr id="14" name="Rounded Rectangle 13"/>
+          <p:cNvSpPr/>
+          <p:nvPr/>
+        </p:nvSpPr>
+        <p:spPr>
+          <a:xfrm>
+            <a:off x="5591796" y="4778894"/>
+            <a:ext cx="2381366" cy="585513"/>
+          </a:xfrm>
+          <a:prstGeom prst="roundRect">
+            <a:avLst/>
+          </a:prstGeom>
+          <a:noFill/>
+          <a:ln w="76200" cmpd="sng">
+            <a:solidFill>
+              <a:srgbClr val="800000"/>
+            </a:solidFill>
+          </a:ln>
+          <a:effectLst/>
+        </p:spPr>
+        <p:style>
+          <a:lnRef idx="1">
+            <a:schemeClr val="accent1"/>
+          </a:lnRef>
+          <a:fillRef idx="3">
+            <a:schemeClr val="accent1"/>
+          </a:fillRef>
+          <a:effectRef idx="2">
+            <a:schemeClr val="accent1"/>
+          </a:effectRef>
+          <a:fontRef idx="minor">
+            <a:schemeClr val="lt1"/>
+          </a:fontRef>
+        </p:style>
+        <p:txBody>
+          <a:bodyPr rtlCol="0" anchor="ctr"/>
+          <a:lstStyle/>
+          <a:p>
+            <a:pPr algn="ctr"/>
+            <a:endParaRPr lang="en-US"/>
+          </a:p>
+        </p:txBody>
+      </p:sp>
+      <p:cxnSp>
+        <p:nvCxnSpPr>
+          <p:cNvPr id="15" name="Straight Connector 14"/>
+          <p:cNvCxnSpPr/>
+          <p:nvPr/>
+        </p:nvCxnSpPr>
+        <p:spPr>
+          <a:xfrm>
+            <a:off x="811428" y="3281255"/>
+            <a:ext cx="917266" cy="0"/>
+          </a:xfrm>
+          <a:prstGeom prst="line">
+            <a:avLst/>
+          </a:prstGeom>
+          <a:ln>
+            <a:solidFill>
+              <a:srgbClr val="800000"/>
+            </a:solidFill>
+          </a:ln>
+        </p:spPr>
+        <p:style>
+          <a:lnRef idx="2">
+            <a:schemeClr val="accent1"/>
+          </a:lnRef>
+          <a:fillRef idx="0">
+            <a:schemeClr val="accent1"/>
+          </a:fillRef>
+          <a:effectRef idx="1">
+            <a:schemeClr val="accent1"/>
+          </a:effectRef>
+          <a:fontRef idx="minor">
+            <a:schemeClr val="tx1"/>
+          </a:fontRef>
+        </p:style>
+      </p:cxnSp>
     </p:spTree>
     <p:extLst>
       <p:ext uri="{BB962C8B-B14F-4D97-AF65-F5344CB8AC3E}">
-        <p14:creationId xmlns:p14="http://schemas.microsoft.com/office/powerpoint/2010/main" val="3703350847"/>
+        <p14:creationId xmlns:p14="http://schemas.microsoft.com/office/powerpoint/2010/main" val="4080477564"/>
       </p:ext>
     </p:extLst>
   </p:cSld>
@@ -8286,407 +8416,235 @@
         </p:nvSpPr>
         <p:spPr>
           <a:xfrm>
-            <a:off x="457199" y="1428935"/>
-            <a:ext cx="4125228" cy="736818"/>
+            <a:off x="457199" y="840426"/>
+            <a:ext cx="7391401" cy="1143000"/>
           </a:xfrm>
         </p:spPr>
         <p:txBody>
           <a:bodyPr/>
           <a:lstStyle/>
           <a:p>
-            <a:pPr algn="r"/>
-            <a:r>
-              <a:rPr lang="en-US" sz="3400" dirty="0" smtClean="0"/>
-              <a:t>4 little buttons</a:t>
-            </a:r>
-            <a:r>
-              <a:rPr lang="en-US" sz="3400" dirty="0"/>
-              <a:t> </a:t>
-            </a:r>
-            <a:r>
-              <a:rPr lang="en-US" sz="3400" dirty="0" smtClean="0"/>
-              <a:t>left</a:t>
-            </a:r>
-            <a:r>
-              <a:rPr lang="mr-IN" sz="3400" dirty="0" smtClean="0"/>
-              <a:t>…</a:t>
-            </a:r>
-            <a:endParaRPr lang="en-US" sz="3400" dirty="0"/>
-          </a:p>
-        </p:txBody>
-      </p:sp>
-      <p:sp>
-        <p:nvSpPr>
-          <p:cNvPr id="3" name="Text Placeholder 2"/>
-          <p:cNvSpPr>
-            <a:spLocks noGrp="1"/>
-          </p:cNvSpPr>
-          <p:nvPr>
-            <p:ph type="body" sz="half" idx="2"/>
-          </p:nvPr>
-        </p:nvSpPr>
-        <p:spPr>
-          <a:xfrm>
-            <a:off x="457199" y="2233078"/>
-            <a:ext cx="4093854" cy="3517940"/>
+            <a:r>
+              <a:rPr lang="en-US" dirty="0" smtClean="0"/>
+              <a:t>Just + 4 + little buttons</a:t>
+            </a:r>
+            <a:br>
+              <a:rPr lang="en-US" dirty="0" smtClean="0"/>
+            </a:br>
+            <a:r>
+              <a:rPr lang="en-US" dirty="0" smtClean="0"/>
+              <a:t>		       = famous last words!</a:t>
+            </a:r>
+            <a:endParaRPr lang="en-US" dirty="0"/>
+          </a:p>
+        </p:txBody>
+      </p:sp>
+      <p:sp>
+        <p:nvSpPr>
+          <p:cNvPr id="3" name="Content Placeholder 2"/>
+          <p:cNvSpPr>
+            <a:spLocks noGrp="1"/>
+          </p:cNvSpPr>
+          <p:nvPr>
+            <p:ph sz="half" idx="1"/>
+          </p:nvPr>
+        </p:nvSpPr>
+        <p:spPr>
+          <a:xfrm>
+            <a:off x="457199" y="6002873"/>
+            <a:ext cx="7662864" cy="433218"/>
           </a:xfrm>
         </p:spPr>
         <p:txBody>
           <a:bodyPr>
-            <a:normAutofit/>
+            <a:normAutofit fontScale="77500" lnSpcReduction="20000"/>
           </a:bodyPr>
           <a:lstStyle/>
           <a:p>
-            <a:r>
-              <a:rPr lang="en-US" dirty="0" smtClean="0"/>
-              <a:t>9 Elements exist within each profile:</a:t>
-            </a:r>
-          </a:p>
-          <a:p>
-            <a:endParaRPr lang="en-US" sz="800" dirty="0" smtClean="0"/>
-          </a:p>
-          <a:p>
-            <a:pPr marL="342900" indent="-342900">
-              <a:buFont typeface="+mj-lt"/>
-              <a:buAutoNum type="arabicPeriod"/>
+            <a:pPr marL="0" indent="0">
+              <a:buNone/>
             </a:pPr>
             <a:r>
               <a:rPr lang="en-US" dirty="0" smtClean="0"/>
-              <a:t>The card</a:t>
-            </a:r>
-          </a:p>
-          <a:p>
-            <a:pPr marL="342900" indent="-342900">
-              <a:buFont typeface="+mj-lt"/>
-              <a:buAutoNum type="arabicPeriod"/>
-            </a:pPr>
-            <a:r>
-              <a:rPr lang="en-US" dirty="0"/>
-              <a:t>A</a:t>
-            </a:r>
-            <a:r>
-              <a:rPr lang="en-US" dirty="0" smtClean="0"/>
-              <a:t> photo</a:t>
-            </a:r>
-          </a:p>
-          <a:p>
-            <a:pPr marL="342900" indent="-342900">
-              <a:buFont typeface="+mj-lt"/>
-              <a:buAutoNum type="arabicPeriod"/>
-            </a:pPr>
-            <a:r>
-              <a:rPr lang="en-US" dirty="0" smtClean="0"/>
-              <a:t>Their name</a:t>
-            </a:r>
-          </a:p>
-          <a:p>
-            <a:pPr marL="342900" indent="-342900">
-              <a:buFont typeface="+mj-lt"/>
-              <a:buAutoNum type="arabicPeriod"/>
-            </a:pPr>
-            <a:r>
-              <a:rPr lang="en-US" dirty="0" smtClean="0"/>
-              <a:t>Their office</a:t>
-            </a:r>
-          </a:p>
-          <a:p>
-            <a:pPr marL="342900" indent="-342900">
-              <a:buFont typeface="+mj-lt"/>
-              <a:buAutoNum type="arabicPeriod"/>
-            </a:pPr>
-            <a:r>
-              <a:rPr lang="en-US" dirty="0" smtClean="0"/>
-              <a:t>Their party</a:t>
-            </a:r>
-          </a:p>
-          <a:p>
-            <a:pPr marL="342900" indent="-342900">
-              <a:buFont typeface="+mj-lt"/>
-              <a:buAutoNum type="arabicPeriod"/>
-            </a:pPr>
-            <a:r>
-              <a:rPr lang="en-US" dirty="0" smtClean="0"/>
-              <a:t>Twitter handle</a:t>
-            </a:r>
-          </a:p>
-          <a:p>
-            <a:pPr marL="342900" indent="-342900">
-              <a:buFont typeface="+mj-lt"/>
-              <a:buAutoNum type="arabicPeriod"/>
-            </a:pPr>
-            <a:r>
-              <a:rPr lang="en-US" dirty="0" smtClean="0"/>
-              <a:t>Facebook page</a:t>
-            </a:r>
-          </a:p>
-          <a:p>
-            <a:pPr marL="342900" indent="-342900">
-              <a:buFont typeface="+mj-lt"/>
-              <a:buAutoNum type="arabicPeriod"/>
-            </a:pPr>
-            <a:r>
-              <a:rPr lang="en-US" dirty="0" smtClean="0"/>
-              <a:t>Website</a:t>
-            </a:r>
-          </a:p>
-          <a:p>
-            <a:pPr marL="342900" indent="-342900">
-              <a:buFont typeface="+mj-lt"/>
-              <a:buAutoNum type="arabicPeriod"/>
-            </a:pPr>
-            <a:r>
-              <a:rPr lang="en-US" dirty="0" smtClean="0"/>
-              <a:t>Related New York Times headlines</a:t>
-            </a:r>
+              <a:t>First we had to establish if they had social media</a:t>
+            </a:r>
+            <a:r>
+              <a:rPr lang="mr-IN" dirty="0" smtClean="0"/>
+              <a:t>…</a:t>
+            </a:r>
+            <a:r>
+              <a:rPr lang="en-US" dirty="0" smtClean="0"/>
+              <a:t> and then we had to make the button. Thanks </a:t>
+            </a:r>
+            <a:r>
+              <a:rPr lang="en-US" dirty="0" err="1" smtClean="0"/>
+              <a:t>FontAwesome.com</a:t>
+            </a:r>
+            <a:endParaRPr lang="en-US" dirty="0"/>
           </a:p>
         </p:txBody>
       </p:sp>
       <p:pic>
         <p:nvPicPr>
-          <p:cNvPr id="5" name="Picture Placeholder 4"/>
+          <p:cNvPr id="7" name="Content Placeholder 6"/>
           <p:cNvPicPr>
             <a:picLocks noGrp="1" noChangeAspect="1"/>
           </p:cNvPicPr>
           <p:nvPr>
-            <p:ph type="pic" sz="quarter" idx="13"/>
+            <p:ph sz="half" idx="14"/>
           </p:nvPr>
         </p:nvPicPr>
         <p:blipFill rotWithShape="1">
           <a:blip r:embed="rId2"/>
-          <a:srcRect b="-2110"/>
+          <a:srcRect l="-515" t="-4023" r="-1" b="1"/>
           <a:stretch/>
         </p:blipFill>
         <p:spPr>
           <a:xfrm>
-            <a:off x="4760258" y="990601"/>
-            <a:ext cx="4096512" cy="4724400"/>
+            <a:off x="457199" y="3112163"/>
+            <a:ext cx="3566160" cy="2772426"/>
           </a:xfrm>
         </p:spPr>
       </p:pic>
-      <p:cxnSp>
-        <p:nvCxnSpPr>
-          <p:cNvPr id="6" name="Straight Connector 5"/>
-          <p:cNvCxnSpPr/>
+      <p:pic>
+        <p:nvPicPr>
+          <p:cNvPr id="9" name="Picture 8"/>
+          <p:cNvPicPr>
+            <a:picLocks noChangeAspect="1"/>
+          </p:cNvPicPr>
           <p:nvPr/>
-        </p:nvCxnSpPr>
-        <p:spPr>
-          <a:xfrm>
-            <a:off x="811428" y="2946073"/>
-            <a:ext cx="1093664" cy="0"/>
-          </a:xfrm>
-          <a:prstGeom prst="line">
+        </p:nvPicPr>
+        <p:blipFill rotWithShape="1">
+          <a:blip r:embed="rId3"/>
+          <a:srcRect l="14413" t="7537" r="12974" b="11239"/>
+          <a:stretch/>
+        </p:blipFill>
+        <p:spPr>
+          <a:xfrm>
+            <a:off x="457200" y="2139623"/>
+            <a:ext cx="3566160" cy="972540"/>
+          </a:xfrm>
+          <a:prstGeom prst="rect">
             <a:avLst/>
           </a:prstGeom>
-          <a:ln>
-            <a:solidFill>
-              <a:srgbClr val="800000"/>
-            </a:solidFill>
-          </a:ln>
-        </p:spPr>
-        <p:style>
-          <a:lnRef idx="2">
-            <a:schemeClr val="accent1"/>
-          </a:lnRef>
-          <a:fillRef idx="0">
-            <a:schemeClr val="accent1"/>
-          </a:fillRef>
-          <a:effectRef idx="1">
-            <a:schemeClr val="accent1"/>
-          </a:effectRef>
-          <a:fontRef idx="minor">
-            <a:schemeClr val="tx1"/>
-          </a:fontRef>
-        </p:style>
-      </p:cxnSp>
-      <p:cxnSp>
-        <p:nvCxnSpPr>
-          <p:cNvPr id="9" name="Straight Connector 8"/>
-          <p:cNvCxnSpPr/>
+        </p:spPr>
+      </p:pic>
+      <p:pic>
+        <p:nvPicPr>
+          <p:cNvPr id="14" name="Picture 13" descr="my-red-check-mark-png-md.png"/>
+          <p:cNvPicPr>
+            <a:picLocks noChangeAspect="1"/>
+          </p:cNvPicPr>
           <p:nvPr/>
-        </p:nvCxnSpPr>
-        <p:spPr>
-          <a:xfrm>
-            <a:off x="811428" y="3581155"/>
-            <a:ext cx="1217142" cy="0"/>
-          </a:xfrm>
-          <a:prstGeom prst="line">
+        </p:nvPicPr>
+        <p:blipFill>
+          <a:blip r:embed="rId4" cstate="print">
+            <a:extLst>
+              <a:ext uri="{28A0092B-C50C-407E-A947-70E740481C1C}">
+                <a14:useLocalDpi xmlns:a14="http://schemas.microsoft.com/office/drawing/2010/main" val="0"/>
+              </a:ext>
+            </a:extLst>
+          </a:blip>
+          <a:stretch>
+            <a:fillRect/>
+          </a:stretch>
+        </p:blipFill>
+        <p:spPr>
+          <a:xfrm>
+            <a:off x="808089" y="2179814"/>
+            <a:ext cx="736169" cy="767166"/>
+          </a:xfrm>
+          <a:prstGeom prst="rect">
             <a:avLst/>
           </a:prstGeom>
-          <a:ln>
-            <a:solidFill>
-              <a:srgbClr val="800000"/>
-            </a:solidFill>
-          </a:ln>
-        </p:spPr>
-        <p:style>
-          <a:lnRef idx="2">
-            <a:schemeClr val="accent1"/>
-          </a:lnRef>
-          <a:fillRef idx="0">
-            <a:schemeClr val="accent1"/>
-          </a:fillRef>
-          <a:effectRef idx="1">
-            <a:schemeClr val="accent1"/>
-          </a:effectRef>
-          <a:fontRef idx="minor">
-            <a:schemeClr val="tx1"/>
-          </a:fontRef>
-        </p:style>
-      </p:cxnSp>
-      <p:cxnSp>
-        <p:nvCxnSpPr>
-          <p:cNvPr id="11" name="Straight Connector 10"/>
-          <p:cNvCxnSpPr/>
+        </p:spPr>
+      </p:pic>
+      <p:pic>
+        <p:nvPicPr>
+          <p:cNvPr id="15" name="Picture 14" descr="my-red-check-mark-png-md.png"/>
+          <p:cNvPicPr>
+            <a:picLocks noChangeAspect="1"/>
+          </p:cNvPicPr>
           <p:nvPr/>
-        </p:nvCxnSpPr>
-        <p:spPr>
-          <a:xfrm>
-            <a:off x="811428" y="3898696"/>
-            <a:ext cx="1217142" cy="0"/>
-          </a:xfrm>
-          <a:prstGeom prst="line">
+        </p:nvPicPr>
+        <p:blipFill>
+          <a:blip r:embed="rId4" cstate="print">
+            <a:extLst>
+              <a:ext uri="{28A0092B-C50C-407E-A947-70E740481C1C}">
+                <a14:useLocalDpi xmlns:a14="http://schemas.microsoft.com/office/drawing/2010/main" val="0"/>
+              </a:ext>
+            </a:extLst>
+          </a:blip>
+          <a:stretch>
+            <a:fillRect/>
+          </a:stretch>
+        </p:blipFill>
+        <p:spPr>
+          <a:xfrm>
+            <a:off x="1644512" y="2179814"/>
+            <a:ext cx="736169" cy="767166"/>
+          </a:xfrm>
+          <a:prstGeom prst="rect">
             <a:avLst/>
           </a:prstGeom>
-          <a:ln>
-            <a:solidFill>
-              <a:srgbClr val="800000"/>
-            </a:solidFill>
-          </a:ln>
-        </p:spPr>
-        <p:style>
-          <a:lnRef idx="2">
-            <a:schemeClr val="accent1"/>
-          </a:lnRef>
-          <a:fillRef idx="0">
-            <a:schemeClr val="accent1"/>
-          </a:fillRef>
-          <a:effectRef idx="1">
-            <a:schemeClr val="accent1"/>
-          </a:effectRef>
-          <a:fontRef idx="minor">
-            <a:schemeClr val="tx1"/>
-          </a:fontRef>
-        </p:style>
-      </p:cxnSp>
-      <p:cxnSp>
-        <p:nvCxnSpPr>
-          <p:cNvPr id="12" name="Straight Connector 11"/>
-          <p:cNvCxnSpPr/>
+        </p:spPr>
+      </p:pic>
+      <p:pic>
+        <p:nvPicPr>
+          <p:cNvPr id="11" name="Picture 10" descr="my-red-check-mark-png-md.png"/>
+          <p:cNvPicPr>
+            <a:picLocks noChangeAspect="1"/>
+          </p:cNvPicPr>
           <p:nvPr/>
-        </p:nvCxnSpPr>
-        <p:spPr>
-          <a:xfrm>
-            <a:off x="811428" y="4216236"/>
-            <a:ext cx="1217142" cy="0"/>
-          </a:xfrm>
-          <a:prstGeom prst="line">
+        </p:nvPicPr>
+        <p:blipFill>
+          <a:blip r:embed="rId4" cstate="print">
+            <a:extLst>
+              <a:ext uri="{28A0092B-C50C-407E-A947-70E740481C1C}">
+                <a14:useLocalDpi xmlns:a14="http://schemas.microsoft.com/office/drawing/2010/main" val="0"/>
+              </a:ext>
+            </a:extLst>
+          </a:blip>
+          <a:stretch>
+            <a:fillRect/>
+          </a:stretch>
+        </p:blipFill>
+        <p:spPr>
+          <a:xfrm>
+            <a:off x="2380681" y="2179814"/>
+            <a:ext cx="736169" cy="767166"/>
+          </a:xfrm>
+          <a:prstGeom prst="rect">
             <a:avLst/>
           </a:prstGeom>
-          <a:ln>
-            <a:solidFill>
-              <a:srgbClr val="800000"/>
-            </a:solidFill>
-          </a:ln>
-        </p:spPr>
-        <p:style>
-          <a:lnRef idx="2">
-            <a:schemeClr val="accent1"/>
-          </a:lnRef>
-          <a:fillRef idx="0">
-            <a:schemeClr val="accent1"/>
-          </a:fillRef>
-          <a:effectRef idx="1">
-            <a:schemeClr val="accent1"/>
-          </a:effectRef>
-          <a:fontRef idx="minor">
-            <a:schemeClr val="tx1"/>
-          </a:fontRef>
-        </p:style>
-      </p:cxnSp>
-      <p:sp>
-        <p:nvSpPr>
-          <p:cNvPr id="14" name="Rounded Rectangle 13"/>
-          <p:cNvSpPr/>
-          <p:nvPr/>
-        </p:nvSpPr>
-        <p:spPr>
-          <a:xfrm>
-            <a:off x="5591796" y="4778894"/>
-            <a:ext cx="2381366" cy="585513"/>
-          </a:xfrm>
-          <a:prstGeom prst="roundRect">
-            <a:avLst/>
-          </a:prstGeom>
-          <a:noFill/>
-          <a:ln w="76200" cmpd="sng">
-            <a:solidFill>
-              <a:srgbClr val="800000"/>
-            </a:solidFill>
-          </a:ln>
-          <a:effectLst/>
-        </p:spPr>
-        <p:style>
-          <a:lnRef idx="1">
-            <a:schemeClr val="accent1"/>
-          </a:lnRef>
-          <a:fillRef idx="3">
-            <a:schemeClr val="accent1"/>
-          </a:fillRef>
-          <a:effectRef idx="2">
-            <a:schemeClr val="accent1"/>
-          </a:effectRef>
-          <a:fontRef idx="minor">
-            <a:schemeClr val="lt1"/>
-          </a:fontRef>
-        </p:style>
-        <p:txBody>
-          <a:bodyPr rtlCol="0" anchor="ctr"/>
-          <a:lstStyle/>
-          <a:p>
-            <a:pPr algn="ctr"/>
-            <a:endParaRPr lang="en-US"/>
-          </a:p>
-        </p:txBody>
-      </p:sp>
-      <p:cxnSp>
-        <p:nvCxnSpPr>
-          <p:cNvPr id="15" name="Straight Connector 14"/>
-          <p:cNvCxnSpPr/>
-          <p:nvPr/>
-        </p:nvCxnSpPr>
-        <p:spPr>
-          <a:xfrm>
-            <a:off x="811428" y="3281255"/>
-            <a:ext cx="917266" cy="0"/>
-          </a:xfrm>
-          <a:prstGeom prst="line">
-            <a:avLst/>
-          </a:prstGeom>
-          <a:ln>
-            <a:solidFill>
-              <a:srgbClr val="800000"/>
-            </a:solidFill>
-          </a:ln>
-        </p:spPr>
-        <p:style>
-          <a:lnRef idx="2">
-            <a:schemeClr val="accent1"/>
-          </a:lnRef>
-          <a:fillRef idx="0">
-            <a:schemeClr val="accent1"/>
-          </a:fillRef>
-          <a:effectRef idx="1">
-            <a:schemeClr val="accent1"/>
-          </a:effectRef>
-          <a:fontRef idx="minor">
-            <a:schemeClr val="tx1"/>
-          </a:fontRef>
-        </p:style>
-      </p:cxnSp>
+        </p:spPr>
+      </p:pic>
+      <p:pic>
+        <p:nvPicPr>
+          <p:cNvPr id="5" name="Content Placeholder 4"/>
+          <p:cNvPicPr>
+            <a:picLocks noGrp="1" noChangeAspect="1"/>
+          </p:cNvPicPr>
+          <p:nvPr>
+            <p:ph sz="half" idx="13"/>
+          </p:nvPr>
+        </p:nvPicPr>
+        <p:blipFill rotWithShape="1">
+          <a:blip r:embed="rId5"/>
+          <a:srcRect b="256"/>
+          <a:stretch/>
+        </p:blipFill>
+        <p:spPr>
+          <a:xfrm>
+            <a:off x="4442473" y="2179814"/>
+            <a:ext cx="3677589" cy="3704775"/>
+          </a:xfrm>
+        </p:spPr>
+      </p:pic>
     </p:spTree>
     <p:extLst>
       <p:ext uri="{BB962C8B-B14F-4D97-AF65-F5344CB8AC3E}">
-        <p14:creationId xmlns:p14="http://schemas.microsoft.com/office/powerpoint/2010/main" val="4080477564"/>
+        <p14:creationId xmlns:p14="http://schemas.microsoft.com/office/powerpoint/2010/main" val="3700432494"/>
       </p:ext>
     </p:extLst>
   </p:cSld>
@@ -8732,235 +8690,546 @@
         </p:nvSpPr>
         <p:spPr>
           <a:xfrm>
-            <a:off x="457199" y="840426"/>
-            <a:ext cx="7391401" cy="1143000"/>
+            <a:off x="1905093" y="1792047"/>
+            <a:ext cx="2677334" cy="373705"/>
           </a:xfrm>
         </p:spPr>
         <p:txBody>
           <a:bodyPr/>
           <a:lstStyle/>
           <a:p>
-            <a:r>
-              <a:rPr lang="en-US" dirty="0" smtClean="0"/>
-              <a:t>Just + 4 + little buttons</a:t>
-            </a:r>
-            <a:br>
-              <a:rPr lang="en-US" dirty="0" smtClean="0"/>
-            </a:br>
-            <a:r>
-              <a:rPr lang="en-US" dirty="0" smtClean="0"/>
-              <a:t>		       = famous last words!</a:t>
-            </a:r>
-            <a:endParaRPr lang="en-US" dirty="0"/>
-          </a:p>
-        </p:txBody>
-      </p:sp>
-      <p:sp>
-        <p:nvSpPr>
-          <p:cNvPr id="3" name="Content Placeholder 2"/>
-          <p:cNvSpPr>
-            <a:spLocks noGrp="1"/>
-          </p:cNvSpPr>
-          <p:nvPr>
-            <p:ph sz="half" idx="1"/>
-          </p:nvPr>
-        </p:nvSpPr>
-        <p:spPr>
-          <a:xfrm>
-            <a:off x="457199" y="6002873"/>
-            <a:ext cx="7662864" cy="433218"/>
+            <a:pPr algn="r"/>
+            <a:r>
+              <a:rPr lang="en-US" sz="2000" dirty="0" smtClean="0"/>
+              <a:t>One API to go</a:t>
+            </a:r>
+            <a:r>
+              <a:rPr lang="mr-IN" sz="2000" dirty="0" smtClean="0"/>
+              <a:t>…</a:t>
+            </a:r>
+            <a:endParaRPr lang="en-US" sz="2000" dirty="0"/>
+          </a:p>
+        </p:txBody>
+      </p:sp>
+      <p:sp>
+        <p:nvSpPr>
+          <p:cNvPr id="3" name="Text Placeholder 2"/>
+          <p:cNvSpPr>
+            <a:spLocks noGrp="1"/>
+          </p:cNvSpPr>
+          <p:nvPr>
+            <p:ph type="body" sz="half" idx="2"/>
+          </p:nvPr>
+        </p:nvSpPr>
+        <p:spPr>
+          <a:xfrm>
+            <a:off x="457199" y="2233078"/>
+            <a:ext cx="4093854" cy="3517940"/>
           </a:xfrm>
         </p:spPr>
         <p:txBody>
           <a:bodyPr>
-            <a:normAutofit fontScale="77500" lnSpcReduction="20000"/>
+            <a:normAutofit/>
           </a:bodyPr>
           <a:lstStyle/>
           <a:p>
-            <a:pPr marL="0" indent="0">
-              <a:buNone/>
+            <a:r>
+              <a:rPr lang="en-US" dirty="0" smtClean="0"/>
+              <a:t>9 Elements exist within each profile:</a:t>
+            </a:r>
+          </a:p>
+          <a:p>
+            <a:endParaRPr lang="en-US" sz="800" dirty="0" smtClean="0"/>
+          </a:p>
+          <a:p>
+            <a:pPr marL="342900" indent="-342900">
+              <a:buFont typeface="+mj-lt"/>
+              <a:buAutoNum type="arabicPeriod"/>
             </a:pPr>
             <a:r>
               <a:rPr lang="en-US" dirty="0" smtClean="0"/>
-              <a:t>First we had to establish if they had social media</a:t>
-            </a:r>
-            <a:r>
-              <a:rPr lang="mr-IN" dirty="0" smtClean="0"/>
-              <a:t>…</a:t>
-            </a:r>
-            <a:r>
-              <a:rPr lang="en-US" dirty="0" smtClean="0"/>
-              <a:t> and then we had to make the button. Thanks </a:t>
-            </a:r>
-            <a:r>
-              <a:rPr lang="en-US" dirty="0" err="1" smtClean="0"/>
-              <a:t>FontAwesome.com</a:t>
-            </a:r>
-            <a:endParaRPr lang="en-US" dirty="0"/>
+              <a:t>The card</a:t>
+            </a:r>
+          </a:p>
+          <a:p>
+            <a:pPr marL="342900" indent="-342900">
+              <a:buFont typeface="+mj-lt"/>
+              <a:buAutoNum type="arabicPeriod"/>
+            </a:pPr>
+            <a:r>
+              <a:rPr lang="en-US" dirty="0"/>
+              <a:t>A</a:t>
+            </a:r>
+            <a:r>
+              <a:rPr lang="en-US" dirty="0" smtClean="0"/>
+              <a:t> photo</a:t>
+            </a:r>
+          </a:p>
+          <a:p>
+            <a:pPr marL="342900" indent="-342900">
+              <a:buFont typeface="+mj-lt"/>
+              <a:buAutoNum type="arabicPeriod"/>
+            </a:pPr>
+            <a:r>
+              <a:rPr lang="en-US" dirty="0" smtClean="0"/>
+              <a:t>Their name</a:t>
+            </a:r>
+          </a:p>
+          <a:p>
+            <a:pPr marL="342900" indent="-342900">
+              <a:buFont typeface="+mj-lt"/>
+              <a:buAutoNum type="arabicPeriod"/>
+            </a:pPr>
+            <a:r>
+              <a:rPr lang="en-US" dirty="0" smtClean="0"/>
+              <a:t>Their office</a:t>
+            </a:r>
+          </a:p>
+          <a:p>
+            <a:pPr marL="342900" indent="-342900">
+              <a:buFont typeface="+mj-lt"/>
+              <a:buAutoNum type="arabicPeriod"/>
+            </a:pPr>
+            <a:r>
+              <a:rPr lang="en-US" dirty="0" smtClean="0"/>
+              <a:t>Their party</a:t>
+            </a:r>
+          </a:p>
+          <a:p>
+            <a:pPr marL="342900" indent="-342900">
+              <a:buFont typeface="+mj-lt"/>
+              <a:buAutoNum type="arabicPeriod"/>
+            </a:pPr>
+            <a:r>
+              <a:rPr lang="en-US" dirty="0" smtClean="0"/>
+              <a:t>Twitter handle</a:t>
+            </a:r>
+          </a:p>
+          <a:p>
+            <a:pPr marL="342900" indent="-342900">
+              <a:buFont typeface="+mj-lt"/>
+              <a:buAutoNum type="arabicPeriod"/>
+            </a:pPr>
+            <a:r>
+              <a:rPr lang="en-US" dirty="0" smtClean="0"/>
+              <a:t>Facebook page</a:t>
+            </a:r>
+          </a:p>
+          <a:p>
+            <a:pPr marL="342900" indent="-342900">
+              <a:buFont typeface="+mj-lt"/>
+              <a:buAutoNum type="arabicPeriod"/>
+            </a:pPr>
+            <a:r>
+              <a:rPr lang="en-US" dirty="0" smtClean="0"/>
+              <a:t>Website</a:t>
+            </a:r>
+          </a:p>
+          <a:p>
+            <a:pPr marL="342900" indent="-342900">
+              <a:buFont typeface="+mj-lt"/>
+              <a:buAutoNum type="arabicPeriod"/>
+            </a:pPr>
+            <a:r>
+              <a:rPr lang="en-US" dirty="0" smtClean="0"/>
+              <a:t>Related New York Times headlines</a:t>
+            </a:r>
           </a:p>
         </p:txBody>
       </p:sp>
       <p:pic>
         <p:nvPicPr>
-          <p:cNvPr id="7" name="Content Placeholder 6"/>
+          <p:cNvPr id="5" name="Picture Placeholder 4"/>
           <p:cNvPicPr>
             <a:picLocks noGrp="1" noChangeAspect="1"/>
           </p:cNvPicPr>
           <p:nvPr>
-            <p:ph sz="half" idx="14"/>
+            <p:ph type="pic" sz="quarter" idx="13"/>
           </p:nvPr>
         </p:nvPicPr>
         <p:blipFill rotWithShape="1">
           <a:blip r:embed="rId2"/>
-          <a:srcRect l="-515" t="-4023" r="-1" b="1"/>
+          <a:srcRect b="-2110"/>
           <a:stretch/>
         </p:blipFill>
         <p:spPr>
           <a:xfrm>
-            <a:off x="457199" y="3112163"/>
-            <a:ext cx="3566160" cy="2772426"/>
+            <a:off x="4760258" y="990601"/>
+            <a:ext cx="4096512" cy="4724400"/>
           </a:xfrm>
         </p:spPr>
       </p:pic>
-      <p:pic>
-        <p:nvPicPr>
-          <p:cNvPr id="9" name="Picture 8"/>
-          <p:cNvPicPr>
-            <a:picLocks noChangeAspect="1"/>
-          </p:cNvPicPr>
+      <p:cxnSp>
+        <p:nvCxnSpPr>
+          <p:cNvPr id="6" name="Straight Connector 5"/>
+          <p:cNvCxnSpPr/>
           <p:nvPr/>
-        </p:nvPicPr>
-        <p:blipFill rotWithShape="1">
-          <a:blip r:embed="rId3"/>
-          <a:srcRect l="14413" t="7537" r="12974" b="11239"/>
-          <a:stretch/>
-        </p:blipFill>
-        <p:spPr>
-          <a:xfrm>
-            <a:off x="457200" y="2139623"/>
-            <a:ext cx="3566160" cy="972540"/>
+        </p:nvCxnSpPr>
+        <p:spPr>
+          <a:xfrm>
+            <a:off x="811428" y="2946073"/>
+            <a:ext cx="1093664" cy="0"/>
+          </a:xfrm>
+          <a:prstGeom prst="line">
+            <a:avLst/>
+          </a:prstGeom>
+          <a:ln>
+            <a:solidFill>
+              <a:srgbClr val="800000"/>
+            </a:solidFill>
+          </a:ln>
+        </p:spPr>
+        <p:style>
+          <a:lnRef idx="2">
+            <a:schemeClr val="accent1"/>
+          </a:lnRef>
+          <a:fillRef idx="0">
+            <a:schemeClr val="accent1"/>
+          </a:fillRef>
+          <a:effectRef idx="1">
+            <a:schemeClr val="accent1"/>
+          </a:effectRef>
+          <a:fontRef idx="minor">
+            <a:schemeClr val="tx1"/>
+          </a:fontRef>
+        </p:style>
+      </p:cxnSp>
+      <p:cxnSp>
+        <p:nvCxnSpPr>
+          <p:cNvPr id="9" name="Straight Connector 8"/>
+          <p:cNvCxnSpPr/>
+          <p:nvPr/>
+        </p:nvCxnSpPr>
+        <p:spPr>
+          <a:xfrm>
+            <a:off x="811428" y="3581155"/>
+            <a:ext cx="1217142" cy="0"/>
+          </a:xfrm>
+          <a:prstGeom prst="line">
+            <a:avLst/>
+          </a:prstGeom>
+          <a:ln>
+            <a:solidFill>
+              <a:srgbClr val="800000"/>
+            </a:solidFill>
+          </a:ln>
+        </p:spPr>
+        <p:style>
+          <a:lnRef idx="2">
+            <a:schemeClr val="accent1"/>
+          </a:lnRef>
+          <a:fillRef idx="0">
+            <a:schemeClr val="accent1"/>
+          </a:fillRef>
+          <a:effectRef idx="1">
+            <a:schemeClr val="accent1"/>
+          </a:effectRef>
+          <a:fontRef idx="minor">
+            <a:schemeClr val="tx1"/>
+          </a:fontRef>
+        </p:style>
+      </p:cxnSp>
+      <p:cxnSp>
+        <p:nvCxnSpPr>
+          <p:cNvPr id="11" name="Straight Connector 10"/>
+          <p:cNvCxnSpPr/>
+          <p:nvPr/>
+        </p:nvCxnSpPr>
+        <p:spPr>
+          <a:xfrm>
+            <a:off x="811428" y="3898696"/>
+            <a:ext cx="1217142" cy="0"/>
+          </a:xfrm>
+          <a:prstGeom prst="line">
+            <a:avLst/>
+          </a:prstGeom>
+          <a:ln>
+            <a:solidFill>
+              <a:srgbClr val="800000"/>
+            </a:solidFill>
+          </a:ln>
+        </p:spPr>
+        <p:style>
+          <a:lnRef idx="2">
+            <a:schemeClr val="accent1"/>
+          </a:lnRef>
+          <a:fillRef idx="0">
+            <a:schemeClr val="accent1"/>
+          </a:fillRef>
+          <a:effectRef idx="1">
+            <a:schemeClr val="accent1"/>
+          </a:effectRef>
+          <a:fontRef idx="minor">
+            <a:schemeClr val="tx1"/>
+          </a:fontRef>
+        </p:style>
+      </p:cxnSp>
+      <p:cxnSp>
+        <p:nvCxnSpPr>
+          <p:cNvPr id="12" name="Straight Connector 11"/>
+          <p:cNvCxnSpPr/>
+          <p:nvPr/>
+        </p:nvCxnSpPr>
+        <p:spPr>
+          <a:xfrm>
+            <a:off x="811428" y="4216236"/>
+            <a:ext cx="1217142" cy="0"/>
+          </a:xfrm>
+          <a:prstGeom prst="line">
+            <a:avLst/>
+          </a:prstGeom>
+          <a:ln>
+            <a:solidFill>
+              <a:srgbClr val="800000"/>
+            </a:solidFill>
+          </a:ln>
+        </p:spPr>
+        <p:style>
+          <a:lnRef idx="2">
+            <a:schemeClr val="accent1"/>
+          </a:lnRef>
+          <a:fillRef idx="0">
+            <a:schemeClr val="accent1"/>
+          </a:fillRef>
+          <a:effectRef idx="1">
+            <a:schemeClr val="accent1"/>
+          </a:effectRef>
+          <a:fontRef idx="minor">
+            <a:schemeClr val="tx1"/>
+          </a:fontRef>
+        </p:style>
+      </p:cxnSp>
+      <p:sp>
+        <p:nvSpPr>
+          <p:cNvPr id="13" name="TextBox 12"/>
+          <p:cNvSpPr txBox="1"/>
+          <p:nvPr/>
+        </p:nvSpPr>
+        <p:spPr>
+          <a:xfrm>
+            <a:off x="425826" y="909639"/>
+            <a:ext cx="4125227" cy="1323439"/>
           </a:xfrm>
           <a:prstGeom prst="rect">
             <a:avLst/>
           </a:prstGeom>
-        </p:spPr>
-      </p:pic>
-      <p:pic>
-        <p:nvPicPr>
-          <p:cNvPr id="14" name="Picture 13" descr="my-red-check-mark-png-md.png"/>
-          <p:cNvPicPr>
-            <a:picLocks noChangeAspect="1"/>
-          </p:cNvPicPr>
+          <a:noFill/>
+        </p:spPr>
+        <p:txBody>
+          <a:bodyPr wrap="square" rtlCol="0">
+            <a:spAutoFit/>
+          </a:bodyPr>
+          <a:lstStyle/>
+          <a:p>
+            <a:r>
+              <a:rPr lang="en-US" sz="4000" dirty="0" smtClean="0">
+                <a:solidFill>
+                  <a:srgbClr val="800000"/>
+                </a:solidFill>
+                <a:latin typeface="Caviar Dreams"/>
+                <a:cs typeface="Caviar Dreams"/>
+              </a:rPr>
+              <a:t>Now the real fun starts!</a:t>
+            </a:r>
+            <a:endParaRPr lang="en-US" sz="4000" dirty="0">
+              <a:solidFill>
+                <a:srgbClr val="800000"/>
+              </a:solidFill>
+              <a:latin typeface="Caviar Dreams"/>
+              <a:cs typeface="Caviar Dreams"/>
+            </a:endParaRPr>
+          </a:p>
+        </p:txBody>
+      </p:sp>
+      <p:sp>
+        <p:nvSpPr>
+          <p:cNvPr id="14" name="Rounded Rectangle 13"/>
+          <p:cNvSpPr/>
           <p:nvPr/>
-        </p:nvPicPr>
-        <p:blipFill>
-          <a:blip r:embed="rId4" cstate="print">
-            <a:extLst>
-              <a:ext uri="{28A0092B-C50C-407E-A947-70E740481C1C}">
-                <a14:useLocalDpi xmlns:a14="http://schemas.microsoft.com/office/drawing/2010/main" val="0"/>
-              </a:ext>
-            </a:extLst>
-          </a:blip>
-          <a:stretch>
-            <a:fillRect/>
-          </a:stretch>
-        </p:blipFill>
-        <p:spPr>
-          <a:xfrm>
-            <a:off x="808089" y="2179814"/>
-            <a:ext cx="736169" cy="767166"/>
-          </a:xfrm>
-          <a:prstGeom prst="rect">
+        </p:nvSpPr>
+        <p:spPr>
+          <a:xfrm>
+            <a:off x="7232292" y="4745470"/>
+            <a:ext cx="582113" cy="723289"/>
+          </a:xfrm>
+          <a:prstGeom prst="roundRect">
             <a:avLst/>
           </a:prstGeom>
-        </p:spPr>
-      </p:pic>
-      <p:pic>
-        <p:nvPicPr>
-          <p:cNvPr id="15" name="Picture 14" descr="my-red-check-mark-png-md.png"/>
-          <p:cNvPicPr>
-            <a:picLocks noChangeAspect="1"/>
-          </p:cNvPicPr>
+          <a:noFill/>
+          <a:ln w="76200" cmpd="sng">
+            <a:solidFill>
+              <a:srgbClr val="800000"/>
+            </a:solidFill>
+          </a:ln>
+          <a:effectLst/>
+        </p:spPr>
+        <p:style>
+          <a:lnRef idx="1">
+            <a:schemeClr val="accent1"/>
+          </a:lnRef>
+          <a:fillRef idx="3">
+            <a:schemeClr val="accent1"/>
+          </a:fillRef>
+          <a:effectRef idx="2">
+            <a:schemeClr val="accent1"/>
+          </a:effectRef>
+          <a:fontRef idx="minor">
+            <a:schemeClr val="lt1"/>
+          </a:fontRef>
+        </p:style>
+        <p:txBody>
+          <a:bodyPr rtlCol="0" anchor="ctr"/>
+          <a:lstStyle/>
+          <a:p>
+            <a:pPr algn="ctr"/>
+            <a:endParaRPr lang="en-US"/>
+          </a:p>
+        </p:txBody>
+      </p:sp>
+      <p:cxnSp>
+        <p:nvCxnSpPr>
+          <p:cNvPr id="15" name="Straight Connector 14"/>
+          <p:cNvCxnSpPr/>
           <p:nvPr/>
-        </p:nvPicPr>
-        <p:blipFill>
-          <a:blip r:embed="rId4" cstate="print">
-            <a:extLst>
-              <a:ext uri="{28A0092B-C50C-407E-A947-70E740481C1C}">
-                <a14:useLocalDpi xmlns:a14="http://schemas.microsoft.com/office/drawing/2010/main" val="0"/>
-              </a:ext>
-            </a:extLst>
-          </a:blip>
-          <a:stretch>
-            <a:fillRect/>
-          </a:stretch>
-        </p:blipFill>
-        <p:spPr>
-          <a:xfrm>
-            <a:off x="1644512" y="2179814"/>
-            <a:ext cx="736169" cy="767166"/>
-          </a:xfrm>
-          <a:prstGeom prst="rect">
+        </p:nvCxnSpPr>
+        <p:spPr>
+          <a:xfrm>
+            <a:off x="811428" y="3281255"/>
+            <a:ext cx="917266" cy="0"/>
+          </a:xfrm>
+          <a:prstGeom prst="line">
             <a:avLst/>
           </a:prstGeom>
-        </p:spPr>
-      </p:pic>
-      <p:pic>
-        <p:nvPicPr>
-          <p:cNvPr id="11" name="Picture 10" descr="my-red-check-mark-png-md.png"/>
-          <p:cNvPicPr>
-            <a:picLocks noChangeAspect="1"/>
-          </p:cNvPicPr>
+          <a:ln>
+            <a:solidFill>
+              <a:srgbClr val="800000"/>
+            </a:solidFill>
+          </a:ln>
+        </p:spPr>
+        <p:style>
+          <a:lnRef idx="2">
+            <a:schemeClr val="accent1"/>
+          </a:lnRef>
+          <a:fillRef idx="0">
+            <a:schemeClr val="accent1"/>
+          </a:fillRef>
+          <a:effectRef idx="1">
+            <a:schemeClr val="accent1"/>
+          </a:effectRef>
+          <a:fontRef idx="minor">
+            <a:schemeClr val="tx1"/>
+          </a:fontRef>
+        </p:style>
+      </p:cxnSp>
+      <p:cxnSp>
+        <p:nvCxnSpPr>
+          <p:cNvPr id="16" name="Straight Connector 15"/>
+          <p:cNvCxnSpPr/>
           <p:nvPr/>
-        </p:nvPicPr>
-        <p:blipFill>
-          <a:blip r:embed="rId4" cstate="print">
-            <a:extLst>
-              <a:ext uri="{28A0092B-C50C-407E-A947-70E740481C1C}">
-                <a14:useLocalDpi xmlns:a14="http://schemas.microsoft.com/office/drawing/2010/main" val="0"/>
-              </a:ext>
-            </a:extLst>
-          </a:blip>
-          <a:stretch>
-            <a:fillRect/>
-          </a:stretch>
-        </p:blipFill>
-        <p:spPr>
-          <a:xfrm>
-            <a:off x="2380681" y="2179814"/>
-            <a:ext cx="736169" cy="767166"/>
-          </a:xfrm>
-          <a:prstGeom prst="rect">
+        </p:nvCxnSpPr>
+        <p:spPr>
+          <a:xfrm>
+            <a:off x="811428" y="4533777"/>
+            <a:ext cx="1569937" cy="0"/>
+          </a:xfrm>
+          <a:prstGeom prst="line">
             <a:avLst/>
           </a:prstGeom>
-        </p:spPr>
-      </p:pic>
-      <p:pic>
-        <p:nvPicPr>
-          <p:cNvPr id="5" name="Content Placeholder 4"/>
-          <p:cNvPicPr>
-            <a:picLocks noGrp="1" noChangeAspect="1"/>
-          </p:cNvPicPr>
-          <p:nvPr>
-            <p:ph sz="half" idx="13"/>
-          </p:nvPr>
-        </p:nvPicPr>
-        <p:blipFill rotWithShape="1">
-          <a:blip r:embed="rId5"/>
-          <a:srcRect b="256"/>
-          <a:stretch/>
-        </p:blipFill>
-        <p:spPr>
-          <a:xfrm>
-            <a:off x="4442473" y="2179814"/>
-            <a:ext cx="3677589" cy="3704775"/>
-          </a:xfrm>
-        </p:spPr>
-      </p:pic>
+          <a:ln>
+            <a:solidFill>
+              <a:srgbClr val="800000"/>
+            </a:solidFill>
+          </a:ln>
+        </p:spPr>
+        <p:style>
+          <a:lnRef idx="2">
+            <a:schemeClr val="accent1"/>
+          </a:lnRef>
+          <a:fillRef idx="0">
+            <a:schemeClr val="accent1"/>
+          </a:fillRef>
+          <a:effectRef idx="1">
+            <a:schemeClr val="accent1"/>
+          </a:effectRef>
+          <a:fontRef idx="minor">
+            <a:schemeClr val="tx1"/>
+          </a:fontRef>
+        </p:style>
+      </p:cxnSp>
+      <p:cxnSp>
+        <p:nvCxnSpPr>
+          <p:cNvPr id="17" name="Straight Connector 16"/>
+          <p:cNvCxnSpPr/>
+          <p:nvPr/>
+        </p:nvCxnSpPr>
+        <p:spPr>
+          <a:xfrm>
+            <a:off x="811428" y="4868960"/>
+            <a:ext cx="1711055" cy="0"/>
+          </a:xfrm>
+          <a:prstGeom prst="line">
+            <a:avLst/>
+          </a:prstGeom>
+          <a:ln>
+            <a:solidFill>
+              <a:srgbClr val="800000"/>
+            </a:solidFill>
+          </a:ln>
+        </p:spPr>
+        <p:style>
+          <a:lnRef idx="2">
+            <a:schemeClr val="accent1"/>
+          </a:lnRef>
+          <a:fillRef idx="0">
+            <a:schemeClr val="accent1"/>
+          </a:fillRef>
+          <a:effectRef idx="1">
+            <a:schemeClr val="accent1"/>
+          </a:effectRef>
+          <a:fontRef idx="minor">
+            <a:schemeClr val="tx1"/>
+          </a:fontRef>
+        </p:style>
+      </p:cxnSp>
+      <p:cxnSp>
+        <p:nvCxnSpPr>
+          <p:cNvPr id="18" name="Straight Connector 17"/>
+          <p:cNvCxnSpPr/>
+          <p:nvPr/>
+        </p:nvCxnSpPr>
+        <p:spPr>
+          <a:xfrm>
+            <a:off x="811428" y="5186500"/>
+            <a:ext cx="917266" cy="0"/>
+          </a:xfrm>
+          <a:prstGeom prst="line">
+            <a:avLst/>
+          </a:prstGeom>
+          <a:ln>
+            <a:solidFill>
+              <a:srgbClr val="800000"/>
+            </a:solidFill>
+          </a:ln>
+        </p:spPr>
+        <p:style>
+          <a:lnRef idx="2">
+            <a:schemeClr val="accent1"/>
+          </a:lnRef>
+          <a:fillRef idx="0">
+            <a:schemeClr val="accent1"/>
+          </a:fillRef>
+          <a:effectRef idx="1">
+            <a:schemeClr val="accent1"/>
+          </a:effectRef>
+          <a:fontRef idx="minor">
+            <a:schemeClr val="tx1"/>
+          </a:fontRef>
+        </p:style>
+      </p:cxnSp>
     </p:spTree>
     <p:extLst>
       <p:ext uri="{BB962C8B-B14F-4D97-AF65-F5344CB8AC3E}">
-        <p14:creationId xmlns:p14="http://schemas.microsoft.com/office/powerpoint/2010/main" val="3700432494"/>
+        <p14:creationId xmlns:p14="http://schemas.microsoft.com/office/powerpoint/2010/main" val="1677354309"/>
       </p:ext>
     </p:extLst>
   </p:cSld>
@@ -9006,325 +9275,54 @@
         </p:nvSpPr>
         <p:spPr>
           <a:xfrm>
-            <a:off x="1905093" y="1792047"/>
-            <a:ext cx="2677334" cy="373705"/>
+            <a:off x="457199" y="747284"/>
+            <a:ext cx="7391401" cy="1143000"/>
           </a:xfrm>
         </p:spPr>
         <p:txBody>
           <a:bodyPr/>
           <a:lstStyle/>
           <a:p>
-            <a:pPr algn="r"/>
-            <a:r>
-              <a:rPr lang="en-US" sz="2000" dirty="0" smtClean="0"/>
-              <a:t>One API to go</a:t>
-            </a:r>
-            <a:r>
-              <a:rPr lang="mr-IN" sz="2000" dirty="0" smtClean="0"/>
-              <a:t>…</a:t>
-            </a:r>
-            <a:endParaRPr lang="en-US" sz="2000" dirty="0"/>
-          </a:p>
-        </p:txBody>
-      </p:sp>
-      <p:sp>
-        <p:nvSpPr>
-          <p:cNvPr id="3" name="Text Placeholder 2"/>
-          <p:cNvSpPr>
-            <a:spLocks noGrp="1"/>
-          </p:cNvSpPr>
-          <p:nvPr>
-            <p:ph type="body" sz="half" idx="2"/>
-          </p:nvPr>
-        </p:nvSpPr>
-        <p:spPr>
-          <a:xfrm>
-            <a:off x="457199" y="2233078"/>
-            <a:ext cx="4093854" cy="3517940"/>
-          </a:xfrm>
-        </p:spPr>
-        <p:txBody>
-          <a:bodyPr>
-            <a:normAutofit/>
-          </a:bodyPr>
-          <a:lstStyle/>
-          <a:p>
-            <a:r>
-              <a:rPr lang="en-US" dirty="0" smtClean="0"/>
-              <a:t>9 Elements exist within each profile:</a:t>
-            </a:r>
-          </a:p>
-          <a:p>
-            <a:endParaRPr lang="en-US" sz="800" dirty="0" smtClean="0"/>
-          </a:p>
-          <a:p>
-            <a:pPr marL="342900" indent="-342900">
-              <a:buFont typeface="+mj-lt"/>
-              <a:buAutoNum type="arabicPeriod"/>
-            </a:pPr>
-            <a:r>
-              <a:rPr lang="en-US" dirty="0" smtClean="0"/>
-              <a:t>The card</a:t>
-            </a:r>
-          </a:p>
-          <a:p>
-            <a:pPr marL="342900" indent="-342900">
-              <a:buFont typeface="+mj-lt"/>
-              <a:buAutoNum type="arabicPeriod"/>
-            </a:pPr>
-            <a:r>
-              <a:rPr lang="en-US" dirty="0"/>
-              <a:t>A</a:t>
-            </a:r>
-            <a:r>
-              <a:rPr lang="en-US" dirty="0" smtClean="0"/>
-              <a:t> photo</a:t>
-            </a:r>
-          </a:p>
-          <a:p>
-            <a:pPr marL="342900" indent="-342900">
-              <a:buFont typeface="+mj-lt"/>
-              <a:buAutoNum type="arabicPeriod"/>
-            </a:pPr>
-            <a:r>
-              <a:rPr lang="en-US" dirty="0" smtClean="0"/>
-              <a:t>Their name</a:t>
-            </a:r>
-          </a:p>
-          <a:p>
-            <a:pPr marL="342900" indent="-342900">
-              <a:buFont typeface="+mj-lt"/>
-              <a:buAutoNum type="arabicPeriod"/>
-            </a:pPr>
-            <a:r>
-              <a:rPr lang="en-US" dirty="0" smtClean="0"/>
-              <a:t>Their office</a:t>
-            </a:r>
-          </a:p>
-          <a:p>
-            <a:pPr marL="342900" indent="-342900">
-              <a:buFont typeface="+mj-lt"/>
-              <a:buAutoNum type="arabicPeriod"/>
-            </a:pPr>
-            <a:r>
-              <a:rPr lang="en-US" dirty="0" smtClean="0"/>
-              <a:t>Their party</a:t>
-            </a:r>
-          </a:p>
-          <a:p>
-            <a:pPr marL="342900" indent="-342900">
-              <a:buFont typeface="+mj-lt"/>
-              <a:buAutoNum type="arabicPeriod"/>
-            </a:pPr>
-            <a:r>
-              <a:rPr lang="en-US" dirty="0" smtClean="0"/>
-              <a:t>Twitter handle</a:t>
-            </a:r>
-          </a:p>
-          <a:p>
-            <a:pPr marL="342900" indent="-342900">
-              <a:buFont typeface="+mj-lt"/>
-              <a:buAutoNum type="arabicPeriod"/>
-            </a:pPr>
-            <a:r>
-              <a:rPr lang="en-US" dirty="0" smtClean="0"/>
-              <a:t>Facebook page</a:t>
-            </a:r>
-          </a:p>
-          <a:p>
-            <a:pPr marL="342900" indent="-342900">
-              <a:buFont typeface="+mj-lt"/>
-              <a:buAutoNum type="arabicPeriod"/>
-            </a:pPr>
-            <a:r>
-              <a:rPr lang="en-US" dirty="0" smtClean="0"/>
-              <a:t>Website</a:t>
-            </a:r>
-          </a:p>
-          <a:p>
-            <a:pPr marL="342900" indent="-342900">
-              <a:buFont typeface="+mj-lt"/>
-              <a:buAutoNum type="arabicPeriod"/>
-            </a:pPr>
-            <a:r>
-              <a:rPr lang="en-US" dirty="0" smtClean="0"/>
-              <a:t>Related New York Times headlines</a:t>
-            </a:r>
+            <a:r>
+              <a:rPr lang="en-US" dirty="0" smtClean="0"/>
+              <a:t>The “Headlines” Button</a:t>
+            </a:r>
+            <a:endParaRPr lang="en-US" dirty="0"/>
           </a:p>
         </p:txBody>
       </p:sp>
       <p:pic>
         <p:nvPicPr>
-          <p:cNvPr id="5" name="Picture Placeholder 4"/>
+          <p:cNvPr id="7" name="Content Placeholder 6"/>
           <p:cNvPicPr>
             <a:picLocks noGrp="1" noChangeAspect="1"/>
           </p:cNvPicPr>
           <p:nvPr>
-            <p:ph type="pic" sz="quarter" idx="13"/>
+            <p:ph sz="half" idx="2"/>
           </p:nvPr>
         </p:nvPicPr>
         <p:blipFill rotWithShape="1">
           <a:blip r:embed="rId2"/>
-          <a:srcRect b="-2110"/>
+          <a:srcRect l="-2"/>
           <a:stretch/>
         </p:blipFill>
         <p:spPr>
           <a:xfrm>
-            <a:off x="4760258" y="990601"/>
-            <a:ext cx="4096512" cy="4724400"/>
+            <a:off x="4381299" y="2080866"/>
+            <a:ext cx="3717935" cy="2732055"/>
           </a:xfrm>
         </p:spPr>
       </p:pic>
-      <p:cxnSp>
-        <p:nvCxnSpPr>
-          <p:cNvPr id="6" name="Straight Connector 5"/>
-          <p:cNvCxnSpPr/>
-          <p:nvPr/>
-        </p:nvCxnSpPr>
-        <p:spPr>
-          <a:xfrm>
-            <a:off x="811428" y="2946073"/>
-            <a:ext cx="1093664" cy="0"/>
-          </a:xfrm>
-          <a:prstGeom prst="line">
-            <a:avLst/>
-          </a:prstGeom>
-          <a:ln>
-            <a:solidFill>
-              <a:srgbClr val="800000"/>
-            </a:solidFill>
-          </a:ln>
-        </p:spPr>
-        <p:style>
-          <a:lnRef idx="2">
-            <a:schemeClr val="accent1"/>
-          </a:lnRef>
-          <a:fillRef idx="0">
-            <a:schemeClr val="accent1"/>
-          </a:fillRef>
-          <a:effectRef idx="1">
-            <a:schemeClr val="accent1"/>
-          </a:effectRef>
-          <a:fontRef idx="minor">
-            <a:schemeClr val="tx1"/>
-          </a:fontRef>
-        </p:style>
-      </p:cxnSp>
-      <p:cxnSp>
-        <p:nvCxnSpPr>
-          <p:cNvPr id="9" name="Straight Connector 8"/>
-          <p:cNvCxnSpPr/>
-          <p:nvPr/>
-        </p:nvCxnSpPr>
-        <p:spPr>
-          <a:xfrm>
-            <a:off x="811428" y="3581155"/>
-            <a:ext cx="1217142" cy="0"/>
-          </a:xfrm>
-          <a:prstGeom prst="line">
-            <a:avLst/>
-          </a:prstGeom>
-          <a:ln>
-            <a:solidFill>
-              <a:srgbClr val="800000"/>
-            </a:solidFill>
-          </a:ln>
-        </p:spPr>
-        <p:style>
-          <a:lnRef idx="2">
-            <a:schemeClr val="accent1"/>
-          </a:lnRef>
-          <a:fillRef idx="0">
-            <a:schemeClr val="accent1"/>
-          </a:fillRef>
-          <a:effectRef idx="1">
-            <a:schemeClr val="accent1"/>
-          </a:effectRef>
-          <a:fontRef idx="minor">
-            <a:schemeClr val="tx1"/>
-          </a:fontRef>
-        </p:style>
-      </p:cxnSp>
-      <p:cxnSp>
-        <p:nvCxnSpPr>
-          <p:cNvPr id="11" name="Straight Connector 10"/>
-          <p:cNvCxnSpPr/>
-          <p:nvPr/>
-        </p:nvCxnSpPr>
-        <p:spPr>
-          <a:xfrm>
-            <a:off x="811428" y="3898696"/>
-            <a:ext cx="1217142" cy="0"/>
-          </a:xfrm>
-          <a:prstGeom prst="line">
-            <a:avLst/>
-          </a:prstGeom>
-          <a:ln>
-            <a:solidFill>
-              <a:srgbClr val="800000"/>
-            </a:solidFill>
-          </a:ln>
-        </p:spPr>
-        <p:style>
-          <a:lnRef idx="2">
-            <a:schemeClr val="accent1"/>
-          </a:lnRef>
-          <a:fillRef idx="0">
-            <a:schemeClr val="accent1"/>
-          </a:fillRef>
-          <a:effectRef idx="1">
-            <a:schemeClr val="accent1"/>
-          </a:effectRef>
-          <a:fontRef idx="minor">
-            <a:schemeClr val="tx1"/>
-          </a:fontRef>
-        </p:style>
-      </p:cxnSp>
-      <p:cxnSp>
-        <p:nvCxnSpPr>
-          <p:cNvPr id="12" name="Straight Connector 11"/>
-          <p:cNvCxnSpPr/>
-          <p:nvPr/>
-        </p:nvCxnSpPr>
-        <p:spPr>
-          <a:xfrm>
-            <a:off x="811428" y="4216236"/>
-            <a:ext cx="1217142" cy="0"/>
-          </a:xfrm>
-          <a:prstGeom prst="line">
-            <a:avLst/>
-          </a:prstGeom>
-          <a:ln>
-            <a:solidFill>
-              <a:srgbClr val="800000"/>
-            </a:solidFill>
-          </a:ln>
-        </p:spPr>
-        <p:style>
-          <a:lnRef idx="2">
-            <a:schemeClr val="accent1"/>
-          </a:lnRef>
-          <a:fillRef idx="0">
-            <a:schemeClr val="accent1"/>
-          </a:fillRef>
-          <a:effectRef idx="1">
-            <a:schemeClr val="accent1"/>
-          </a:effectRef>
-          <a:fontRef idx="minor">
-            <a:schemeClr val="tx1"/>
-          </a:fontRef>
-        </p:style>
-      </p:cxnSp>
-      <p:sp>
-        <p:nvSpPr>
-          <p:cNvPr id="13" name="TextBox 12"/>
+      <p:sp>
+        <p:nvSpPr>
+          <p:cNvPr id="8" name="TextBox 7"/>
           <p:cNvSpPr txBox="1"/>
           <p:nvPr/>
         </p:nvSpPr>
         <p:spPr>
           <a:xfrm>
-            <a:off x="425826" y="909639"/>
-            <a:ext cx="4125227" cy="1323439"/>
+            <a:off x="457199" y="2080866"/>
+            <a:ext cx="3653215" cy="2031325"/>
           </a:xfrm>
           <a:prstGeom prst="rect">
             <a:avLst/>
@@ -9338,214 +9336,54 @@
           <a:lstStyle/>
           <a:p>
             <a:r>
-              <a:rPr lang="en-US" sz="4000" dirty="0" smtClean="0">
-                <a:solidFill>
-                  <a:srgbClr val="800000"/>
-                </a:solidFill>
-                <a:latin typeface="Caviar Dreams"/>
-                <a:cs typeface="Caviar Dreams"/>
-              </a:rPr>
-              <a:t>Now the real fun starts!</a:t>
-            </a:r>
-            <a:endParaRPr lang="en-US" sz="4000" dirty="0">
-              <a:solidFill>
-                <a:srgbClr val="800000"/>
-              </a:solidFill>
-              <a:latin typeface="Caviar Dreams"/>
-              <a:cs typeface="Caviar Dreams"/>
-            </a:endParaRPr>
-          </a:p>
-        </p:txBody>
-      </p:sp>
-      <p:sp>
-        <p:nvSpPr>
-          <p:cNvPr id="14" name="Rounded Rectangle 13"/>
-          <p:cNvSpPr/>
+              <a:rPr lang="en-US" dirty="0" smtClean="0"/>
+              <a:t>The names had to be split; remove punctuation; replace spaces with hyphens; and, finally, join the name.</a:t>
+            </a:r>
+          </a:p>
+          <a:p>
+            <a:r>
+              <a:rPr lang="en-US" dirty="0" smtClean="0"/>
+              <a:t>This gave us “</a:t>
+            </a:r>
+            <a:r>
+              <a:rPr lang="en-US" dirty="0" err="1" smtClean="0"/>
+              <a:t>nameID</a:t>
+            </a:r>
+            <a:r>
+              <a:rPr lang="en-US" dirty="0" smtClean="0"/>
+              <a:t>”. We used it as values and IDs to use in the next step of the API.</a:t>
+            </a:r>
+            <a:endParaRPr lang="en-US" dirty="0"/>
+          </a:p>
+        </p:txBody>
+      </p:sp>
+      <p:pic>
+        <p:nvPicPr>
+          <p:cNvPr id="9" name="Picture 8"/>
+          <p:cNvPicPr>
+            <a:picLocks noChangeAspect="1"/>
+          </p:cNvPicPr>
           <p:nvPr/>
-        </p:nvSpPr>
-        <p:spPr>
-          <a:xfrm>
-            <a:off x="7232292" y="4745470"/>
-            <a:ext cx="582113" cy="723289"/>
-          </a:xfrm>
-          <a:prstGeom prst="roundRect">
+        </p:nvPicPr>
+        <p:blipFill rotWithShape="1">
+          <a:blip r:embed="rId3"/>
+          <a:srcRect l="4461" r="4667"/>
+          <a:stretch/>
+        </p:blipFill>
+        <p:spPr>
+          <a:xfrm>
+            <a:off x="4404089" y="4812921"/>
+            <a:ext cx="3695145" cy="635042"/>
+          </a:xfrm>
+          <a:prstGeom prst="rect">
             <a:avLst/>
           </a:prstGeom>
-          <a:noFill/>
-          <a:ln w="76200" cmpd="sng">
-            <a:solidFill>
-              <a:srgbClr val="800000"/>
-            </a:solidFill>
-          </a:ln>
-          <a:effectLst/>
-        </p:spPr>
-        <p:style>
-          <a:lnRef idx="1">
-            <a:schemeClr val="accent1"/>
-          </a:lnRef>
-          <a:fillRef idx="3">
-            <a:schemeClr val="accent1"/>
-          </a:fillRef>
-          <a:effectRef idx="2">
-            <a:schemeClr val="accent1"/>
-          </a:effectRef>
-          <a:fontRef idx="minor">
-            <a:schemeClr val="lt1"/>
-          </a:fontRef>
-        </p:style>
-        <p:txBody>
-          <a:bodyPr rtlCol="0" anchor="ctr"/>
-          <a:lstStyle/>
-          <a:p>
-            <a:pPr algn="ctr"/>
-            <a:endParaRPr lang="en-US"/>
-          </a:p>
-        </p:txBody>
-      </p:sp>
-      <p:cxnSp>
-        <p:nvCxnSpPr>
-          <p:cNvPr id="15" name="Straight Connector 14"/>
-          <p:cNvCxnSpPr/>
-          <p:nvPr/>
-        </p:nvCxnSpPr>
-        <p:spPr>
-          <a:xfrm>
-            <a:off x="811428" y="3281255"/>
-            <a:ext cx="917266" cy="0"/>
-          </a:xfrm>
-          <a:prstGeom prst="line">
-            <a:avLst/>
-          </a:prstGeom>
-          <a:ln>
-            <a:solidFill>
-              <a:srgbClr val="800000"/>
-            </a:solidFill>
-          </a:ln>
-        </p:spPr>
-        <p:style>
-          <a:lnRef idx="2">
-            <a:schemeClr val="accent1"/>
-          </a:lnRef>
-          <a:fillRef idx="0">
-            <a:schemeClr val="accent1"/>
-          </a:fillRef>
-          <a:effectRef idx="1">
-            <a:schemeClr val="accent1"/>
-          </a:effectRef>
-          <a:fontRef idx="minor">
-            <a:schemeClr val="tx1"/>
-          </a:fontRef>
-        </p:style>
-      </p:cxnSp>
-      <p:cxnSp>
-        <p:nvCxnSpPr>
-          <p:cNvPr id="16" name="Straight Connector 15"/>
-          <p:cNvCxnSpPr/>
-          <p:nvPr/>
-        </p:nvCxnSpPr>
-        <p:spPr>
-          <a:xfrm>
-            <a:off x="811428" y="4533777"/>
-            <a:ext cx="1569937" cy="0"/>
-          </a:xfrm>
-          <a:prstGeom prst="line">
-            <a:avLst/>
-          </a:prstGeom>
-          <a:ln>
-            <a:solidFill>
-              <a:srgbClr val="800000"/>
-            </a:solidFill>
-          </a:ln>
-        </p:spPr>
-        <p:style>
-          <a:lnRef idx="2">
-            <a:schemeClr val="accent1"/>
-          </a:lnRef>
-          <a:fillRef idx="0">
-            <a:schemeClr val="accent1"/>
-          </a:fillRef>
-          <a:effectRef idx="1">
-            <a:schemeClr val="accent1"/>
-          </a:effectRef>
-          <a:fontRef idx="minor">
-            <a:schemeClr val="tx1"/>
-          </a:fontRef>
-        </p:style>
-      </p:cxnSp>
-      <p:cxnSp>
-        <p:nvCxnSpPr>
-          <p:cNvPr id="17" name="Straight Connector 16"/>
-          <p:cNvCxnSpPr/>
-          <p:nvPr/>
-        </p:nvCxnSpPr>
-        <p:spPr>
-          <a:xfrm>
-            <a:off x="811428" y="4868960"/>
-            <a:ext cx="1711055" cy="0"/>
-          </a:xfrm>
-          <a:prstGeom prst="line">
-            <a:avLst/>
-          </a:prstGeom>
-          <a:ln>
-            <a:solidFill>
-              <a:srgbClr val="800000"/>
-            </a:solidFill>
-          </a:ln>
-        </p:spPr>
-        <p:style>
-          <a:lnRef idx="2">
-            <a:schemeClr val="accent1"/>
-          </a:lnRef>
-          <a:fillRef idx="0">
-            <a:schemeClr val="accent1"/>
-          </a:fillRef>
-          <a:effectRef idx="1">
-            <a:schemeClr val="accent1"/>
-          </a:effectRef>
-          <a:fontRef idx="minor">
-            <a:schemeClr val="tx1"/>
-          </a:fontRef>
-        </p:style>
-      </p:cxnSp>
-      <p:cxnSp>
-        <p:nvCxnSpPr>
-          <p:cNvPr id="18" name="Straight Connector 17"/>
-          <p:cNvCxnSpPr/>
-          <p:nvPr/>
-        </p:nvCxnSpPr>
-        <p:spPr>
-          <a:xfrm>
-            <a:off x="811428" y="5186500"/>
-            <a:ext cx="917266" cy="0"/>
-          </a:xfrm>
-          <a:prstGeom prst="line">
-            <a:avLst/>
-          </a:prstGeom>
-          <a:ln>
-            <a:solidFill>
-              <a:srgbClr val="800000"/>
-            </a:solidFill>
-          </a:ln>
-        </p:spPr>
-        <p:style>
-          <a:lnRef idx="2">
-            <a:schemeClr val="accent1"/>
-          </a:lnRef>
-          <a:fillRef idx="0">
-            <a:schemeClr val="accent1"/>
-          </a:fillRef>
-          <a:effectRef idx="1">
-            <a:schemeClr val="accent1"/>
-          </a:effectRef>
-          <a:fontRef idx="minor">
-            <a:schemeClr val="tx1"/>
-          </a:fontRef>
-        </p:style>
-      </p:cxnSp>
+        </p:spPr>
+      </p:pic>
     </p:spTree>
     <p:extLst>
       <p:ext uri="{BB962C8B-B14F-4D97-AF65-F5344CB8AC3E}">
-        <p14:creationId xmlns:p14="http://schemas.microsoft.com/office/powerpoint/2010/main" val="1677354309"/>
+        <p14:creationId xmlns:p14="http://schemas.microsoft.com/office/powerpoint/2010/main" val="1647471693"/>
       </p:ext>
     </p:extLst>
   </p:cSld>
@@ -9589,19 +9427,74 @@
             <p:ph type="title"/>
           </p:nvPr>
         </p:nvSpPr>
-        <p:spPr>
-          <a:xfrm>
-            <a:off x="457199" y="747284"/>
-            <a:ext cx="7391401" cy="1143000"/>
-          </a:xfrm>
-        </p:spPr>
+        <p:spPr/>
         <p:txBody>
           <a:bodyPr/>
           <a:lstStyle/>
           <a:p>
             <a:r>
               <a:rPr lang="en-US" dirty="0" smtClean="0"/>
-              <a:t>The “Headlines” Button</a:t>
+              <a:t>API #2 </a:t>
+            </a:r>
+            <a:r>
+              <a:rPr lang="mr-IN" dirty="0" smtClean="0"/>
+              <a:t>–</a:t>
+            </a:r>
+            <a:r>
+              <a:rPr lang="en-US" dirty="0" smtClean="0"/>
+              <a:t> New York Times</a:t>
+            </a:r>
+            <a:endParaRPr lang="en-US" dirty="0"/>
+          </a:p>
+        </p:txBody>
+      </p:sp>
+      <p:sp>
+        <p:nvSpPr>
+          <p:cNvPr id="3" name="Content Placeholder 2"/>
+          <p:cNvSpPr>
+            <a:spLocks noGrp="1"/>
+          </p:cNvSpPr>
+          <p:nvPr>
+            <p:ph sz="half" idx="1"/>
+          </p:nvPr>
+        </p:nvSpPr>
+        <p:spPr>
+          <a:xfrm>
+            <a:off x="4862318" y="2139077"/>
+            <a:ext cx="2986281" cy="4006135"/>
+          </a:xfrm>
+        </p:spPr>
+        <p:txBody>
+          <a:bodyPr>
+            <a:normAutofit/>
+          </a:bodyPr>
+          <a:lstStyle/>
+          <a:p>
+            <a:r>
+              <a:rPr lang="en-US" dirty="0" smtClean="0"/>
+              <a:t>Now that we built “</a:t>
+            </a:r>
+            <a:r>
+              <a:rPr lang="en-US" dirty="0" err="1" smtClean="0"/>
+              <a:t>nameID</a:t>
+            </a:r>
+            <a:r>
+              <a:rPr lang="en-US" dirty="0" smtClean="0"/>
+              <a:t>” the headlines button can register the value to search in the NYT-API.</a:t>
+            </a:r>
+          </a:p>
+          <a:p>
+            <a:r>
+              <a:rPr lang="en-US" dirty="0" smtClean="0"/>
+              <a:t>By placing the “Get” within the button clicked function, we activate the 2</a:t>
+            </a:r>
+            <a:r>
+              <a:rPr lang="en-US" baseline="30000" dirty="0" smtClean="0"/>
+              <a:t>nd</a:t>
+            </a:r>
+            <a:r>
+              <a:rPr lang="en-US" dirty="0" smtClean="0"/>
+              <a:t> API, and our page loads faster initially.</a:t>
             </a:r>
             <a:endParaRPr lang="en-US" dirty="0"/>
           </a:p>
@@ -9609,119 +9502,30 @@
       </p:sp>
       <p:pic>
         <p:nvPicPr>
-          <p:cNvPr id="6" name="Content Placeholder 5"/>
+          <p:cNvPr id="5" name="Content Placeholder 4"/>
           <p:cNvPicPr>
             <a:picLocks noGrp="1" noChangeAspect="1"/>
           </p:cNvPicPr>
           <p:nvPr>
-            <p:ph sz="half" idx="1"/>
+            <p:ph sz="half" idx="14"/>
           </p:nvPr>
         </p:nvPicPr>
         <p:blipFill rotWithShape="1">
           <a:blip r:embed="rId2"/>
-          <a:srcRect r="-450" b="-691"/>
+          <a:srcRect l="325"/>
           <a:stretch/>
         </p:blipFill>
         <p:spPr>
           <a:xfrm>
-            <a:off x="457200" y="2080867"/>
-            <a:ext cx="4434082" cy="2732054"/>
-          </a:xfrm>
-        </p:spPr>
-      </p:pic>
-      <p:pic>
-        <p:nvPicPr>
-          <p:cNvPr id="7" name="Content Placeholder 6"/>
-          <p:cNvPicPr>
-            <a:picLocks noGrp="1" noChangeAspect="1"/>
-          </p:cNvPicPr>
-          <p:nvPr>
-            <p:ph sz="half" idx="2"/>
-          </p:nvPr>
-        </p:nvPicPr>
-        <p:blipFill rotWithShape="1">
-          <a:blip r:embed="rId3"/>
-          <a:srcRect l="-2"/>
-          <a:stretch/>
-        </p:blipFill>
-        <p:spPr>
-          <a:xfrm>
-            <a:off x="5086016" y="2080866"/>
-            <a:ext cx="3013218" cy="2214207"/>
-          </a:xfrm>
-        </p:spPr>
-      </p:pic>
-      <p:sp>
-        <p:nvSpPr>
-          <p:cNvPr id="8" name="TextBox 7"/>
-          <p:cNvSpPr txBox="1"/>
-          <p:nvPr/>
-        </p:nvSpPr>
-        <p:spPr>
-          <a:xfrm>
-            <a:off x="457199" y="4929902"/>
-            <a:ext cx="7642035" cy="1200329"/>
-          </a:xfrm>
-          <a:prstGeom prst="rect">
-            <a:avLst/>
-          </a:prstGeom>
-          <a:noFill/>
-        </p:spPr>
-        <p:txBody>
-          <a:bodyPr wrap="square" rtlCol="0">
-            <a:spAutoFit/>
-          </a:bodyPr>
-          <a:lstStyle/>
-          <a:p>
-            <a:r>
-              <a:rPr lang="en-US" dirty="0" smtClean="0"/>
-              <a:t>The names had to be split; remove punctuation; replace spaces with hyphens; and, finally, join the name.</a:t>
-            </a:r>
-          </a:p>
-          <a:p>
-            <a:r>
-              <a:rPr lang="en-US" dirty="0" smtClean="0"/>
-              <a:t>This gave us “</a:t>
-            </a:r>
-            <a:r>
-              <a:rPr lang="en-US" dirty="0" err="1" smtClean="0"/>
-              <a:t>nameID</a:t>
-            </a:r>
-            <a:r>
-              <a:rPr lang="en-US" dirty="0" smtClean="0"/>
-              <a:t>”. We used it as values and IDs to use in the next step of the API.</a:t>
-            </a:r>
-            <a:endParaRPr lang="en-US" dirty="0"/>
-          </a:p>
-        </p:txBody>
-      </p:sp>
-      <p:pic>
-        <p:nvPicPr>
-          <p:cNvPr id="9" name="Picture 8"/>
-          <p:cNvPicPr>
-            <a:picLocks noChangeAspect="1"/>
-          </p:cNvPicPr>
-          <p:nvPr/>
-        </p:nvPicPr>
-        <p:blipFill rotWithShape="1">
-          <a:blip r:embed="rId4"/>
-          <a:srcRect l="4461" r="4667"/>
-          <a:stretch/>
-        </p:blipFill>
-        <p:spPr>
-          <a:xfrm>
-            <a:off x="5086016" y="4295074"/>
-            <a:ext cx="3013218" cy="517847"/>
-          </a:xfrm>
-          <a:prstGeom prst="rect">
-            <a:avLst/>
-          </a:prstGeom>
+            <a:off x="457200" y="2214563"/>
+            <a:ext cx="4087648" cy="3911600"/>
+          </a:xfrm>
         </p:spPr>
       </p:pic>
     </p:spTree>
     <p:extLst>
       <p:ext uri="{BB962C8B-B14F-4D97-AF65-F5344CB8AC3E}">
-        <p14:creationId xmlns:p14="http://schemas.microsoft.com/office/powerpoint/2010/main" val="1647471693"/>
+        <p14:creationId xmlns:p14="http://schemas.microsoft.com/office/powerpoint/2010/main" val="365485538"/>
       </p:ext>
     </p:extLst>
   </p:cSld>
@@ -9772,15 +9576,7 @@
           <a:p>
             <a:r>
               <a:rPr lang="en-US" dirty="0" smtClean="0"/>
-              <a:t>API #2 </a:t>
-            </a:r>
-            <a:r>
-              <a:rPr lang="mr-IN" dirty="0" smtClean="0"/>
-              <a:t>–</a:t>
-            </a:r>
-            <a:r>
-              <a:rPr lang="en-US" dirty="0" smtClean="0"/>
-              <a:t> New York Times</a:t>
+              <a:t>Remember: “Keep it clean”</a:t>
             </a:r>
             <a:endParaRPr lang="en-US" dirty="0"/>
           </a:p>
@@ -9788,51 +9584,65 @@
       </p:sp>
       <p:sp>
         <p:nvSpPr>
-          <p:cNvPr id="3" name="Content Placeholder 2"/>
-          <p:cNvSpPr>
-            <a:spLocks noGrp="1"/>
-          </p:cNvSpPr>
-          <p:nvPr>
-            <p:ph sz="half" idx="1"/>
-          </p:nvPr>
-        </p:nvSpPr>
-        <p:spPr>
-          <a:xfrm>
-            <a:off x="4282440" y="2139077"/>
-            <a:ext cx="3566160" cy="4006135"/>
+          <p:cNvPr id="4" name="Content Placeholder 3"/>
+          <p:cNvSpPr>
+            <a:spLocks noGrp="1"/>
+          </p:cNvSpPr>
+          <p:nvPr>
+            <p:ph sz="half" idx="13"/>
+          </p:nvPr>
+        </p:nvSpPr>
+        <p:spPr>
+          <a:xfrm>
+            <a:off x="4227377" y="4224973"/>
+            <a:ext cx="3830067" cy="1920240"/>
           </a:xfrm>
         </p:spPr>
         <p:txBody>
           <a:bodyPr>
-            <a:normAutofit/>
+            <a:normAutofit fontScale="92500" lnSpcReduction="20000"/>
           </a:bodyPr>
           <a:lstStyle/>
           <a:p>
-            <a:r>
-              <a:rPr lang="en-US" dirty="0" smtClean="0"/>
-              <a:t>Now that we built “</a:t>
-            </a:r>
-            <a:r>
-              <a:rPr lang="en-US" dirty="0" err="1" smtClean="0"/>
-              <a:t>nameID</a:t>
-            </a:r>
-            <a:r>
-              <a:rPr lang="en-US" dirty="0" smtClean="0"/>
-              <a:t>” the headlines button can register the value to search in the NYT-API.</a:t>
-            </a:r>
-          </a:p>
-          <a:p>
-            <a:r>
-              <a:rPr lang="en-US" dirty="0" smtClean="0"/>
-              <a:t>By placing the “Get” within the button clicked function, we activate the 2</a:t>
-            </a:r>
-            <a:r>
-              <a:rPr lang="en-US" baseline="30000" dirty="0" smtClean="0"/>
-              <a:t>nd</a:t>
-            </a:r>
-            <a:r>
-              <a:rPr lang="en-US" dirty="0" smtClean="0"/>
-              <a:t> API, and our page loads faster initially.</a:t>
+            <a:pPr marL="0" indent="0">
+              <a:lnSpc>
+                <a:spcPct val="120000"/>
+              </a:lnSpc>
+              <a:spcBef>
+                <a:spcPts val="1200"/>
+              </a:spcBef>
+              <a:buNone/>
+            </a:pPr>
+            <a:r>
+              <a:rPr lang="en-US" dirty="0" smtClean="0"/>
+              <a:t>To stay true to the “keep it clean” branding style, the headlines button can clear the headlines by just being clicked again</a:t>
+            </a:r>
+            <a:r>
+              <a:rPr lang="mr-IN" dirty="0" smtClean="0"/>
+              <a:t>…</a:t>
+            </a:r>
+            <a:r>
+              <a:rPr lang="en-US" dirty="0"/>
+              <a:t> </a:t>
+            </a:r>
+            <a:r>
+              <a:rPr lang="en-US" dirty="0" smtClean="0"/>
+              <a:t>but it took some code!</a:t>
+            </a:r>
+          </a:p>
+          <a:p>
+            <a:pPr marL="0" indent="0">
+              <a:lnSpc>
+                <a:spcPct val="120000"/>
+              </a:lnSpc>
+              <a:spcBef>
+                <a:spcPts val="1200"/>
+              </a:spcBef>
+              <a:buNone/>
+            </a:pPr>
+            <a:r>
+              <a:rPr lang="en-US" dirty="0" smtClean="0"/>
+              <a:t>Hidden or Displayed!</a:t>
             </a:r>
             <a:endParaRPr lang="en-US" dirty="0"/>
           </a:p>
@@ -9840,30 +9650,49 @@
       </p:sp>
       <p:pic>
         <p:nvPicPr>
-          <p:cNvPr id="7" name="Content Placeholder 6"/>
+          <p:cNvPr id="10" name="Content Placeholder 9"/>
           <p:cNvPicPr>
             <a:picLocks noGrp="1" noChangeAspect="1"/>
           </p:cNvPicPr>
           <p:nvPr>
+            <p:ph sz="half" idx="15"/>
+          </p:nvPr>
+        </p:nvPicPr>
+        <p:blipFill>
+          <a:blip r:embed="rId2"/>
+          <a:srcRect l="6645" r="6645"/>
+          <a:stretch>
+            <a:fillRect/>
+          </a:stretch>
+        </p:blipFill>
+        <p:spPr/>
+      </p:pic>
+      <p:pic>
+        <p:nvPicPr>
+          <p:cNvPr id="6" name="Content Placeholder 5"/>
+          <p:cNvPicPr>
+            <a:picLocks noGrp="1" noChangeAspect="1"/>
+          </p:cNvPicPr>
+          <p:nvPr>
             <p:ph sz="half" idx="14"/>
           </p:nvPr>
         </p:nvPicPr>
         <p:blipFill rotWithShape="1">
-          <a:blip r:embed="rId2"/>
-          <a:srcRect t="-470" b="933"/>
+          <a:blip r:embed="rId3"/>
+          <a:srcRect t="-1" b="26784"/>
           <a:stretch/>
         </p:blipFill>
         <p:spPr>
           <a:xfrm>
-            <a:off x="457200" y="2139078"/>
-            <a:ext cx="3566160" cy="4006135"/>
+            <a:off x="457199" y="2214562"/>
+            <a:ext cx="5407659" cy="1811459"/>
           </a:xfrm>
         </p:spPr>
       </p:pic>
     </p:spTree>
     <p:extLst>
       <p:ext uri="{BB962C8B-B14F-4D97-AF65-F5344CB8AC3E}">
-        <p14:creationId xmlns:p14="http://schemas.microsoft.com/office/powerpoint/2010/main" val="365485538"/>
+        <p14:creationId xmlns:p14="http://schemas.microsoft.com/office/powerpoint/2010/main" val="2437355112"/>
       </p:ext>
     </p:extLst>
   </p:cSld>
@@ -9899,165 +9728,573 @@
       </p:grpSpPr>
       <p:sp>
         <p:nvSpPr>
-          <p:cNvPr id="2" name="Title 1"/>
-          <p:cNvSpPr>
-            <a:spLocks noGrp="1"/>
-          </p:cNvSpPr>
-          <p:nvPr>
-            <p:ph type="title"/>
-          </p:nvPr>
-        </p:nvSpPr>
-        <p:spPr/>
-        <p:txBody>
-          <a:bodyPr/>
-          <a:lstStyle/>
-          <a:p>
-            <a:r>
-              <a:rPr lang="en-US" dirty="0" smtClean="0"/>
-              <a:t>Remember: “Keep it clean”</a:t>
-            </a:r>
-            <a:endParaRPr lang="en-US" dirty="0"/>
-          </a:p>
-        </p:txBody>
-      </p:sp>
-      <p:sp>
-        <p:nvSpPr>
-          <p:cNvPr id="4" name="Content Placeholder 3"/>
-          <p:cNvSpPr>
-            <a:spLocks noGrp="1"/>
-          </p:cNvSpPr>
-          <p:nvPr>
-            <p:ph sz="half" idx="13"/>
-          </p:nvPr>
-        </p:nvSpPr>
-        <p:spPr>
-          <a:xfrm>
-            <a:off x="3365217" y="5630333"/>
-            <a:ext cx="4692227" cy="1044222"/>
+          <p:cNvPr id="3" name="Text Placeholder 2"/>
+          <p:cNvSpPr>
+            <a:spLocks noGrp="1"/>
+          </p:cNvSpPr>
+          <p:nvPr>
+            <p:ph type="body" sz="half" idx="2"/>
+          </p:nvPr>
+        </p:nvSpPr>
+        <p:spPr>
+          <a:xfrm>
+            <a:off x="457199" y="2233078"/>
+            <a:ext cx="4093854" cy="3517940"/>
           </a:xfrm>
         </p:spPr>
         <p:txBody>
           <a:bodyPr>
-            <a:normAutofit fontScale="70000" lnSpcReduction="20000"/>
+            <a:normAutofit/>
           </a:bodyPr>
           <a:lstStyle/>
           <a:p>
-            <a:pPr marL="0" indent="0">
-              <a:lnSpc>
-                <a:spcPct val="120000"/>
-              </a:lnSpc>
-              <a:spcBef>
-                <a:spcPts val="1200"/>
-              </a:spcBef>
-              <a:buNone/>
+            <a:r>
+              <a:rPr lang="en-US" dirty="0" smtClean="0"/>
+              <a:t>9 Elements exist within each profile:</a:t>
+            </a:r>
+          </a:p>
+          <a:p>
+            <a:endParaRPr lang="en-US" sz="800" dirty="0" smtClean="0"/>
+          </a:p>
+          <a:p>
+            <a:pPr marL="342900" indent="-342900">
+              <a:buFont typeface="+mj-lt"/>
+              <a:buAutoNum type="arabicPeriod"/>
             </a:pPr>
             <a:r>
               <a:rPr lang="en-US" dirty="0" smtClean="0"/>
-              <a:t>To stay true to the “keep it clean” branding style, the headlines button can clear the headlines by just being clicked again</a:t>
-            </a:r>
-            <a:r>
-              <a:rPr lang="mr-IN" dirty="0" smtClean="0"/>
-              <a:t>…</a:t>
-            </a:r>
+              <a:t>The card</a:t>
+            </a:r>
+          </a:p>
+          <a:p>
+            <a:pPr marL="342900" indent="-342900">
+              <a:buFont typeface="+mj-lt"/>
+              <a:buAutoNum type="arabicPeriod"/>
+            </a:pPr>
             <a:r>
               <a:rPr lang="en-US" dirty="0"/>
-              <a:t> </a:t>
-            </a:r>
-            <a:r>
-              <a:rPr lang="en-US" dirty="0" smtClean="0"/>
-              <a:t>but it took some code!</a:t>
-            </a:r>
-          </a:p>
-          <a:p>
-            <a:pPr marL="0" indent="0">
-              <a:lnSpc>
-                <a:spcPct val="120000"/>
-              </a:lnSpc>
-              <a:spcBef>
-                <a:spcPts val="1200"/>
-              </a:spcBef>
-              <a:buNone/>
+              <a:t>A</a:t>
+            </a:r>
+            <a:r>
+              <a:rPr lang="en-US" dirty="0" smtClean="0"/>
+              <a:t> photo</a:t>
+            </a:r>
+          </a:p>
+          <a:p>
+            <a:pPr marL="342900" indent="-342900">
+              <a:buFont typeface="+mj-lt"/>
+              <a:buAutoNum type="arabicPeriod"/>
             </a:pPr>
             <a:r>
               <a:rPr lang="en-US" dirty="0" smtClean="0"/>
-              <a:t>True &amp; False!</a:t>
-            </a:r>
-            <a:endParaRPr lang="en-US" dirty="0"/>
+              <a:t>Their name</a:t>
+            </a:r>
+          </a:p>
+          <a:p>
+            <a:pPr marL="342900" indent="-342900">
+              <a:buFont typeface="+mj-lt"/>
+              <a:buAutoNum type="arabicPeriod"/>
+            </a:pPr>
+            <a:r>
+              <a:rPr lang="en-US" dirty="0" smtClean="0"/>
+              <a:t>Their office</a:t>
+            </a:r>
+          </a:p>
+          <a:p>
+            <a:pPr marL="342900" indent="-342900">
+              <a:buFont typeface="+mj-lt"/>
+              <a:buAutoNum type="arabicPeriod"/>
+            </a:pPr>
+            <a:r>
+              <a:rPr lang="en-US" dirty="0" smtClean="0"/>
+              <a:t>Their party</a:t>
+            </a:r>
+          </a:p>
+          <a:p>
+            <a:pPr marL="342900" indent="-342900">
+              <a:buFont typeface="+mj-lt"/>
+              <a:buAutoNum type="arabicPeriod"/>
+            </a:pPr>
+            <a:r>
+              <a:rPr lang="en-US" dirty="0" smtClean="0"/>
+              <a:t>Twitter handle</a:t>
+            </a:r>
+          </a:p>
+          <a:p>
+            <a:pPr marL="342900" indent="-342900">
+              <a:buFont typeface="+mj-lt"/>
+              <a:buAutoNum type="arabicPeriod"/>
+            </a:pPr>
+            <a:r>
+              <a:rPr lang="en-US" dirty="0" smtClean="0"/>
+              <a:t>Facebook page</a:t>
+            </a:r>
+          </a:p>
+          <a:p>
+            <a:pPr marL="342900" indent="-342900">
+              <a:buFont typeface="+mj-lt"/>
+              <a:buAutoNum type="arabicPeriod"/>
+            </a:pPr>
+            <a:r>
+              <a:rPr lang="en-US" dirty="0" smtClean="0"/>
+              <a:t>Website</a:t>
+            </a:r>
+          </a:p>
+          <a:p>
+            <a:pPr marL="342900" indent="-342900">
+              <a:buFont typeface="+mj-lt"/>
+              <a:buAutoNum type="arabicPeriod"/>
+            </a:pPr>
+            <a:r>
+              <a:rPr lang="en-US" dirty="0" smtClean="0"/>
+              <a:t>Related New York Times headlines</a:t>
+            </a:r>
           </a:p>
         </p:txBody>
       </p:sp>
       <p:pic>
         <p:nvPicPr>
-          <p:cNvPr id="8" name="Content Placeholder 7"/>
+          <p:cNvPr id="5" name="Picture Placeholder 4"/>
           <p:cNvPicPr>
             <a:picLocks noGrp="1" noChangeAspect="1"/>
           </p:cNvPicPr>
           <p:nvPr>
-            <p:ph sz="half" idx="15"/>
+            <p:ph type="pic" sz="quarter" idx="13"/>
           </p:nvPr>
         </p:nvPicPr>
         <p:blipFill rotWithShape="1">
-          <a:blip r:embed="rId2"/>
-          <a:srcRect l="9909" r="-463"/>
+          <a:blip r:embed="rId2">
+            <a:alphaModFix amt="52000"/>
+          </a:blip>
+          <a:srcRect b="-2110"/>
           <a:stretch/>
         </p:blipFill>
         <p:spPr>
           <a:xfrm>
-            <a:off x="457200" y="2214563"/>
-            <a:ext cx="2760133" cy="4403548"/>
+            <a:off x="4760258" y="990601"/>
+            <a:ext cx="4096512" cy="4724400"/>
           </a:xfrm>
         </p:spPr>
       </p:pic>
+      <p:cxnSp>
+        <p:nvCxnSpPr>
+          <p:cNvPr id="6" name="Straight Connector 5"/>
+          <p:cNvCxnSpPr/>
+          <p:nvPr/>
+        </p:nvCxnSpPr>
+        <p:spPr>
+          <a:xfrm>
+            <a:off x="811428" y="2946073"/>
+            <a:ext cx="1093664" cy="0"/>
+          </a:xfrm>
+          <a:prstGeom prst="line">
+            <a:avLst/>
+          </a:prstGeom>
+          <a:ln>
+            <a:solidFill>
+              <a:srgbClr val="800000"/>
+            </a:solidFill>
+          </a:ln>
+        </p:spPr>
+        <p:style>
+          <a:lnRef idx="2">
+            <a:schemeClr val="accent1"/>
+          </a:lnRef>
+          <a:fillRef idx="0">
+            <a:schemeClr val="accent1"/>
+          </a:fillRef>
+          <a:effectRef idx="1">
+            <a:schemeClr val="accent1"/>
+          </a:effectRef>
+          <a:fontRef idx="minor">
+            <a:schemeClr val="tx1"/>
+          </a:fontRef>
+        </p:style>
+      </p:cxnSp>
+      <p:cxnSp>
+        <p:nvCxnSpPr>
+          <p:cNvPr id="9" name="Straight Connector 8"/>
+          <p:cNvCxnSpPr/>
+          <p:nvPr/>
+        </p:nvCxnSpPr>
+        <p:spPr>
+          <a:xfrm>
+            <a:off x="811428" y="3581155"/>
+            <a:ext cx="1217142" cy="0"/>
+          </a:xfrm>
+          <a:prstGeom prst="line">
+            <a:avLst/>
+          </a:prstGeom>
+          <a:ln>
+            <a:solidFill>
+              <a:srgbClr val="800000"/>
+            </a:solidFill>
+          </a:ln>
+        </p:spPr>
+        <p:style>
+          <a:lnRef idx="2">
+            <a:schemeClr val="accent1"/>
+          </a:lnRef>
+          <a:fillRef idx="0">
+            <a:schemeClr val="accent1"/>
+          </a:fillRef>
+          <a:effectRef idx="1">
+            <a:schemeClr val="accent1"/>
+          </a:effectRef>
+          <a:fontRef idx="minor">
+            <a:schemeClr val="tx1"/>
+          </a:fontRef>
+        </p:style>
+      </p:cxnSp>
+      <p:cxnSp>
+        <p:nvCxnSpPr>
+          <p:cNvPr id="11" name="Straight Connector 10"/>
+          <p:cNvCxnSpPr/>
+          <p:nvPr/>
+        </p:nvCxnSpPr>
+        <p:spPr>
+          <a:xfrm>
+            <a:off x="811428" y="3898696"/>
+            <a:ext cx="1217142" cy="0"/>
+          </a:xfrm>
+          <a:prstGeom prst="line">
+            <a:avLst/>
+          </a:prstGeom>
+          <a:ln>
+            <a:solidFill>
+              <a:srgbClr val="800000"/>
+            </a:solidFill>
+          </a:ln>
+        </p:spPr>
+        <p:style>
+          <a:lnRef idx="2">
+            <a:schemeClr val="accent1"/>
+          </a:lnRef>
+          <a:fillRef idx="0">
+            <a:schemeClr val="accent1"/>
+          </a:fillRef>
+          <a:effectRef idx="1">
+            <a:schemeClr val="accent1"/>
+          </a:effectRef>
+          <a:fontRef idx="minor">
+            <a:schemeClr val="tx1"/>
+          </a:fontRef>
+        </p:style>
+      </p:cxnSp>
+      <p:cxnSp>
+        <p:nvCxnSpPr>
+          <p:cNvPr id="12" name="Straight Connector 11"/>
+          <p:cNvCxnSpPr/>
+          <p:nvPr/>
+        </p:nvCxnSpPr>
+        <p:spPr>
+          <a:xfrm>
+            <a:off x="811428" y="4216236"/>
+            <a:ext cx="1217142" cy="0"/>
+          </a:xfrm>
+          <a:prstGeom prst="line">
+            <a:avLst/>
+          </a:prstGeom>
+          <a:ln>
+            <a:solidFill>
+              <a:srgbClr val="800000"/>
+            </a:solidFill>
+          </a:ln>
+        </p:spPr>
+        <p:style>
+          <a:lnRef idx="2">
+            <a:schemeClr val="accent1"/>
+          </a:lnRef>
+          <a:fillRef idx="0">
+            <a:schemeClr val="accent1"/>
+          </a:fillRef>
+          <a:effectRef idx="1">
+            <a:schemeClr val="accent1"/>
+          </a:effectRef>
+          <a:fontRef idx="minor">
+            <a:schemeClr val="tx1"/>
+          </a:fontRef>
+        </p:style>
+      </p:cxnSp>
+      <p:sp>
+        <p:nvSpPr>
+          <p:cNvPr id="13" name="TextBox 12"/>
+          <p:cNvSpPr txBox="1"/>
+          <p:nvPr/>
+        </p:nvSpPr>
+        <p:spPr>
+          <a:xfrm>
+            <a:off x="425826" y="909639"/>
+            <a:ext cx="4125227" cy="707886"/>
+          </a:xfrm>
+          <a:prstGeom prst="rect">
+            <a:avLst/>
+          </a:prstGeom>
+          <a:noFill/>
+        </p:spPr>
+        <p:txBody>
+          <a:bodyPr wrap="square" rtlCol="0">
+            <a:spAutoFit/>
+          </a:bodyPr>
+          <a:lstStyle/>
+          <a:p>
+            <a:r>
+              <a:rPr lang="en-US" sz="4000" dirty="0" smtClean="0">
+                <a:solidFill>
+                  <a:srgbClr val="800000"/>
+                </a:solidFill>
+                <a:latin typeface="Caviar Dreams"/>
+                <a:cs typeface="Caviar Dreams"/>
+              </a:rPr>
+              <a:t>We did it!!!!</a:t>
+            </a:r>
+            <a:endParaRPr lang="en-US" sz="4000" dirty="0">
+              <a:solidFill>
+                <a:srgbClr val="800000"/>
+              </a:solidFill>
+              <a:latin typeface="Caviar Dreams"/>
+              <a:cs typeface="Caviar Dreams"/>
+            </a:endParaRPr>
+          </a:p>
+        </p:txBody>
+      </p:sp>
+      <p:cxnSp>
+        <p:nvCxnSpPr>
+          <p:cNvPr id="15" name="Straight Connector 14"/>
+          <p:cNvCxnSpPr/>
+          <p:nvPr/>
+        </p:nvCxnSpPr>
+        <p:spPr>
+          <a:xfrm>
+            <a:off x="811428" y="3281255"/>
+            <a:ext cx="917266" cy="0"/>
+          </a:xfrm>
+          <a:prstGeom prst="line">
+            <a:avLst/>
+          </a:prstGeom>
+          <a:ln>
+            <a:solidFill>
+              <a:srgbClr val="800000"/>
+            </a:solidFill>
+          </a:ln>
+        </p:spPr>
+        <p:style>
+          <a:lnRef idx="2">
+            <a:schemeClr val="accent1"/>
+          </a:lnRef>
+          <a:fillRef idx="0">
+            <a:schemeClr val="accent1"/>
+          </a:fillRef>
+          <a:effectRef idx="1">
+            <a:schemeClr val="accent1"/>
+          </a:effectRef>
+          <a:fontRef idx="minor">
+            <a:schemeClr val="tx1"/>
+          </a:fontRef>
+        </p:style>
+      </p:cxnSp>
+      <p:cxnSp>
+        <p:nvCxnSpPr>
+          <p:cNvPr id="16" name="Straight Connector 15"/>
+          <p:cNvCxnSpPr/>
+          <p:nvPr/>
+        </p:nvCxnSpPr>
+        <p:spPr>
+          <a:xfrm>
+            <a:off x="811428" y="4533777"/>
+            <a:ext cx="1569937" cy="0"/>
+          </a:xfrm>
+          <a:prstGeom prst="line">
+            <a:avLst/>
+          </a:prstGeom>
+          <a:ln>
+            <a:solidFill>
+              <a:srgbClr val="800000"/>
+            </a:solidFill>
+          </a:ln>
+        </p:spPr>
+        <p:style>
+          <a:lnRef idx="2">
+            <a:schemeClr val="accent1"/>
+          </a:lnRef>
+          <a:fillRef idx="0">
+            <a:schemeClr val="accent1"/>
+          </a:fillRef>
+          <a:effectRef idx="1">
+            <a:schemeClr val="accent1"/>
+          </a:effectRef>
+          <a:fontRef idx="minor">
+            <a:schemeClr val="tx1"/>
+          </a:fontRef>
+        </p:style>
+      </p:cxnSp>
+      <p:cxnSp>
+        <p:nvCxnSpPr>
+          <p:cNvPr id="17" name="Straight Connector 16"/>
+          <p:cNvCxnSpPr/>
+          <p:nvPr/>
+        </p:nvCxnSpPr>
+        <p:spPr>
+          <a:xfrm>
+            <a:off x="811428" y="4868960"/>
+            <a:ext cx="1711055" cy="0"/>
+          </a:xfrm>
+          <a:prstGeom prst="line">
+            <a:avLst/>
+          </a:prstGeom>
+          <a:ln>
+            <a:solidFill>
+              <a:srgbClr val="800000"/>
+            </a:solidFill>
+          </a:ln>
+        </p:spPr>
+        <p:style>
+          <a:lnRef idx="2">
+            <a:schemeClr val="accent1"/>
+          </a:lnRef>
+          <a:fillRef idx="0">
+            <a:schemeClr val="accent1"/>
+          </a:fillRef>
+          <a:effectRef idx="1">
+            <a:schemeClr val="accent1"/>
+          </a:effectRef>
+          <a:fontRef idx="minor">
+            <a:schemeClr val="tx1"/>
+          </a:fontRef>
+        </p:style>
+      </p:cxnSp>
+      <p:cxnSp>
+        <p:nvCxnSpPr>
+          <p:cNvPr id="18" name="Straight Connector 17"/>
+          <p:cNvCxnSpPr/>
+          <p:nvPr/>
+        </p:nvCxnSpPr>
+        <p:spPr>
+          <a:xfrm>
+            <a:off x="811428" y="5186500"/>
+            <a:ext cx="917266" cy="0"/>
+          </a:xfrm>
+          <a:prstGeom prst="line">
+            <a:avLst/>
+          </a:prstGeom>
+          <a:ln>
+            <a:solidFill>
+              <a:srgbClr val="800000"/>
+            </a:solidFill>
+          </a:ln>
+        </p:spPr>
+        <p:style>
+          <a:lnRef idx="2">
+            <a:schemeClr val="accent1"/>
+          </a:lnRef>
+          <a:fillRef idx="0">
+            <a:schemeClr val="accent1"/>
+          </a:fillRef>
+          <a:effectRef idx="1">
+            <a:schemeClr val="accent1"/>
+          </a:effectRef>
+          <a:fontRef idx="minor">
+            <a:schemeClr val="tx1"/>
+          </a:fontRef>
+        </p:style>
+      </p:cxnSp>
       <p:pic>
         <p:nvPicPr>
-          <p:cNvPr id="9" name="Picture 8"/>
+          <p:cNvPr id="19" name="Picture 18" descr="6e633a235ea0d523078e667b9f84f15b-blue-check-mark-by-vexels.png"/>
           <p:cNvPicPr>
             <a:picLocks noChangeAspect="1"/>
           </p:cNvPicPr>
           <p:nvPr/>
         </p:nvPicPr>
         <p:blipFill>
-          <a:blip r:embed="rId3"/>
+          <a:blip r:embed="rId3">
+            <a:extLst>
+              <a:ext uri="{28A0092B-C50C-407E-A947-70E740481C1C}">
+                <a14:useLocalDpi xmlns:a14="http://schemas.microsoft.com/office/drawing/2010/main" val="0"/>
+              </a:ext>
+            </a:extLst>
+          </a:blip>
           <a:stretch>
             <a:fillRect/>
           </a:stretch>
         </p:blipFill>
         <p:spPr>
           <a:xfrm>
-            <a:off x="4007556" y="3923775"/>
-            <a:ext cx="3918764" cy="1715728"/>
+            <a:off x="3184604" y="829083"/>
+            <a:ext cx="4803031" cy="4803031"/>
           </a:xfrm>
           <a:prstGeom prst="rect">
             <a:avLst/>
           </a:prstGeom>
         </p:spPr>
       </p:pic>
-      <p:pic>
-        <p:nvPicPr>
-          <p:cNvPr id="7" name="Content Placeholder 6"/>
-          <p:cNvPicPr>
-            <a:picLocks noGrp="1" noChangeAspect="1"/>
-          </p:cNvPicPr>
-          <p:nvPr>
-            <p:ph sz="half" idx="14"/>
-          </p:nvPr>
-        </p:nvPicPr>
-        <p:blipFill rotWithShape="1">
-          <a:blip r:embed="rId4"/>
-          <a:srcRect l="3991" r="341" b="2726"/>
-          <a:stretch/>
-        </p:blipFill>
-        <p:spPr>
-          <a:xfrm>
-            <a:off x="3365216" y="2214562"/>
-            <a:ext cx="4199037" cy="1778882"/>
-          </a:xfrm>
-        </p:spPr>
-      </p:pic>
+      <p:cxnSp>
+        <p:nvCxnSpPr>
+          <p:cNvPr id="20" name="Straight Connector 19"/>
+          <p:cNvCxnSpPr/>
+          <p:nvPr/>
+        </p:nvCxnSpPr>
+        <p:spPr>
+          <a:xfrm>
+            <a:off x="811428" y="5504703"/>
+            <a:ext cx="3464239" cy="0"/>
+          </a:xfrm>
+          <a:prstGeom prst="line">
+            <a:avLst/>
+          </a:prstGeom>
+          <a:ln>
+            <a:solidFill>
+              <a:srgbClr val="800000"/>
+            </a:solidFill>
+          </a:ln>
+        </p:spPr>
+        <p:style>
+          <a:lnRef idx="2">
+            <a:schemeClr val="accent1"/>
+          </a:lnRef>
+          <a:fillRef idx="0">
+            <a:schemeClr val="accent1"/>
+          </a:fillRef>
+          <a:effectRef idx="1">
+            <a:schemeClr val="accent1"/>
+          </a:effectRef>
+          <a:fontRef idx="minor">
+            <a:schemeClr val="tx1"/>
+          </a:fontRef>
+        </p:style>
+      </p:cxnSp>
+      <p:sp>
+        <p:nvSpPr>
+          <p:cNvPr id="7" name="Title 6"/>
+          <p:cNvSpPr>
+            <a:spLocks noGrp="1"/>
+          </p:cNvSpPr>
+          <p:nvPr>
+            <p:ph type="title"/>
+          </p:nvPr>
+        </p:nvSpPr>
+        <p:spPr>
+          <a:xfrm>
+            <a:off x="457199" y="1411110"/>
+            <a:ext cx="3566160" cy="619395"/>
+          </a:xfrm>
+        </p:spPr>
+        <p:txBody>
+          <a:bodyPr/>
+          <a:lstStyle/>
+          <a:p>
+            <a:r>
+              <a:rPr lang="en-US" dirty="0" smtClean="0"/>
+              <a:t>Clean &amp; simple</a:t>
+            </a:r>
+            <a:endParaRPr lang="en-US" dirty="0"/>
+          </a:p>
+        </p:txBody>
+      </p:sp>
     </p:spTree>
     <p:extLst>
       <p:ext uri="{BB962C8B-B14F-4D97-AF65-F5344CB8AC3E}">
-        <p14:creationId xmlns:p14="http://schemas.microsoft.com/office/powerpoint/2010/main" val="2437355112"/>
+        <p14:creationId xmlns:p14="http://schemas.microsoft.com/office/powerpoint/2010/main" val="1575592042"/>
       </p:ext>
     </p:extLst>
   </p:cSld>
@@ -10093,573 +10330,82 @@
       </p:grpSpPr>
       <p:sp>
         <p:nvSpPr>
-          <p:cNvPr id="3" name="Text Placeholder 2"/>
-          <p:cNvSpPr>
-            <a:spLocks noGrp="1"/>
-          </p:cNvSpPr>
-          <p:nvPr>
-            <p:ph type="body" sz="half" idx="2"/>
-          </p:nvPr>
-        </p:nvSpPr>
-        <p:spPr>
-          <a:xfrm>
-            <a:off x="457199" y="2233078"/>
-            <a:ext cx="4093854" cy="3517940"/>
-          </a:xfrm>
-        </p:spPr>
-        <p:txBody>
-          <a:bodyPr>
-            <a:normAutofit/>
-          </a:bodyPr>
-          <a:lstStyle/>
-          <a:p>
-            <a:r>
-              <a:rPr lang="en-US" dirty="0" smtClean="0"/>
-              <a:t>9 Elements exist within each profile:</a:t>
-            </a:r>
-          </a:p>
-          <a:p>
-            <a:endParaRPr lang="en-US" sz="800" dirty="0" smtClean="0"/>
-          </a:p>
-          <a:p>
-            <a:pPr marL="342900" indent="-342900">
-              <a:buFont typeface="+mj-lt"/>
-              <a:buAutoNum type="arabicPeriod"/>
-            </a:pPr>
-            <a:r>
-              <a:rPr lang="en-US" dirty="0" smtClean="0"/>
-              <a:t>The card</a:t>
-            </a:r>
-          </a:p>
-          <a:p>
-            <a:pPr marL="342900" indent="-342900">
-              <a:buFont typeface="+mj-lt"/>
-              <a:buAutoNum type="arabicPeriod"/>
-            </a:pPr>
-            <a:r>
-              <a:rPr lang="en-US" dirty="0"/>
-              <a:t>A</a:t>
-            </a:r>
-            <a:r>
-              <a:rPr lang="en-US" dirty="0" smtClean="0"/>
-              <a:t> photo</a:t>
-            </a:r>
-          </a:p>
-          <a:p>
-            <a:pPr marL="342900" indent="-342900">
-              <a:buFont typeface="+mj-lt"/>
-              <a:buAutoNum type="arabicPeriod"/>
-            </a:pPr>
-            <a:r>
-              <a:rPr lang="en-US" dirty="0" smtClean="0"/>
-              <a:t>Their name</a:t>
-            </a:r>
-          </a:p>
-          <a:p>
-            <a:pPr marL="342900" indent="-342900">
-              <a:buFont typeface="+mj-lt"/>
-              <a:buAutoNum type="arabicPeriod"/>
-            </a:pPr>
-            <a:r>
-              <a:rPr lang="en-US" dirty="0" smtClean="0"/>
-              <a:t>Their office</a:t>
-            </a:r>
-          </a:p>
-          <a:p>
-            <a:pPr marL="342900" indent="-342900">
-              <a:buFont typeface="+mj-lt"/>
-              <a:buAutoNum type="arabicPeriod"/>
-            </a:pPr>
-            <a:r>
-              <a:rPr lang="en-US" dirty="0" smtClean="0"/>
-              <a:t>Their party</a:t>
-            </a:r>
-          </a:p>
-          <a:p>
-            <a:pPr marL="342900" indent="-342900">
-              <a:buFont typeface="+mj-lt"/>
-              <a:buAutoNum type="arabicPeriod"/>
-            </a:pPr>
-            <a:r>
-              <a:rPr lang="en-US" dirty="0" smtClean="0"/>
-              <a:t>Twitter handle</a:t>
-            </a:r>
-          </a:p>
-          <a:p>
-            <a:pPr marL="342900" indent="-342900">
-              <a:buFont typeface="+mj-lt"/>
-              <a:buAutoNum type="arabicPeriod"/>
-            </a:pPr>
-            <a:r>
-              <a:rPr lang="en-US" dirty="0" smtClean="0"/>
-              <a:t>Facebook page</a:t>
-            </a:r>
-          </a:p>
-          <a:p>
-            <a:pPr marL="342900" indent="-342900">
-              <a:buFont typeface="+mj-lt"/>
-              <a:buAutoNum type="arabicPeriod"/>
-            </a:pPr>
-            <a:r>
-              <a:rPr lang="en-US" dirty="0" smtClean="0"/>
-              <a:t>Website</a:t>
-            </a:r>
-          </a:p>
-          <a:p>
-            <a:pPr marL="342900" indent="-342900">
-              <a:buFont typeface="+mj-lt"/>
-              <a:buAutoNum type="arabicPeriod"/>
-            </a:pPr>
-            <a:r>
-              <a:rPr lang="en-US" dirty="0" smtClean="0"/>
-              <a:t>Related New York Times headlines</a:t>
-            </a:r>
-          </a:p>
-        </p:txBody>
-      </p:sp>
-      <p:pic>
-        <p:nvPicPr>
-          <p:cNvPr id="5" name="Picture Placeholder 4"/>
-          <p:cNvPicPr>
-            <a:picLocks noGrp="1" noChangeAspect="1"/>
-          </p:cNvPicPr>
-          <p:nvPr>
-            <p:ph type="pic" sz="quarter" idx="13"/>
-          </p:nvPr>
-        </p:nvPicPr>
-        <p:blipFill rotWithShape="1">
-          <a:blip r:embed="rId2">
-            <a:alphaModFix amt="52000"/>
-          </a:blip>
-          <a:srcRect b="-2110"/>
-          <a:stretch/>
-        </p:blipFill>
-        <p:spPr>
-          <a:xfrm>
-            <a:off x="4760258" y="990601"/>
-            <a:ext cx="4096512" cy="4724400"/>
-          </a:xfrm>
-        </p:spPr>
-      </p:pic>
-      <p:cxnSp>
-        <p:nvCxnSpPr>
-          <p:cNvPr id="6" name="Straight Connector 5"/>
-          <p:cNvCxnSpPr/>
+          <p:cNvPr id="2" name="Title 1"/>
+          <p:cNvSpPr txBox="1">
+            <a:spLocks/>
+          </p:cNvSpPr>
           <p:nvPr/>
-        </p:nvCxnSpPr>
-        <p:spPr>
-          <a:xfrm>
-            <a:off x="811428" y="2946073"/>
-            <a:ext cx="1093664" cy="0"/>
-          </a:xfrm>
-          <a:prstGeom prst="line">
-            <a:avLst/>
-          </a:prstGeom>
-          <a:ln>
-            <a:solidFill>
-              <a:srgbClr val="800000"/>
-            </a:solidFill>
-          </a:ln>
-        </p:spPr>
-        <p:style>
-          <a:lnRef idx="2">
-            <a:schemeClr val="accent1"/>
-          </a:lnRef>
-          <a:fillRef idx="0">
-            <a:schemeClr val="accent1"/>
-          </a:fillRef>
-          <a:effectRef idx="1">
-            <a:schemeClr val="accent1"/>
-          </a:effectRef>
-          <a:fontRef idx="minor">
-            <a:schemeClr val="tx1"/>
-          </a:fontRef>
-        </p:style>
-      </p:cxnSp>
-      <p:cxnSp>
-        <p:nvCxnSpPr>
-          <p:cNvPr id="9" name="Straight Connector 8"/>
-          <p:cNvCxnSpPr/>
-          <p:nvPr/>
-        </p:nvCxnSpPr>
-        <p:spPr>
-          <a:xfrm>
-            <a:off x="811428" y="3581155"/>
-            <a:ext cx="1217142" cy="0"/>
-          </a:xfrm>
-          <a:prstGeom prst="line">
-            <a:avLst/>
-          </a:prstGeom>
-          <a:ln>
-            <a:solidFill>
-              <a:srgbClr val="800000"/>
-            </a:solidFill>
-          </a:ln>
-        </p:spPr>
-        <p:style>
-          <a:lnRef idx="2">
-            <a:schemeClr val="accent1"/>
-          </a:lnRef>
-          <a:fillRef idx="0">
-            <a:schemeClr val="accent1"/>
-          </a:fillRef>
-          <a:effectRef idx="1">
-            <a:schemeClr val="accent1"/>
-          </a:effectRef>
-          <a:fontRef idx="minor">
-            <a:schemeClr val="tx1"/>
-          </a:fontRef>
-        </p:style>
-      </p:cxnSp>
-      <p:cxnSp>
-        <p:nvCxnSpPr>
-          <p:cNvPr id="11" name="Straight Connector 10"/>
-          <p:cNvCxnSpPr/>
-          <p:nvPr/>
-        </p:nvCxnSpPr>
-        <p:spPr>
-          <a:xfrm>
-            <a:off x="811428" y="3898696"/>
-            <a:ext cx="1217142" cy="0"/>
-          </a:xfrm>
-          <a:prstGeom prst="line">
-            <a:avLst/>
-          </a:prstGeom>
-          <a:ln>
-            <a:solidFill>
-              <a:srgbClr val="800000"/>
-            </a:solidFill>
-          </a:ln>
-        </p:spPr>
-        <p:style>
-          <a:lnRef idx="2">
-            <a:schemeClr val="accent1"/>
-          </a:lnRef>
-          <a:fillRef idx="0">
-            <a:schemeClr val="accent1"/>
-          </a:fillRef>
-          <a:effectRef idx="1">
-            <a:schemeClr val="accent1"/>
-          </a:effectRef>
-          <a:fontRef idx="minor">
-            <a:schemeClr val="tx1"/>
-          </a:fontRef>
-        </p:style>
-      </p:cxnSp>
-      <p:cxnSp>
-        <p:nvCxnSpPr>
-          <p:cNvPr id="12" name="Straight Connector 11"/>
-          <p:cNvCxnSpPr/>
-          <p:nvPr/>
-        </p:nvCxnSpPr>
-        <p:spPr>
-          <a:xfrm>
-            <a:off x="811428" y="4216236"/>
-            <a:ext cx="1217142" cy="0"/>
-          </a:xfrm>
-          <a:prstGeom prst="line">
-            <a:avLst/>
-          </a:prstGeom>
-          <a:ln>
-            <a:solidFill>
-              <a:srgbClr val="800000"/>
-            </a:solidFill>
-          </a:ln>
-        </p:spPr>
-        <p:style>
-          <a:lnRef idx="2">
-            <a:schemeClr val="accent1"/>
-          </a:lnRef>
-          <a:fillRef idx="0">
-            <a:schemeClr val="accent1"/>
-          </a:fillRef>
-          <a:effectRef idx="1">
-            <a:schemeClr val="accent1"/>
-          </a:effectRef>
-          <a:fontRef idx="minor">
-            <a:schemeClr val="tx1"/>
-          </a:fontRef>
-        </p:style>
-      </p:cxnSp>
-      <p:sp>
-        <p:nvSpPr>
-          <p:cNvPr id="13" name="TextBox 12"/>
-          <p:cNvSpPr txBox="1"/>
-          <p:nvPr/>
-        </p:nvSpPr>
-        <p:spPr>
-          <a:xfrm>
-            <a:off x="425826" y="909639"/>
-            <a:ext cx="4125227" cy="707886"/>
+        </p:nvSpPr>
+        <p:spPr>
+          <a:xfrm>
+            <a:off x="458787" y="5660376"/>
+            <a:ext cx="7617153" cy="824672"/>
           </a:xfrm>
           <a:prstGeom prst="rect">
             <a:avLst/>
           </a:prstGeom>
-          <a:noFill/>
-        </p:spPr>
-        <p:txBody>
-          <a:bodyPr wrap="square" rtlCol="0">
-            <a:spAutoFit/>
-          </a:bodyPr>
-          <a:lstStyle/>
-          <a:p>
-            <a:r>
-              <a:rPr lang="en-US" sz="4000" dirty="0" smtClean="0">
+        </p:spPr>
+        <p:txBody>
+          <a:bodyPr/>
+          <a:lstStyle>
+            <a:lvl1pPr algn="l" defTabSz="914400" rtl="0" eaLnBrk="1" latinLnBrk="0" hangingPunct="1">
+              <a:spcBef>
+                <a:spcPct val="0"/>
+              </a:spcBef>
+              <a:buNone/>
+              <a:defRPr sz="3600" kern="1200">
                 <a:solidFill>
-                  <a:srgbClr val="800000"/>
+                  <a:schemeClr val="accent1"/>
                 </a:solidFill>
-                <a:latin typeface="Caviar Dreams"/>
-                <a:cs typeface="Caviar Dreams"/>
-              </a:rPr>
-              <a:t>We did it!!!!</a:t>
-            </a:r>
-            <a:endParaRPr lang="en-US" sz="4000" dirty="0">
-              <a:solidFill>
-                <a:srgbClr val="800000"/>
-              </a:solidFill>
-              <a:latin typeface="Caviar Dreams"/>
-              <a:cs typeface="Caviar Dreams"/>
-            </a:endParaRPr>
-          </a:p>
-        </p:txBody>
-      </p:sp>
-      <p:cxnSp>
-        <p:nvCxnSpPr>
-          <p:cNvPr id="15" name="Straight Connector 14"/>
-          <p:cNvCxnSpPr/>
-          <p:nvPr/>
-        </p:nvCxnSpPr>
-        <p:spPr>
-          <a:xfrm>
-            <a:off x="811428" y="3281255"/>
-            <a:ext cx="917266" cy="0"/>
-          </a:xfrm>
-          <a:prstGeom prst="line">
-            <a:avLst/>
-          </a:prstGeom>
-          <a:ln>
-            <a:solidFill>
-              <a:srgbClr val="800000"/>
-            </a:solidFill>
-          </a:ln>
-        </p:spPr>
-        <p:style>
-          <a:lnRef idx="2">
-            <a:schemeClr val="accent1"/>
-          </a:lnRef>
-          <a:fillRef idx="0">
-            <a:schemeClr val="accent1"/>
-          </a:fillRef>
-          <a:effectRef idx="1">
-            <a:schemeClr val="accent1"/>
-          </a:effectRef>
-          <a:fontRef idx="minor">
-            <a:schemeClr val="tx1"/>
-          </a:fontRef>
-        </p:style>
-      </p:cxnSp>
-      <p:cxnSp>
-        <p:nvCxnSpPr>
-          <p:cNvPr id="16" name="Straight Connector 15"/>
-          <p:cNvCxnSpPr/>
-          <p:nvPr/>
-        </p:nvCxnSpPr>
-        <p:spPr>
-          <a:xfrm>
-            <a:off x="811428" y="4533777"/>
-            <a:ext cx="1569937" cy="0"/>
-          </a:xfrm>
-          <a:prstGeom prst="line">
-            <a:avLst/>
-          </a:prstGeom>
-          <a:ln>
-            <a:solidFill>
-              <a:srgbClr val="800000"/>
-            </a:solidFill>
-          </a:ln>
-        </p:spPr>
-        <p:style>
-          <a:lnRef idx="2">
-            <a:schemeClr val="accent1"/>
-          </a:lnRef>
-          <a:fillRef idx="0">
-            <a:schemeClr val="accent1"/>
-          </a:fillRef>
-          <a:effectRef idx="1">
-            <a:schemeClr val="accent1"/>
-          </a:effectRef>
-          <a:fontRef idx="minor">
-            <a:schemeClr val="tx1"/>
-          </a:fontRef>
-        </p:style>
-      </p:cxnSp>
-      <p:cxnSp>
-        <p:nvCxnSpPr>
-          <p:cNvPr id="17" name="Straight Connector 16"/>
-          <p:cNvCxnSpPr/>
-          <p:nvPr/>
-        </p:nvCxnSpPr>
-        <p:spPr>
-          <a:xfrm>
-            <a:off x="811428" y="4868960"/>
-            <a:ext cx="1711055" cy="0"/>
-          </a:xfrm>
-          <a:prstGeom prst="line">
-            <a:avLst/>
-          </a:prstGeom>
-          <a:ln>
-            <a:solidFill>
-              <a:srgbClr val="800000"/>
-            </a:solidFill>
-          </a:ln>
-        </p:spPr>
-        <p:style>
-          <a:lnRef idx="2">
-            <a:schemeClr val="accent1"/>
-          </a:lnRef>
-          <a:fillRef idx="0">
-            <a:schemeClr val="accent1"/>
-          </a:fillRef>
-          <a:effectRef idx="1">
-            <a:schemeClr val="accent1"/>
-          </a:effectRef>
-          <a:fontRef idx="minor">
-            <a:schemeClr val="tx1"/>
-          </a:fontRef>
-        </p:style>
-      </p:cxnSp>
-      <p:cxnSp>
-        <p:nvCxnSpPr>
-          <p:cNvPr id="18" name="Straight Connector 17"/>
-          <p:cNvCxnSpPr/>
-          <p:nvPr/>
-        </p:nvCxnSpPr>
-        <p:spPr>
-          <a:xfrm>
-            <a:off x="811428" y="5186500"/>
-            <a:ext cx="917266" cy="0"/>
-          </a:xfrm>
-          <a:prstGeom prst="line">
-            <a:avLst/>
-          </a:prstGeom>
-          <a:ln>
-            <a:solidFill>
-              <a:srgbClr val="800000"/>
-            </a:solidFill>
-          </a:ln>
-        </p:spPr>
-        <p:style>
-          <a:lnRef idx="2">
-            <a:schemeClr val="accent1"/>
-          </a:lnRef>
-          <a:fillRef idx="0">
-            <a:schemeClr val="accent1"/>
-          </a:fillRef>
-          <a:effectRef idx="1">
-            <a:schemeClr val="accent1"/>
-          </a:effectRef>
-          <a:fontRef idx="minor">
-            <a:schemeClr val="tx1"/>
-          </a:fontRef>
-        </p:style>
-      </p:cxnSp>
+                <a:latin typeface="+mj-lt"/>
+                <a:ea typeface="+mj-ea"/>
+                <a:cs typeface="+mj-cs"/>
+              </a:defRPr>
+            </a:lvl1pPr>
+          </a:lstStyle>
+          <a:p>
+            <a:pPr algn="r"/>
+            <a:r>
+              <a:rPr lang="en-US" sz="6000" dirty="0" err="1" smtClean="0"/>
+              <a:t>Wanna</a:t>
+            </a:r>
+            <a:r>
+              <a:rPr lang="en-US" sz="6000" dirty="0" smtClean="0"/>
+              <a:t> see?</a:t>
+            </a:r>
+            <a:endParaRPr lang="en-US" sz="6000" dirty="0"/>
+          </a:p>
+        </p:txBody>
+      </p:sp>
       <p:pic>
         <p:nvPicPr>
-          <p:cNvPr id="19" name="Picture 18" descr="6e633a235ea0d523078e667b9f84f15b-blue-check-mark-by-vexels.png"/>
+          <p:cNvPr id="3" name="Picture Placeholder 4">
+            <a:hlinkClick r:id="rId2"/>
+          </p:cNvPr>
           <p:cNvPicPr>
             <a:picLocks noChangeAspect="1"/>
           </p:cNvPicPr>
           <p:nvPr/>
         </p:nvPicPr>
-        <p:blipFill>
-          <a:blip r:embed="rId3">
-            <a:extLst>
-              <a:ext uri="{28A0092B-C50C-407E-A947-70E740481C1C}">
-                <a14:useLocalDpi xmlns:a14="http://schemas.microsoft.com/office/drawing/2010/main" val="0"/>
-              </a:ext>
-            </a:extLst>
-          </a:blip>
-          <a:stretch>
-            <a:fillRect/>
-          </a:stretch>
+        <p:blipFill rotWithShape="1">
+          <a:blip r:embed="rId3"/>
+          <a:srcRect l="23274" r="23860"/>
+          <a:stretch/>
         </p:blipFill>
         <p:spPr>
           <a:xfrm>
-            <a:off x="3184604" y="829083"/>
-            <a:ext cx="4803031" cy="4803031"/>
+            <a:off x="2490596" y="268287"/>
+            <a:ext cx="5585345" cy="5353731"/>
           </a:xfrm>
           <a:prstGeom prst="rect">
             <a:avLst/>
           </a:prstGeom>
         </p:spPr>
       </p:pic>
-      <p:cxnSp>
-        <p:nvCxnSpPr>
-          <p:cNvPr id="20" name="Straight Connector 19"/>
-          <p:cNvCxnSpPr/>
-          <p:nvPr/>
-        </p:nvCxnSpPr>
-        <p:spPr>
-          <a:xfrm>
-            <a:off x="811428" y="5504703"/>
-            <a:ext cx="3464239" cy="0"/>
-          </a:xfrm>
-          <a:prstGeom prst="line">
-            <a:avLst/>
-          </a:prstGeom>
-          <a:ln>
-            <a:solidFill>
-              <a:srgbClr val="800000"/>
-            </a:solidFill>
-          </a:ln>
-        </p:spPr>
-        <p:style>
-          <a:lnRef idx="2">
-            <a:schemeClr val="accent1"/>
-          </a:lnRef>
-          <a:fillRef idx="0">
-            <a:schemeClr val="accent1"/>
-          </a:fillRef>
-          <a:effectRef idx="1">
-            <a:schemeClr val="accent1"/>
-          </a:effectRef>
-          <a:fontRef idx="minor">
-            <a:schemeClr val="tx1"/>
-          </a:fontRef>
-        </p:style>
-      </p:cxnSp>
-      <p:sp>
-        <p:nvSpPr>
-          <p:cNvPr id="7" name="Title 6"/>
-          <p:cNvSpPr>
-            <a:spLocks noGrp="1"/>
-          </p:cNvSpPr>
-          <p:nvPr>
-            <p:ph type="title"/>
-          </p:nvPr>
-        </p:nvSpPr>
-        <p:spPr>
-          <a:xfrm>
-            <a:off x="457199" y="1411110"/>
-            <a:ext cx="3566160" cy="619395"/>
-          </a:xfrm>
-        </p:spPr>
-        <p:txBody>
-          <a:bodyPr/>
-          <a:lstStyle/>
-          <a:p>
-            <a:r>
-              <a:rPr lang="en-US" dirty="0" smtClean="0"/>
-              <a:t>Clean &amp; simple</a:t>
-            </a:r>
-            <a:endParaRPr lang="en-US" dirty="0"/>
-          </a:p>
-        </p:txBody>
-      </p:sp>
     </p:spTree>
     <p:extLst>
       <p:ext uri="{BB962C8B-B14F-4D97-AF65-F5344CB8AC3E}">
-        <p14:creationId xmlns:p14="http://schemas.microsoft.com/office/powerpoint/2010/main" val="1575592042"/>
+        <p14:creationId xmlns:p14="http://schemas.microsoft.com/office/powerpoint/2010/main" val="1183468813"/>
       </p:ext>
     </p:extLst>
   </p:cSld>
@@ -10837,81 +10583,215 @@
       <p:sp>
         <p:nvSpPr>
           <p:cNvPr id="2" name="Title 1"/>
-          <p:cNvSpPr txBox="1">
-            <a:spLocks/>
-          </p:cNvSpPr>
-          <p:nvPr/>
-        </p:nvSpPr>
-        <p:spPr>
-          <a:xfrm>
-            <a:off x="458787" y="5660376"/>
-            <a:ext cx="7617153" cy="824672"/>
-          </a:xfrm>
-          <a:prstGeom prst="rect">
-            <a:avLst/>
-          </a:prstGeom>
+          <p:cNvSpPr>
+            <a:spLocks noGrp="1"/>
+          </p:cNvSpPr>
+          <p:nvPr>
+            <p:ph type="title"/>
+          </p:nvPr>
+        </p:nvSpPr>
+        <p:spPr>
+          <a:xfrm>
+            <a:off x="457199" y="345212"/>
+            <a:ext cx="7388352" cy="1539582"/>
+          </a:xfrm>
         </p:spPr>
         <p:txBody>
           <a:bodyPr/>
-          <a:lstStyle>
-            <a:lvl1pPr algn="l" defTabSz="914400" rtl="0" eaLnBrk="1" latinLnBrk="0" hangingPunct="1">
-              <a:spcBef>
-                <a:spcPct val="0"/>
-              </a:spcBef>
-              <a:buNone/>
-              <a:defRPr sz="3600" kern="1200">
+          <a:lstStyle/>
+          <a:p>
+            <a:r>
+              <a:rPr lang="en-US" sz="4400" dirty="0" smtClean="0">
                 <a:solidFill>
-                  <a:schemeClr val="accent1"/>
+                  <a:srgbClr val="800000"/>
                 </a:solidFill>
-                <a:latin typeface="+mj-lt"/>
-                <a:ea typeface="+mj-ea"/>
-                <a:cs typeface="+mj-cs"/>
-              </a:defRPr>
-            </a:lvl1pPr>
-          </a:lstStyle>
-          <a:p>
-            <a:pPr algn="r"/>
-            <a:r>
-              <a:rPr lang="en-US" sz="6000" dirty="0" err="1" smtClean="0"/>
-              <a:t>Wanna</a:t>
-            </a:r>
-            <a:r>
-              <a:rPr lang="en-US" sz="6000" dirty="0" smtClean="0"/>
-              <a:t> see?</a:t>
-            </a:r>
-            <a:endParaRPr lang="en-US" sz="6000" dirty="0"/>
+              </a:rPr>
+              <a:t>We know there is room to </a:t>
+            </a:r>
+            <a:r>
+              <a:rPr lang="en-US" sz="4400" b="1" spc="2000" dirty="0" smtClean="0">
+                <a:solidFill>
+                  <a:srgbClr val="0000FF"/>
+                </a:solidFill>
+              </a:rPr>
+              <a:t>EXPAND</a:t>
+            </a:r>
+            <a:r>
+              <a:rPr lang="en-US" sz="4400" dirty="0" smtClean="0">
+                <a:solidFill>
+                  <a:srgbClr val="800000"/>
+                </a:solidFill>
+              </a:rPr>
+              <a:t>!</a:t>
+            </a:r>
+            <a:endParaRPr lang="en-US" sz="4400" dirty="0">
+              <a:solidFill>
+                <a:srgbClr val="800000"/>
+              </a:solidFill>
+            </a:endParaRPr>
+          </a:p>
+        </p:txBody>
+      </p:sp>
+      <p:sp>
+        <p:nvSpPr>
+          <p:cNvPr id="3" name="Text Placeholder 2"/>
+          <p:cNvSpPr>
+            <a:spLocks noGrp="1"/>
+          </p:cNvSpPr>
+          <p:nvPr>
+            <p:ph type="body" idx="1"/>
+          </p:nvPr>
+        </p:nvSpPr>
+        <p:spPr>
+          <a:xfrm>
+            <a:off x="457200" y="1980158"/>
+            <a:ext cx="3566160" cy="522627"/>
+          </a:xfrm>
+        </p:spPr>
+        <p:txBody>
+          <a:bodyPr/>
+          <a:lstStyle/>
+          <a:p>
+            <a:r>
+              <a:rPr lang="en-US" dirty="0" smtClean="0">
+                <a:solidFill>
+                  <a:schemeClr val="accent4"/>
+                </a:solidFill>
+              </a:rPr>
+              <a:t>Search-ability</a:t>
+            </a:r>
+            <a:endParaRPr lang="en-US" dirty="0">
+              <a:solidFill>
+                <a:schemeClr val="accent4"/>
+              </a:solidFill>
+            </a:endParaRPr>
+          </a:p>
+        </p:txBody>
+      </p:sp>
+      <p:sp>
+        <p:nvSpPr>
+          <p:cNvPr id="4" name="Content Placeholder 3"/>
+          <p:cNvSpPr>
+            <a:spLocks noGrp="1"/>
+          </p:cNvSpPr>
+          <p:nvPr>
+            <p:ph sz="half" idx="2"/>
+          </p:nvPr>
+        </p:nvSpPr>
+        <p:spPr>
+          <a:xfrm>
+            <a:off x="457200" y="2615437"/>
+            <a:ext cx="3969156" cy="3436751"/>
+          </a:xfrm>
+        </p:spPr>
+        <p:txBody>
+          <a:bodyPr>
+            <a:normAutofit fontScale="77500" lnSpcReduction="20000"/>
+          </a:bodyPr>
+          <a:lstStyle/>
+          <a:p>
+            <a:r>
+              <a:rPr lang="en-US" dirty="0" smtClean="0"/>
+              <a:t>Create searches for special interest groups:</a:t>
+            </a:r>
+          </a:p>
+          <a:p>
+            <a:pPr lvl="1"/>
+            <a:r>
+              <a:rPr lang="en-US" dirty="0" smtClean="0"/>
+              <a:t>Form Letters</a:t>
+            </a:r>
+          </a:p>
+          <a:p>
+            <a:pPr lvl="1"/>
+            <a:r>
+              <a:rPr lang="en-US" dirty="0" smtClean="0"/>
+              <a:t>What to post, who to tag.</a:t>
+            </a:r>
+          </a:p>
+          <a:p>
+            <a:r>
+              <a:rPr lang="en-US" dirty="0" smtClean="0"/>
+              <a:t>Search by office, federal </a:t>
+            </a:r>
+            <a:r>
+              <a:rPr lang="en-US" dirty="0" err="1" smtClean="0"/>
+              <a:t>vs</a:t>
+            </a:r>
+            <a:r>
+              <a:rPr lang="en-US" dirty="0" smtClean="0"/>
+              <a:t> local, and other more specific queries.</a:t>
+            </a:r>
+          </a:p>
+          <a:p>
+            <a:r>
+              <a:rPr lang="en-US" dirty="0" smtClean="0"/>
+              <a:t>Create searches for upcoming elections:</a:t>
+            </a:r>
+          </a:p>
+          <a:p>
+            <a:pPr lvl="1"/>
+            <a:r>
+              <a:rPr lang="en-US" dirty="0" smtClean="0"/>
+              <a:t>Who is running?</a:t>
+            </a:r>
+          </a:p>
+          <a:p>
+            <a:pPr lvl="1"/>
+            <a:r>
+              <a:rPr lang="en-US" dirty="0" smtClean="0"/>
+              <a:t>Who is on the chopping block?</a:t>
+            </a:r>
+          </a:p>
+          <a:p>
+            <a:r>
+              <a:rPr lang="en-US" dirty="0" smtClean="0"/>
+              <a:t>Create user login </a:t>
+            </a:r>
+            <a:r>
+              <a:rPr lang="mr-IN" dirty="0" smtClean="0"/>
+              <a:t>–</a:t>
+            </a:r>
+            <a:endParaRPr lang="en-US" dirty="0" smtClean="0"/>
+          </a:p>
+          <a:p>
+            <a:pPr lvl="1"/>
+            <a:r>
+              <a:rPr lang="en-US" dirty="0" smtClean="0"/>
+              <a:t>Allow users to register their party and pull info based on that.</a:t>
+            </a:r>
+          </a:p>
+          <a:p>
+            <a:endParaRPr lang="en-US" dirty="0"/>
           </a:p>
         </p:txBody>
       </p:sp>
       <p:pic>
         <p:nvPicPr>
-          <p:cNvPr id="3" name="Picture Placeholder 4">
-            <a:hlinkClick r:id="rId2"/>
-          </p:cNvPr>
+          <p:cNvPr id="7" name="Picture Placeholder 4"/>
           <p:cNvPicPr>
-            <a:picLocks noChangeAspect="1"/>
+            <a:picLocks noGrp="1" noChangeAspect="1"/>
           </p:cNvPicPr>
-          <p:nvPr/>
+          <p:nvPr>
+            <p:ph sz="quarter" idx="4"/>
+          </p:nvPr>
         </p:nvPicPr>
         <p:blipFill rotWithShape="1">
-          <a:blip r:embed="rId3"/>
-          <a:srcRect l="23274" r="23860"/>
+          <a:blip r:embed="rId2"/>
+          <a:srcRect l="2980" r="2515" b="31302"/>
           <a:stretch/>
         </p:blipFill>
         <p:spPr>
           <a:xfrm>
-            <a:off x="2490596" y="268287"/>
-            <a:ext cx="5585345" cy="5353731"/>
-          </a:xfrm>
-          <a:prstGeom prst="rect">
-            <a:avLst/>
-          </a:prstGeom>
+            <a:off x="4526494" y="2183737"/>
+            <a:ext cx="3565525" cy="3734178"/>
+          </a:xfrm>
         </p:spPr>
       </p:pic>
     </p:spTree>
     <p:extLst>
       <p:ext uri="{BB962C8B-B14F-4D97-AF65-F5344CB8AC3E}">
-        <p14:creationId xmlns:p14="http://schemas.microsoft.com/office/powerpoint/2010/main" val="1183468813"/>
+        <p14:creationId xmlns:p14="http://schemas.microsoft.com/office/powerpoint/2010/main" val="2043718295"/>
       </p:ext>
     </p:extLst>
   </p:cSld>
@@ -10955,251 +10835,6 @@
             <p:ph type="title"/>
           </p:nvPr>
         </p:nvSpPr>
-        <p:spPr>
-          <a:xfrm>
-            <a:off x="457199" y="345212"/>
-            <a:ext cx="7388352" cy="1539582"/>
-          </a:xfrm>
-        </p:spPr>
-        <p:txBody>
-          <a:bodyPr/>
-          <a:lstStyle/>
-          <a:p>
-            <a:r>
-              <a:rPr lang="en-US" sz="4400" dirty="0" smtClean="0">
-                <a:solidFill>
-                  <a:srgbClr val="800000"/>
-                </a:solidFill>
-              </a:rPr>
-              <a:t>We know there is room to </a:t>
-            </a:r>
-            <a:r>
-              <a:rPr lang="en-US" sz="4400" b="1" spc="2000" dirty="0" smtClean="0">
-                <a:solidFill>
-                  <a:srgbClr val="0000FF"/>
-                </a:solidFill>
-              </a:rPr>
-              <a:t>EXPAND</a:t>
-            </a:r>
-            <a:r>
-              <a:rPr lang="en-US" sz="4400" dirty="0" smtClean="0">
-                <a:solidFill>
-                  <a:srgbClr val="800000"/>
-                </a:solidFill>
-              </a:rPr>
-              <a:t>!</a:t>
-            </a:r>
-            <a:endParaRPr lang="en-US" sz="4400" dirty="0">
-              <a:solidFill>
-                <a:srgbClr val="800000"/>
-              </a:solidFill>
-            </a:endParaRPr>
-          </a:p>
-        </p:txBody>
-      </p:sp>
-      <p:sp>
-        <p:nvSpPr>
-          <p:cNvPr id="3" name="Text Placeholder 2"/>
-          <p:cNvSpPr>
-            <a:spLocks noGrp="1"/>
-          </p:cNvSpPr>
-          <p:nvPr>
-            <p:ph type="body" idx="1"/>
-          </p:nvPr>
-        </p:nvSpPr>
-        <p:spPr>
-          <a:xfrm>
-            <a:off x="457200" y="1980158"/>
-            <a:ext cx="3566160" cy="522627"/>
-          </a:xfrm>
-        </p:spPr>
-        <p:txBody>
-          <a:bodyPr/>
-          <a:lstStyle/>
-          <a:p>
-            <a:r>
-              <a:rPr lang="en-US" dirty="0" smtClean="0">
-                <a:solidFill>
-                  <a:schemeClr val="accent4"/>
-                </a:solidFill>
-              </a:rPr>
-              <a:t>Search-ability</a:t>
-            </a:r>
-            <a:endParaRPr lang="en-US" dirty="0">
-              <a:solidFill>
-                <a:schemeClr val="accent4"/>
-              </a:solidFill>
-            </a:endParaRPr>
-          </a:p>
-        </p:txBody>
-      </p:sp>
-      <p:sp>
-        <p:nvSpPr>
-          <p:cNvPr id="4" name="Content Placeholder 3"/>
-          <p:cNvSpPr>
-            <a:spLocks noGrp="1"/>
-          </p:cNvSpPr>
-          <p:nvPr>
-            <p:ph sz="half" idx="2"/>
-          </p:nvPr>
-        </p:nvSpPr>
-        <p:spPr>
-          <a:xfrm>
-            <a:off x="457200" y="2615437"/>
-            <a:ext cx="3969156" cy="3436751"/>
-          </a:xfrm>
-        </p:spPr>
-        <p:txBody>
-          <a:bodyPr>
-            <a:normAutofit fontScale="77500" lnSpcReduction="20000"/>
-          </a:bodyPr>
-          <a:lstStyle/>
-          <a:p>
-            <a:r>
-              <a:rPr lang="en-US" dirty="0" smtClean="0"/>
-              <a:t>Create searches for special interest groups:</a:t>
-            </a:r>
-          </a:p>
-          <a:p>
-            <a:pPr lvl="1"/>
-            <a:r>
-              <a:rPr lang="en-US" dirty="0" smtClean="0"/>
-              <a:t>Form Letters</a:t>
-            </a:r>
-          </a:p>
-          <a:p>
-            <a:pPr lvl="1"/>
-            <a:r>
-              <a:rPr lang="en-US" dirty="0" smtClean="0"/>
-              <a:t>What to post, who to tag.</a:t>
-            </a:r>
-          </a:p>
-          <a:p>
-            <a:r>
-              <a:rPr lang="en-US" dirty="0" smtClean="0"/>
-              <a:t>Search by office, federal </a:t>
-            </a:r>
-            <a:r>
-              <a:rPr lang="en-US" dirty="0" err="1" smtClean="0"/>
-              <a:t>vs</a:t>
-            </a:r>
-            <a:r>
-              <a:rPr lang="en-US" dirty="0" smtClean="0"/>
-              <a:t> local, and other more specific queries.</a:t>
-            </a:r>
-          </a:p>
-          <a:p>
-            <a:r>
-              <a:rPr lang="en-US" dirty="0" smtClean="0"/>
-              <a:t>Create searches for upcoming elections:</a:t>
-            </a:r>
-          </a:p>
-          <a:p>
-            <a:pPr lvl="1"/>
-            <a:r>
-              <a:rPr lang="en-US" dirty="0" smtClean="0"/>
-              <a:t>Who is running?</a:t>
-            </a:r>
-          </a:p>
-          <a:p>
-            <a:pPr lvl="1"/>
-            <a:r>
-              <a:rPr lang="en-US" dirty="0" smtClean="0"/>
-              <a:t>Who is on the chopping block?</a:t>
-            </a:r>
-          </a:p>
-          <a:p>
-            <a:r>
-              <a:rPr lang="en-US" dirty="0" smtClean="0"/>
-              <a:t>Create user login </a:t>
-            </a:r>
-            <a:r>
-              <a:rPr lang="mr-IN" dirty="0" smtClean="0"/>
-              <a:t>–</a:t>
-            </a:r>
-            <a:endParaRPr lang="en-US" dirty="0" smtClean="0"/>
-          </a:p>
-          <a:p>
-            <a:pPr lvl="1"/>
-            <a:r>
-              <a:rPr lang="en-US" dirty="0" smtClean="0"/>
-              <a:t>Allow users to register their party and pull info based on that.</a:t>
-            </a:r>
-          </a:p>
-          <a:p>
-            <a:endParaRPr lang="en-US" dirty="0"/>
-          </a:p>
-        </p:txBody>
-      </p:sp>
-      <p:pic>
-        <p:nvPicPr>
-          <p:cNvPr id="7" name="Picture Placeholder 4"/>
-          <p:cNvPicPr>
-            <a:picLocks noGrp="1" noChangeAspect="1"/>
-          </p:cNvPicPr>
-          <p:nvPr>
-            <p:ph sz="quarter" idx="4"/>
-          </p:nvPr>
-        </p:nvPicPr>
-        <p:blipFill rotWithShape="1">
-          <a:blip r:embed="rId2"/>
-          <a:srcRect l="2980" r="2515" b="31302"/>
-          <a:stretch/>
-        </p:blipFill>
-        <p:spPr>
-          <a:xfrm>
-            <a:off x="4526494" y="2183737"/>
-            <a:ext cx="3565525" cy="3734178"/>
-          </a:xfrm>
-        </p:spPr>
-      </p:pic>
-    </p:spTree>
-    <p:extLst>
-      <p:ext uri="{BB962C8B-B14F-4D97-AF65-F5344CB8AC3E}">
-        <p14:creationId xmlns:p14="http://schemas.microsoft.com/office/powerpoint/2010/main" val="2043718295"/>
-      </p:ext>
-    </p:extLst>
-  </p:cSld>
-  <p:clrMapOvr>
-    <a:masterClrMapping/>
-  </p:clrMapOvr>
-  <p:timing>
-    <p:tnLst>
-      <p:par>
-        <p:cTn xmlns:p14="http://schemas.microsoft.com/office/powerpoint/2010/main" id="1" dur="indefinite" restart="never" nodeType="tmRoot"/>
-      </p:par>
-    </p:tnLst>
-  </p:timing>
-</p:sld>
-</file>
-
-<file path=ppt/slides/slide22.xml><?xml version="1.0" encoding="utf-8"?>
-<p:sld xmlns:a="http://schemas.openxmlformats.org/drawingml/2006/main" xmlns:r="http://schemas.openxmlformats.org/officeDocument/2006/relationships" xmlns:p="http://schemas.openxmlformats.org/presentationml/2006/main">
-  <p:cSld>
-    <p:spTree>
-      <p:nvGrpSpPr>
-        <p:cNvPr id="1" name=""/>
-        <p:cNvGrpSpPr/>
-        <p:nvPr/>
-      </p:nvGrpSpPr>
-      <p:grpSpPr>
-        <a:xfrm>
-          <a:off x="0" y="0"/>
-          <a:ext cx="0" cy="0"/>
-          <a:chOff x="0" y="0"/>
-          <a:chExt cx="0" cy="0"/>
-        </a:xfrm>
-      </p:grpSpPr>
-      <p:sp>
-        <p:nvSpPr>
-          <p:cNvPr id="2" name="Title 1"/>
-          <p:cNvSpPr>
-            <a:spLocks noGrp="1"/>
-          </p:cNvSpPr>
-          <p:nvPr>
-            <p:ph type="title"/>
-          </p:nvPr>
-        </p:nvSpPr>
         <p:spPr/>
         <p:txBody>
           <a:bodyPr/>
@@ -11276,7 +10911,7 @@
 </p:sld>
 </file>
 
-<file path=ppt/slides/slide23.xml><?xml version="1.0" encoding="utf-8"?>
+<file path=ppt/slides/slide22.xml><?xml version="1.0" encoding="utf-8"?>
 <p:sld xmlns:a="http://schemas.openxmlformats.org/drawingml/2006/main" xmlns:r="http://schemas.openxmlformats.org/officeDocument/2006/relationships" xmlns:p="http://schemas.openxmlformats.org/presentationml/2006/main">
   <p:cSld>
     <p:spTree>
@@ -12988,14 +12623,19 @@
             <p:ph type="title"/>
           </p:nvPr>
         </p:nvSpPr>
-        <p:spPr/>
+        <p:spPr>
+          <a:xfrm>
+            <a:off x="457199" y="1170759"/>
+            <a:ext cx="3566160" cy="1035424"/>
+          </a:xfrm>
+        </p:spPr>
         <p:txBody>
           <a:bodyPr/>
           <a:lstStyle/>
           <a:p>
             <a:r>
               <a:rPr lang="en-US" dirty="0" smtClean="0"/>
-              <a:t>Zip Codes are 5 numbers!</a:t>
+              <a:t>Creating the profile</a:t>
             </a:r>
             <a:endParaRPr lang="en-US" dirty="0"/>
           </a:p>
@@ -13003,18 +12643,18 @@
       </p:sp>
       <p:sp>
         <p:nvSpPr>
-          <p:cNvPr id="4" name="Content Placeholder 3"/>
-          <p:cNvSpPr>
-            <a:spLocks noGrp="1"/>
-          </p:cNvSpPr>
-          <p:nvPr>
-            <p:ph sz="half" idx="13"/>
-          </p:nvPr>
-        </p:nvSpPr>
-        <p:spPr>
-          <a:xfrm>
-            <a:off x="4282440" y="4611041"/>
-            <a:ext cx="3566160" cy="1534171"/>
+          <p:cNvPr id="3" name="Text Placeholder 2"/>
+          <p:cNvSpPr>
+            <a:spLocks noGrp="1"/>
+          </p:cNvSpPr>
+          <p:nvPr>
+            <p:ph type="body" sz="half" idx="2"/>
+          </p:nvPr>
+        </p:nvSpPr>
+        <p:spPr>
+          <a:xfrm>
+            <a:off x="457199" y="2233078"/>
+            <a:ext cx="4093854" cy="3517940"/>
           </a:xfrm>
         </p:spPr>
         <p:txBody>
@@ -13023,95 +12663,136 @@
           </a:bodyPr>
           <a:lstStyle/>
           <a:p>
-            <a:pPr marL="0" indent="0">
-              <a:buNone/>
+            <a:r>
+              <a:rPr lang="en-US" dirty="0" smtClean="0"/>
+              <a:t>9 Elements exist within each profile:</a:t>
+            </a:r>
+          </a:p>
+          <a:p>
+            <a:endParaRPr lang="en-US" sz="800" dirty="0" smtClean="0"/>
+          </a:p>
+          <a:p>
+            <a:pPr marL="342900" indent="-342900">
+              <a:buFont typeface="+mj-lt"/>
+              <a:buAutoNum type="arabicPeriod"/>
             </a:pPr>
             <a:r>
               <a:rPr lang="en-US" dirty="0" smtClean="0"/>
-              <a:t>Alerts are ugly!</a:t>
-            </a:r>
-          </a:p>
-          <a:p>
-            <a:pPr marL="0" indent="0">
-              <a:buNone/>
+              <a:t>The card</a:t>
+            </a:r>
+          </a:p>
+          <a:p>
+            <a:pPr marL="342900" indent="-342900">
+              <a:buFont typeface="+mj-lt"/>
+              <a:buAutoNum type="arabicPeriod"/>
             </a:pPr>
             <a:r>
-              <a:rPr lang="en-US" dirty="0" smtClean="0"/>
-              <a:t>We used a modal.</a:t>
-            </a:r>
-            <a:endParaRPr lang="en-US" dirty="0"/>
+              <a:rPr lang="en-US" dirty="0"/>
+              <a:t>A</a:t>
+            </a:r>
+            <a:r>
+              <a:rPr lang="en-US" dirty="0" smtClean="0"/>
+              <a:t> photo</a:t>
+            </a:r>
+          </a:p>
+          <a:p>
+            <a:pPr marL="342900" indent="-342900">
+              <a:buFont typeface="+mj-lt"/>
+              <a:buAutoNum type="arabicPeriod"/>
+            </a:pPr>
+            <a:r>
+              <a:rPr lang="en-US" dirty="0" smtClean="0"/>
+              <a:t>Their name</a:t>
+            </a:r>
+          </a:p>
+          <a:p>
+            <a:pPr marL="342900" indent="-342900">
+              <a:buFont typeface="+mj-lt"/>
+              <a:buAutoNum type="arabicPeriod"/>
+            </a:pPr>
+            <a:r>
+              <a:rPr lang="en-US" dirty="0" smtClean="0"/>
+              <a:t>Their office</a:t>
+            </a:r>
+          </a:p>
+          <a:p>
+            <a:pPr marL="342900" indent="-342900">
+              <a:buFont typeface="+mj-lt"/>
+              <a:buAutoNum type="arabicPeriod"/>
+            </a:pPr>
+            <a:r>
+              <a:rPr lang="en-US" dirty="0" smtClean="0"/>
+              <a:t>Their party</a:t>
+            </a:r>
+          </a:p>
+          <a:p>
+            <a:pPr marL="342900" indent="-342900">
+              <a:buFont typeface="+mj-lt"/>
+              <a:buAutoNum type="arabicPeriod"/>
+            </a:pPr>
+            <a:r>
+              <a:rPr lang="en-US" dirty="0" smtClean="0"/>
+              <a:t>Twitter handle</a:t>
+            </a:r>
+          </a:p>
+          <a:p>
+            <a:pPr marL="342900" indent="-342900">
+              <a:buFont typeface="+mj-lt"/>
+              <a:buAutoNum type="arabicPeriod"/>
+            </a:pPr>
+            <a:r>
+              <a:rPr lang="en-US" dirty="0" smtClean="0"/>
+              <a:t>Facebook page</a:t>
+            </a:r>
+          </a:p>
+          <a:p>
+            <a:pPr marL="342900" indent="-342900">
+              <a:buFont typeface="+mj-lt"/>
+              <a:buAutoNum type="arabicPeriod"/>
+            </a:pPr>
+            <a:r>
+              <a:rPr lang="en-US" dirty="0" smtClean="0"/>
+              <a:t>Website</a:t>
+            </a:r>
+          </a:p>
+          <a:p>
+            <a:pPr marL="342900" indent="-342900">
+              <a:buFont typeface="+mj-lt"/>
+              <a:buAutoNum type="arabicPeriod"/>
+            </a:pPr>
+            <a:r>
+              <a:rPr lang="en-US" dirty="0" smtClean="0"/>
+              <a:t>Related New York Times headlines</a:t>
+            </a:r>
           </a:p>
         </p:txBody>
       </p:sp>
       <p:pic>
         <p:nvPicPr>
-          <p:cNvPr id="6" name="Content Placeholder 5"/>
+          <p:cNvPr id="5" name="Picture Placeholder 4"/>
           <p:cNvPicPr>
             <a:picLocks noGrp="1" noChangeAspect="1"/>
           </p:cNvPicPr>
           <p:nvPr>
-            <p:ph sz="half" idx="14"/>
-          </p:nvPr>
-        </p:nvPicPr>
-        <p:blipFill>
-          <a:blip r:embed="rId2"/>
-          <a:srcRect l="1659" r="1659"/>
-          <a:stretch>
-            <a:fillRect/>
-          </a:stretch>
-        </p:blipFill>
-        <p:spPr/>
-      </p:pic>
-      <p:pic>
-        <p:nvPicPr>
-          <p:cNvPr id="8" name="Picture 7"/>
-          <p:cNvPicPr>
-            <a:picLocks noChangeAspect="1"/>
-          </p:cNvPicPr>
-          <p:nvPr/>
-        </p:nvPicPr>
-        <p:blipFill>
-          <a:blip r:embed="rId3"/>
-          <a:stretch>
-            <a:fillRect/>
-          </a:stretch>
-        </p:blipFill>
-        <p:spPr>
-          <a:xfrm>
-            <a:off x="1713826" y="3761376"/>
-            <a:ext cx="2309535" cy="2364787"/>
-          </a:xfrm>
-          <a:prstGeom prst="rect">
-            <a:avLst/>
-          </a:prstGeom>
-        </p:spPr>
-      </p:pic>
-      <p:pic>
-        <p:nvPicPr>
-          <p:cNvPr id="10" name="Content Placeholder 9"/>
-          <p:cNvPicPr>
-            <a:picLocks noGrp="1" noChangeAspect="1"/>
-          </p:cNvPicPr>
-          <p:nvPr>
-            <p:ph sz="half" idx="1"/>
+            <p:ph type="pic" sz="quarter" idx="13"/>
           </p:nvPr>
         </p:nvPicPr>
         <p:blipFill rotWithShape="1">
-          <a:blip r:embed="rId4"/>
-          <a:srcRect r="1801"/>
+          <a:blip r:embed="rId2"/>
+          <a:srcRect b="-2110"/>
           <a:stretch/>
         </p:blipFill>
         <p:spPr>
           <a:xfrm>
-            <a:off x="4282440" y="2214562"/>
-            <a:ext cx="3566160" cy="2396480"/>
+            <a:off x="4760258" y="990601"/>
+            <a:ext cx="4096512" cy="4724400"/>
           </a:xfrm>
         </p:spPr>
       </p:pic>
     </p:spTree>
     <p:extLst>
       <p:ext uri="{BB962C8B-B14F-4D97-AF65-F5344CB8AC3E}">
-        <p14:creationId xmlns:p14="http://schemas.microsoft.com/office/powerpoint/2010/main" val="3469393913"/>
+        <p14:creationId xmlns:p14="http://schemas.microsoft.com/office/powerpoint/2010/main" val="1390534384"/>
       </p:ext>
     </p:extLst>
   </p:cSld>
@@ -13157,219 +12838,6 @@
         </p:nvSpPr>
         <p:spPr>
           <a:xfrm>
-            <a:off x="457199" y="1170759"/>
-            <a:ext cx="3566160" cy="1035424"/>
-          </a:xfrm>
-        </p:spPr>
-        <p:txBody>
-          <a:bodyPr/>
-          <a:lstStyle/>
-          <a:p>
-            <a:r>
-              <a:rPr lang="en-US" dirty="0" smtClean="0"/>
-              <a:t>Creating the profile</a:t>
-            </a:r>
-            <a:endParaRPr lang="en-US" dirty="0"/>
-          </a:p>
-        </p:txBody>
-      </p:sp>
-      <p:sp>
-        <p:nvSpPr>
-          <p:cNvPr id="3" name="Text Placeholder 2"/>
-          <p:cNvSpPr>
-            <a:spLocks noGrp="1"/>
-          </p:cNvSpPr>
-          <p:nvPr>
-            <p:ph type="body" sz="half" idx="2"/>
-          </p:nvPr>
-        </p:nvSpPr>
-        <p:spPr>
-          <a:xfrm>
-            <a:off x="457199" y="2233078"/>
-            <a:ext cx="4093854" cy="3517940"/>
-          </a:xfrm>
-        </p:spPr>
-        <p:txBody>
-          <a:bodyPr>
-            <a:normAutofit/>
-          </a:bodyPr>
-          <a:lstStyle/>
-          <a:p>
-            <a:r>
-              <a:rPr lang="en-US" dirty="0" smtClean="0"/>
-              <a:t>9 Elements exist within each profile:</a:t>
-            </a:r>
-          </a:p>
-          <a:p>
-            <a:endParaRPr lang="en-US" sz="800" dirty="0" smtClean="0"/>
-          </a:p>
-          <a:p>
-            <a:pPr marL="342900" indent="-342900">
-              <a:buFont typeface="+mj-lt"/>
-              <a:buAutoNum type="arabicPeriod"/>
-            </a:pPr>
-            <a:r>
-              <a:rPr lang="en-US" dirty="0" smtClean="0"/>
-              <a:t>The card</a:t>
-            </a:r>
-          </a:p>
-          <a:p>
-            <a:pPr marL="342900" indent="-342900">
-              <a:buFont typeface="+mj-lt"/>
-              <a:buAutoNum type="arabicPeriod"/>
-            </a:pPr>
-            <a:r>
-              <a:rPr lang="en-US" dirty="0"/>
-              <a:t>A</a:t>
-            </a:r>
-            <a:r>
-              <a:rPr lang="en-US" dirty="0" smtClean="0"/>
-              <a:t> photo</a:t>
-            </a:r>
-          </a:p>
-          <a:p>
-            <a:pPr marL="342900" indent="-342900">
-              <a:buFont typeface="+mj-lt"/>
-              <a:buAutoNum type="arabicPeriod"/>
-            </a:pPr>
-            <a:r>
-              <a:rPr lang="en-US" dirty="0" smtClean="0"/>
-              <a:t>Their name</a:t>
-            </a:r>
-          </a:p>
-          <a:p>
-            <a:pPr marL="342900" indent="-342900">
-              <a:buFont typeface="+mj-lt"/>
-              <a:buAutoNum type="arabicPeriod"/>
-            </a:pPr>
-            <a:r>
-              <a:rPr lang="en-US" dirty="0" smtClean="0"/>
-              <a:t>Their office</a:t>
-            </a:r>
-          </a:p>
-          <a:p>
-            <a:pPr marL="342900" indent="-342900">
-              <a:buFont typeface="+mj-lt"/>
-              <a:buAutoNum type="arabicPeriod"/>
-            </a:pPr>
-            <a:r>
-              <a:rPr lang="en-US" dirty="0" smtClean="0"/>
-              <a:t>Their party</a:t>
-            </a:r>
-          </a:p>
-          <a:p>
-            <a:pPr marL="342900" indent="-342900">
-              <a:buFont typeface="+mj-lt"/>
-              <a:buAutoNum type="arabicPeriod"/>
-            </a:pPr>
-            <a:r>
-              <a:rPr lang="en-US" dirty="0" smtClean="0"/>
-              <a:t>Twitter handle</a:t>
-            </a:r>
-          </a:p>
-          <a:p>
-            <a:pPr marL="342900" indent="-342900">
-              <a:buFont typeface="+mj-lt"/>
-              <a:buAutoNum type="arabicPeriod"/>
-            </a:pPr>
-            <a:r>
-              <a:rPr lang="en-US" dirty="0" smtClean="0"/>
-              <a:t>Facebook page</a:t>
-            </a:r>
-          </a:p>
-          <a:p>
-            <a:pPr marL="342900" indent="-342900">
-              <a:buFont typeface="+mj-lt"/>
-              <a:buAutoNum type="arabicPeriod"/>
-            </a:pPr>
-            <a:r>
-              <a:rPr lang="en-US" dirty="0" smtClean="0"/>
-              <a:t>Website</a:t>
-            </a:r>
-          </a:p>
-          <a:p>
-            <a:pPr marL="342900" indent="-342900">
-              <a:buFont typeface="+mj-lt"/>
-              <a:buAutoNum type="arabicPeriod"/>
-            </a:pPr>
-            <a:r>
-              <a:rPr lang="en-US" dirty="0" smtClean="0"/>
-              <a:t>Related New York Times headlines</a:t>
-            </a:r>
-          </a:p>
-        </p:txBody>
-      </p:sp>
-      <p:pic>
-        <p:nvPicPr>
-          <p:cNvPr id="5" name="Picture Placeholder 4"/>
-          <p:cNvPicPr>
-            <a:picLocks noGrp="1" noChangeAspect="1"/>
-          </p:cNvPicPr>
-          <p:nvPr>
-            <p:ph type="pic" sz="quarter" idx="13"/>
-          </p:nvPr>
-        </p:nvPicPr>
-        <p:blipFill rotWithShape="1">
-          <a:blip r:embed="rId2"/>
-          <a:srcRect b="-2110"/>
-          <a:stretch/>
-        </p:blipFill>
-        <p:spPr>
-          <a:xfrm>
-            <a:off x="4760258" y="990601"/>
-            <a:ext cx="4096512" cy="4724400"/>
-          </a:xfrm>
-        </p:spPr>
-      </p:pic>
-    </p:spTree>
-    <p:extLst>
-      <p:ext uri="{BB962C8B-B14F-4D97-AF65-F5344CB8AC3E}">
-        <p14:creationId xmlns:p14="http://schemas.microsoft.com/office/powerpoint/2010/main" val="1390534384"/>
-      </p:ext>
-    </p:extLst>
-  </p:cSld>
-  <p:clrMapOvr>
-    <a:masterClrMapping/>
-  </p:clrMapOvr>
-  <p:timing>
-    <p:tnLst>
-      <p:par>
-        <p:cTn xmlns:p14="http://schemas.microsoft.com/office/powerpoint/2010/main" id="1" dur="indefinite" restart="never" nodeType="tmRoot"/>
-      </p:par>
-    </p:tnLst>
-  </p:timing>
-</p:sld>
-</file>
-
-<file path=ppt/slides/slide8.xml><?xml version="1.0" encoding="utf-8"?>
-<p:sld xmlns:a="http://schemas.openxmlformats.org/drawingml/2006/main" xmlns:r="http://schemas.openxmlformats.org/officeDocument/2006/relationships" xmlns:p="http://schemas.openxmlformats.org/presentationml/2006/main">
-  <p:cSld>
-    <p:spTree>
-      <p:nvGrpSpPr>
-        <p:cNvPr id="1" name=""/>
-        <p:cNvGrpSpPr/>
-        <p:nvPr/>
-      </p:nvGrpSpPr>
-      <p:grpSpPr>
-        <a:xfrm>
-          <a:off x="0" y="0"/>
-          <a:ext cx="0" cy="0"/>
-          <a:chOff x="0" y="0"/>
-          <a:chExt cx="0" cy="0"/>
-        </a:xfrm>
-      </p:grpSpPr>
-      <p:sp>
-        <p:nvSpPr>
-          <p:cNvPr id="2" name="Title 1"/>
-          <p:cNvSpPr>
-            <a:spLocks noGrp="1"/>
-          </p:cNvSpPr>
-          <p:nvPr>
-            <p:ph type="title"/>
-          </p:nvPr>
-        </p:nvSpPr>
-        <p:spPr>
-          <a:xfrm>
             <a:off x="3720355" y="4706938"/>
             <a:ext cx="4966446" cy="1398494"/>
           </a:xfrm>
@@ -13535,7 +13003,7 @@
 </p:sld>
 </file>
 
-<file path=ppt/slides/slide9.xml><?xml version="1.0" encoding="utf-8"?>
+<file path=ppt/slides/slide8.xml><?xml version="1.0" encoding="utf-8"?>
 <p:sld xmlns:a="http://schemas.openxmlformats.org/drawingml/2006/main" xmlns:r="http://schemas.openxmlformats.org/officeDocument/2006/relationships" xmlns:p="http://schemas.openxmlformats.org/presentationml/2006/main">
   <p:cSld>
     <p:spTree>
@@ -13630,6 +13098,321 @@
     <p:extLst>
       <p:ext uri="{BB962C8B-B14F-4D97-AF65-F5344CB8AC3E}">
         <p14:creationId xmlns:p14="http://schemas.microsoft.com/office/powerpoint/2010/main" val="1109767749"/>
+      </p:ext>
+    </p:extLst>
+  </p:cSld>
+  <p:clrMapOvr>
+    <a:masterClrMapping/>
+  </p:clrMapOvr>
+  <p:timing>
+    <p:tnLst>
+      <p:par>
+        <p:cTn xmlns:p14="http://schemas.microsoft.com/office/powerpoint/2010/main" id="1" dur="indefinite" restart="never" nodeType="tmRoot"/>
+      </p:par>
+    </p:tnLst>
+  </p:timing>
+</p:sld>
+</file>
+
+<file path=ppt/slides/slide9.xml><?xml version="1.0" encoding="utf-8"?>
+<p:sld xmlns:a="http://schemas.openxmlformats.org/drawingml/2006/main" xmlns:r="http://schemas.openxmlformats.org/officeDocument/2006/relationships" xmlns:p="http://schemas.openxmlformats.org/presentationml/2006/main">
+  <p:cSld>
+    <p:spTree>
+      <p:nvGrpSpPr>
+        <p:cNvPr id="1" name=""/>
+        <p:cNvGrpSpPr/>
+        <p:nvPr/>
+      </p:nvGrpSpPr>
+      <p:grpSpPr>
+        <a:xfrm>
+          <a:off x="0" y="0"/>
+          <a:ext cx="0" cy="0"/>
+          <a:chOff x="0" y="0"/>
+          <a:chExt cx="0" cy="0"/>
+        </a:xfrm>
+      </p:grpSpPr>
+      <p:sp>
+        <p:nvSpPr>
+          <p:cNvPr id="2" name="Title 1"/>
+          <p:cNvSpPr>
+            <a:spLocks noGrp="1"/>
+          </p:cNvSpPr>
+          <p:nvPr>
+            <p:ph type="title"/>
+          </p:nvPr>
+        </p:nvSpPr>
+        <p:spPr>
+          <a:xfrm>
+            <a:off x="457199" y="790912"/>
+            <a:ext cx="7391401" cy="1143000"/>
+          </a:xfrm>
+        </p:spPr>
+        <p:txBody>
+          <a:bodyPr/>
+          <a:lstStyle/>
+          <a:p>
+            <a:r>
+              <a:rPr lang="en-US" dirty="0" smtClean="0"/>
+              <a:t>To get their office, we had to use a different response</a:t>
+            </a:r>
+            <a:r>
+              <a:rPr lang="mr-IN" dirty="0" smtClean="0"/>
+              <a:t>…</a:t>
+            </a:r>
+            <a:r>
+              <a:rPr lang="en-US" dirty="0" smtClean="0"/>
+              <a:t>.</a:t>
+            </a:r>
+            <a:endParaRPr lang="en-US" dirty="0"/>
+          </a:p>
+        </p:txBody>
+      </p:sp>
+      <p:pic>
+        <p:nvPicPr>
+          <p:cNvPr id="5" name="Content Placeholder 4"/>
+          <p:cNvPicPr>
+            <a:picLocks noGrp="1" noChangeAspect="1"/>
+          </p:cNvPicPr>
+          <p:nvPr>
+            <p:ph sz="half" idx="1"/>
+          </p:nvPr>
+        </p:nvPicPr>
+        <p:blipFill rotWithShape="1">
+          <a:blip r:embed="rId2"/>
+          <a:srcRect b="14657"/>
+          <a:stretch/>
+        </p:blipFill>
+        <p:spPr>
+          <a:xfrm>
+            <a:off x="457200" y="2214563"/>
+            <a:ext cx="3566160" cy="4111548"/>
+          </a:xfrm>
+        </p:spPr>
+      </p:pic>
+      <p:pic>
+        <p:nvPicPr>
+          <p:cNvPr id="7" name="Content Placeholder 6"/>
+          <p:cNvPicPr>
+            <a:picLocks noGrp="1" noChangeAspect="1"/>
+          </p:cNvPicPr>
+          <p:nvPr>
+            <p:ph sz="half" idx="2"/>
+          </p:nvPr>
+        </p:nvPicPr>
+        <p:blipFill>
+          <a:blip r:embed="rId3"/>
+          <a:srcRect l="9604" r="9604"/>
+          <a:stretch>
+            <a:fillRect/>
+          </a:stretch>
+        </p:blipFill>
+        <p:spPr>
+          <a:xfrm>
+            <a:off x="4283076" y="2214563"/>
+            <a:ext cx="2843380" cy="1343199"/>
+          </a:xfrm>
+        </p:spPr>
+      </p:pic>
+      <p:sp>
+        <p:nvSpPr>
+          <p:cNvPr id="9" name="Rounded Rectangle 8"/>
+          <p:cNvSpPr/>
+          <p:nvPr/>
+        </p:nvSpPr>
+        <p:spPr>
+          <a:xfrm>
+            <a:off x="4283073" y="3016638"/>
+            <a:ext cx="1326364" cy="523484"/>
+          </a:xfrm>
+          <a:prstGeom prst="roundRect">
+            <a:avLst/>
+          </a:prstGeom>
+          <a:noFill/>
+          <a:ln w="76200" cmpd="sng">
+            <a:solidFill>
+              <a:srgbClr val="800000"/>
+            </a:solidFill>
+          </a:ln>
+          <a:effectLst/>
+        </p:spPr>
+        <p:style>
+          <a:lnRef idx="1">
+            <a:schemeClr val="accent1"/>
+          </a:lnRef>
+          <a:fillRef idx="3">
+            <a:schemeClr val="accent1"/>
+          </a:fillRef>
+          <a:effectRef idx="2">
+            <a:schemeClr val="accent1"/>
+          </a:effectRef>
+          <a:fontRef idx="minor">
+            <a:schemeClr val="lt1"/>
+          </a:fontRef>
+        </p:style>
+        <p:txBody>
+          <a:bodyPr rtlCol="0" anchor="ctr"/>
+          <a:lstStyle/>
+          <a:p>
+            <a:pPr algn="ctr"/>
+            <a:endParaRPr lang="en-US"/>
+          </a:p>
+        </p:txBody>
+      </p:sp>
+      <p:cxnSp>
+        <p:nvCxnSpPr>
+          <p:cNvPr id="12" name="Curved Connector 11"/>
+          <p:cNvCxnSpPr>
+            <a:stCxn id="9" idx="1"/>
+          </p:cNvCxnSpPr>
+          <p:nvPr/>
+        </p:nvCxnSpPr>
+        <p:spPr>
+          <a:xfrm rot="10800000">
+            <a:off x="2240247" y="2363916"/>
+            <a:ext cx="2042826" cy="914465"/>
+          </a:xfrm>
+          <a:prstGeom prst="curvedConnector3">
+            <a:avLst>
+              <a:gd name="adj1" fmla="val 35321"/>
+            </a:avLst>
+          </a:prstGeom>
+          <a:ln w="76200" cmpd="sng">
+            <a:solidFill>
+              <a:srgbClr val="800000"/>
+            </a:solidFill>
+            <a:tailEnd type="arrow"/>
+          </a:ln>
+        </p:spPr>
+        <p:style>
+          <a:lnRef idx="2">
+            <a:schemeClr val="accent1"/>
+          </a:lnRef>
+          <a:fillRef idx="0">
+            <a:schemeClr val="accent1"/>
+          </a:fillRef>
+          <a:effectRef idx="1">
+            <a:schemeClr val="accent1"/>
+          </a:effectRef>
+          <a:fontRef idx="minor">
+            <a:schemeClr val="tx1"/>
+          </a:fontRef>
+        </p:style>
+      </p:cxnSp>
+      <p:cxnSp>
+        <p:nvCxnSpPr>
+          <p:cNvPr id="17" name="Curved Connector 16"/>
+          <p:cNvCxnSpPr>
+            <a:stCxn id="9" idx="1"/>
+          </p:cNvCxnSpPr>
+          <p:nvPr/>
+        </p:nvCxnSpPr>
+        <p:spPr>
+          <a:xfrm rot="10800000" flipV="1">
+            <a:off x="2240247" y="3278379"/>
+            <a:ext cx="2042826" cy="1255397"/>
+          </a:xfrm>
+          <a:prstGeom prst="curvedConnector3">
+            <a:avLst>
+              <a:gd name="adj1" fmla="val 50000"/>
+            </a:avLst>
+          </a:prstGeom>
+          <a:ln w="76200" cmpd="sng">
+            <a:solidFill>
+              <a:srgbClr val="800000"/>
+            </a:solidFill>
+            <a:tailEnd type="arrow"/>
+          </a:ln>
+        </p:spPr>
+        <p:style>
+          <a:lnRef idx="2">
+            <a:schemeClr val="accent1"/>
+          </a:lnRef>
+          <a:fillRef idx="0">
+            <a:schemeClr val="accent1"/>
+          </a:fillRef>
+          <a:effectRef idx="1">
+            <a:schemeClr val="accent1"/>
+          </a:effectRef>
+          <a:fontRef idx="minor">
+            <a:schemeClr val="tx1"/>
+          </a:fontRef>
+        </p:style>
+      </p:cxnSp>
+      <p:pic>
+        <p:nvPicPr>
+          <p:cNvPr id="22" name="Picture 21"/>
+          <p:cNvPicPr>
+            <a:picLocks noChangeAspect="1"/>
+          </p:cNvPicPr>
+          <p:nvPr/>
+        </p:nvPicPr>
+        <p:blipFill>
+          <a:blip r:embed="rId4"/>
+          <a:stretch>
+            <a:fillRect/>
+          </a:stretch>
+        </p:blipFill>
+        <p:spPr>
+          <a:xfrm>
+            <a:off x="4283073" y="3739925"/>
+            <a:ext cx="3801851" cy="2586187"/>
+          </a:xfrm>
+          <a:prstGeom prst="rect">
+            <a:avLst/>
+          </a:prstGeom>
+        </p:spPr>
+      </p:pic>
+      <p:sp>
+        <p:nvSpPr>
+          <p:cNvPr id="35" name="Title 1"/>
+          <p:cNvSpPr txBox="1">
+            <a:spLocks/>
+          </p:cNvSpPr>
+          <p:nvPr/>
+        </p:nvSpPr>
+        <p:spPr>
+          <a:xfrm>
+            <a:off x="5609437" y="3739926"/>
+            <a:ext cx="2410186" cy="1143000"/>
+          </a:xfrm>
+          <a:prstGeom prst="rect">
+            <a:avLst/>
+          </a:prstGeom>
+        </p:spPr>
+        <p:txBody>
+          <a:bodyPr vert="horz" lIns="91440" tIns="45720" rIns="91440" bIns="45720" rtlCol="0" anchor="t" anchorCtr="0">
+            <a:noAutofit/>
+          </a:bodyPr>
+          <a:lstStyle>
+            <a:lvl1pPr algn="l" defTabSz="914400" rtl="0" eaLnBrk="1" latinLnBrk="0" hangingPunct="1">
+              <a:spcBef>
+                <a:spcPct val="0"/>
+              </a:spcBef>
+              <a:buNone/>
+              <a:defRPr sz="3600" kern="1200">
+                <a:solidFill>
+                  <a:schemeClr val="accent1"/>
+                </a:solidFill>
+                <a:latin typeface="+mj-lt"/>
+                <a:ea typeface="+mj-ea"/>
+                <a:cs typeface="+mj-cs"/>
+              </a:defRPr>
+            </a:lvl1pPr>
+          </a:lstStyle>
+          <a:p>
+            <a:pPr algn="r"/>
+            <a:r>
+              <a:rPr lang="en-US" sz="2000" dirty="0" smtClean="0"/>
+              <a:t>Push to a new array!</a:t>
+            </a:r>
+            <a:endParaRPr lang="en-US" sz="2000" dirty="0"/>
+          </a:p>
+        </p:txBody>
+      </p:sp>
+    </p:spTree>
+    <p:extLst>
+      <p:ext uri="{BB962C8B-B14F-4D97-AF65-F5344CB8AC3E}">
+        <p14:creationId xmlns:p14="http://schemas.microsoft.com/office/powerpoint/2010/main" val="825794356"/>
       </p:ext>
     </p:extLst>
   </p:cSld>
